--- a/teaching/cs513-autocps-fall-2025/slides/Perception.pptx
+++ b/teaching/cs513-autocps-fall-2025/slides/Perception.pptx
@@ -5,10 +5,10 @@
     <p:sldMasterId id="2147483648" r:id="rId1"/>
   </p:sldMasterIdLst>
   <p:notesMasterIdLst>
-    <p:notesMasterId r:id="rId32"/>
+    <p:notesMasterId r:id="rId37"/>
   </p:notesMasterIdLst>
   <p:handoutMasterIdLst>
-    <p:handoutMasterId r:id="rId33"/>
+    <p:handoutMasterId r:id="rId38"/>
   </p:handoutMasterIdLst>
   <p:sldIdLst>
     <p:sldId id="256" r:id="rId2"/>
@@ -19,28 +19,33 @@
     <p:sldId id="406" r:id="rId7"/>
     <p:sldId id="407" r:id="rId8"/>
     <p:sldId id="409" r:id="rId9"/>
-    <p:sldId id="422" r:id="rId10"/>
-    <p:sldId id="423" r:id="rId11"/>
-    <p:sldId id="383" r:id="rId12"/>
-    <p:sldId id="358" r:id="rId13"/>
-    <p:sldId id="359" r:id="rId14"/>
-    <p:sldId id="366" r:id="rId15"/>
-    <p:sldId id="361" r:id="rId16"/>
-    <p:sldId id="367" r:id="rId17"/>
-    <p:sldId id="368" r:id="rId18"/>
-    <p:sldId id="396" r:id="rId19"/>
-    <p:sldId id="369" r:id="rId20"/>
-    <p:sldId id="363" r:id="rId21"/>
-    <p:sldId id="397" r:id="rId22"/>
-    <p:sldId id="398" r:id="rId23"/>
-    <p:sldId id="401" r:id="rId24"/>
-    <p:sldId id="391" r:id="rId25"/>
-    <p:sldId id="392" r:id="rId26"/>
-    <p:sldId id="393" r:id="rId27"/>
-    <p:sldId id="410" r:id="rId28"/>
-    <p:sldId id="360" r:id="rId29"/>
-    <p:sldId id="411" r:id="rId30"/>
-    <p:sldId id="364" r:id="rId31"/>
+    <p:sldId id="424" r:id="rId10"/>
+    <p:sldId id="422" r:id="rId11"/>
+    <p:sldId id="425" r:id="rId12"/>
+    <p:sldId id="423" r:id="rId13"/>
+    <p:sldId id="383" r:id="rId14"/>
+    <p:sldId id="426" r:id="rId15"/>
+    <p:sldId id="358" r:id="rId16"/>
+    <p:sldId id="359" r:id="rId17"/>
+    <p:sldId id="366" r:id="rId18"/>
+    <p:sldId id="361" r:id="rId19"/>
+    <p:sldId id="367" r:id="rId20"/>
+    <p:sldId id="368" r:id="rId21"/>
+    <p:sldId id="396" r:id="rId22"/>
+    <p:sldId id="369" r:id="rId23"/>
+    <p:sldId id="363" r:id="rId24"/>
+    <p:sldId id="397" r:id="rId25"/>
+    <p:sldId id="398" r:id="rId26"/>
+    <p:sldId id="401" r:id="rId27"/>
+    <p:sldId id="428" r:id="rId28"/>
+    <p:sldId id="427" r:id="rId29"/>
+    <p:sldId id="391" r:id="rId30"/>
+    <p:sldId id="392" r:id="rId31"/>
+    <p:sldId id="393" r:id="rId32"/>
+    <p:sldId id="410" r:id="rId33"/>
+    <p:sldId id="360" r:id="rId34"/>
+    <p:sldId id="411" r:id="rId35"/>
+    <p:sldId id="364" r:id="rId36"/>
   </p:sldIdLst>
   <p:sldSz cx="12192000" cy="6858000"/>
   <p:notesSz cx="6858000" cy="9144000"/>
@@ -255,7 +260,7 @@
           <a:p>
             <a:fld id="{459B985A-4C37-4D1F-A437-E4A951A85D11}" type="datetimeFigureOut">
               <a:rPr lang="en-US" smtClean="0"/>
-              <a:t>11/25/2024</a:t>
+              <a:t>11/23/2025</a:t>
             </a:fld>
             <a:endParaRPr lang="en-US" dirty="0"/>
           </a:p>
@@ -432,7 +437,7 @@
           <a:p>
             <a:fld id="{6580C23F-98B7-41D4-A9FA-15A275A51486}" type="datetimeFigureOut">
               <a:rPr lang="en-US" smtClean="0"/>
-              <a:t>11/25/2024</a:t>
+              <a:t>11/23/2025</a:t>
             </a:fld>
             <a:endParaRPr lang="en-US" dirty="0"/>
           </a:p>
@@ -764,7 +769,7 @@
           <a:p>
             <a:fld id="{E586B107-AA8F-4C65-A94C-468C6EEC3A14}" type="slidenum">
               <a:rPr lang="en-US" smtClean="0"/>
-              <a:t>28</a:t>
+              <a:t>33</a:t>
             </a:fld>
             <a:endParaRPr lang="en-US" dirty="0"/>
           </a:p>
@@ -1153,7 +1158,7 @@
           <p:nvPr userDrawn="1"/>
         </p:nvPicPr>
         <mc:AlternateContent xmlns:mc="http://schemas.openxmlformats.org/markup-compatibility/2006">
-          <mc:Choice xmlns:ma="http://schemas.microsoft.com/office/mac/drawingml/2008/main" xmlns:mv="urn:schemas-microsoft-com:mac:vml" xmlns="" Requires="ma">
+          <mc:Choice xmlns="" xmlns:mv="urn:schemas-microsoft-com:mac:vml" xmlns:ma="http://schemas.microsoft.com/office/mac/drawingml/2008/main" Requires="ma">
             <p:blipFill>
               <a:blip r:embed="rId3"/>
               <a:stretch>
@@ -2123,7 +2128,7 @@
           <a:p>
             <a:r>
               <a:rPr lang="en-US" dirty="0"/>
-              <a:t>Fall 2024 CS 513.</a:t>
+              <a:t>Fall 2025. CS 513.</a:t>
             </a:r>
           </a:p>
           <a:p>
@@ -2169,7 +2174,7 @@
           <p:cNvPr id="2" name="Content Placeholder 1">
             <a:extLst>
               <a:ext uri="{FF2B5EF4-FFF2-40B4-BE49-F238E27FC236}">
-                <a16:creationId xmlns:a16="http://schemas.microsoft.com/office/drawing/2014/main" id="{C5311C0F-7BCF-9C29-15D6-046B1745685F}"/>
+                <a16:creationId xmlns:a16="http://schemas.microsoft.com/office/drawing/2014/main" id="{5BDD5CAE-485E-5FB3-EF53-9A83333061E0}"/>
               </a:ext>
             </a:extLst>
           </p:cNvPr>
@@ -2180,88 +2185,20 @@
             <p:ph idx="1"/>
           </p:nvPr>
         </p:nvSpPr>
-        <p:spPr/>
+        <p:spPr>
+          <a:xfrm>
+            <a:off x="166682" y="1045391"/>
+            <a:ext cx="10567994" cy="778828"/>
+          </a:xfrm>
+        </p:spPr>
         <p:txBody>
           <a:bodyPr/>
           <a:lstStyle/>
           <a:p>
             <a:r>
               <a:rPr lang="en-US" dirty="0"/>
-              <a:t>Given two different point clouds, how do we “fuse” them to have a uniform view?</a:t>
-            </a:r>
-          </a:p>
-          <a:p>
-            <a:r>
-              <a:rPr lang="en-US" dirty="0"/>
-              <a:t>Two main steps:</a:t>
-            </a:r>
-          </a:p>
-          <a:p>
-            <a:pPr lvl="1"/>
-            <a:r>
-              <a:rPr lang="en-US" dirty="0"/>
-              <a:t>Correspondence: figure out which points </a:t>
-            </a:r>
-            <a:r>
-              <a:rPr lang="en-US" i="1" dirty="0"/>
-              <a:t>correspond</a:t>
-            </a:r>
-            <a:r>
-              <a:rPr lang="en-US" dirty="0"/>
-              <a:t> to each other</a:t>
-            </a:r>
-          </a:p>
-          <a:p>
-            <a:pPr lvl="1"/>
-            <a:r>
-              <a:rPr lang="en-US" dirty="0"/>
-              <a:t>Transformation: map one point cloud to the other’s coordinate frame</a:t>
-            </a:r>
-          </a:p>
-          <a:p>
-            <a:pPr lvl="2"/>
-            <a:r>
-              <a:rPr lang="en-US" dirty="0"/>
-              <a:t>Rigid (translation/rotation) or Non-rigid (Scaling/shear mapping)</a:t>
-            </a:r>
-          </a:p>
-          <a:p>
-            <a:r>
-              <a:rPr lang="en-US" dirty="0"/>
-              <a:t>Algorithms for doing point cloud alignment?</a:t>
-            </a:r>
-          </a:p>
-          <a:p>
-            <a:pPr lvl="1"/>
-            <a:r>
-              <a:rPr lang="en-US" dirty="0"/>
-              <a:t>Iterative closest point (ICP) [Chen &amp; Medioni, </a:t>
-            </a:r>
-            <a:r>
-              <a:rPr lang="en-US" dirty="0" err="1"/>
-              <a:t>Besl</a:t>
-            </a:r>
-            <a:r>
-              <a:rPr lang="en-US" dirty="0"/>
-              <a:t> &amp; McKay]</a:t>
-            </a:r>
-          </a:p>
-          <a:p>
-            <a:pPr lvl="1"/>
-            <a:r>
-              <a:rPr lang="en-US" dirty="0"/>
-              <a:t>Feature-based matching (color, intensity, reflectance, etc.)</a:t>
-            </a:r>
-          </a:p>
-          <a:p>
-            <a:pPr lvl="1"/>
-            <a:r>
-              <a:rPr lang="en-US" dirty="0"/>
-              <a:t>Deep Learning-based techniques</a:t>
-            </a:r>
-          </a:p>
-          <a:p>
-            <a:endParaRPr lang="en-US" dirty="0"/>
+              <a:t>Solid-state LiDAR : cheaper/smaller than mechanical LiDAR</a:t>
+            </a:r>
           </a:p>
         </p:txBody>
       </p:sp>
@@ -2270,7 +2207,7 @@
           <p:cNvPr id="3" name="Title 2">
             <a:extLst>
               <a:ext uri="{FF2B5EF4-FFF2-40B4-BE49-F238E27FC236}">
-                <a16:creationId xmlns:a16="http://schemas.microsoft.com/office/drawing/2014/main" id="{71ED6AC2-4AF2-3B63-7099-4597C2BAB59D}"/>
+                <a16:creationId xmlns:a16="http://schemas.microsoft.com/office/drawing/2014/main" id="{8A2D6186-6BFB-A724-B293-27660A5E8253}"/>
               </a:ext>
             </a:extLst>
           </p:cNvPr>
@@ -2288,7 +2225,7 @@
           <a:p>
             <a:r>
               <a:rPr lang="en-US" dirty="0"/>
-              <a:t>Point cloud alignment	</a:t>
+              <a:t>Shift to solid-state LiDAR</a:t>
             </a:r>
           </a:p>
         </p:txBody>
@@ -2298,7 +2235,7 @@
           <p:cNvPr id="4" name="Slide Number Placeholder 3">
             <a:extLst>
               <a:ext uri="{FF2B5EF4-FFF2-40B4-BE49-F238E27FC236}">
-                <a16:creationId xmlns:a16="http://schemas.microsoft.com/office/drawing/2014/main" id="{9C9A8312-7247-412D-F214-98C296C3F13E}"/>
+                <a16:creationId xmlns:a16="http://schemas.microsoft.com/office/drawing/2014/main" id="{8D0D3BC7-5288-8517-4C8A-CD9C779F862E}"/>
               </a:ext>
             </a:extLst>
           </p:cNvPr>
@@ -2323,10 +2260,40 @@
           </a:p>
         </p:txBody>
       </p:sp>
+      <p:pic>
+        <p:nvPicPr>
+          <p:cNvPr id="5" name="Picture 4">
+            <a:extLst>
+              <a:ext uri="{FF2B5EF4-FFF2-40B4-BE49-F238E27FC236}">
+                <a16:creationId xmlns:a16="http://schemas.microsoft.com/office/drawing/2014/main" id="{C3B9E47E-AA2D-2378-1A86-80D994E01D2F}"/>
+              </a:ext>
+            </a:extLst>
+          </p:cNvPr>
+          <p:cNvPicPr>
+            <a:picLocks noChangeAspect="1"/>
+          </p:cNvPicPr>
+          <p:nvPr/>
+        </p:nvPicPr>
+        <p:blipFill>
+          <a:blip r:embed="rId2"/>
+          <a:stretch>
+            <a:fillRect/>
+          </a:stretch>
+        </p:blipFill>
+        <p:spPr>
+          <a:xfrm>
+            <a:off x="2035967" y="1710205"/>
+            <a:ext cx="6829424" cy="3835704"/>
+          </a:xfrm>
+          <a:prstGeom prst="rect">
+            <a:avLst/>
+          </a:prstGeom>
+        </p:spPr>
+      </p:pic>
     </p:spTree>
     <p:extLst>
       <p:ext uri="{BB962C8B-B14F-4D97-AF65-F5344CB8AC3E}">
-        <p14:creationId xmlns:p14="http://schemas.microsoft.com/office/powerpoint/2010/main" val="1777792111"/>
+        <p14:creationId xmlns:p14="http://schemas.microsoft.com/office/powerpoint/2010/main" val="311801897"/>
       </p:ext>
     </p:extLst>
   </p:cSld>
@@ -2358,7 +2325,7 @@
           <p:cNvPr id="2" name="Content Placeholder 1">
             <a:extLst>
               <a:ext uri="{FF2B5EF4-FFF2-40B4-BE49-F238E27FC236}">
-                <a16:creationId xmlns:a16="http://schemas.microsoft.com/office/drawing/2014/main" id="{5A26ACBF-B8D5-4201-AE9C-B4FFF0664B0E}"/>
+                <a16:creationId xmlns:a16="http://schemas.microsoft.com/office/drawing/2014/main" id="{3BB57BCF-0DEB-6ACA-C504-22CDECDCF52A}"/>
               </a:ext>
             </a:extLst>
           </p:cNvPr>
@@ -2376,56 +2343,79 @@
           <a:p>
             <a:r>
               <a:rPr lang="en-US" dirty="0"/>
-              <a:t>Detection of segmented clusters from LIDAR data is done using traditional machine learning algorithms as well as deep learning</a:t>
-            </a:r>
-          </a:p>
-          <a:p>
-            <a:r>
-              <a:rPr lang="en-US" dirty="0"/>
-              <a:t>Detection from images (camera data)</a:t>
+              <a:t>Noise filtering</a:t>
             </a:r>
           </a:p>
           <a:p>
             <a:pPr lvl="1"/>
             <a:r>
-              <a:rPr lang="en-US" dirty="0"/>
-              <a:t>Lane line marking detection</a:t>
+              <a:rPr lang="en-US" sz="2400" dirty="0"/>
+              <a:t>Statistical outlier removal (points out-of-place </a:t>
+            </a:r>
+            <a:r>
+              <a:rPr lang="en-US" sz="2400" dirty="0" err="1"/>
+              <a:t>w.r.t.</a:t>
+            </a:r>
+            <a:r>
+              <a:rPr lang="en-US" sz="2400" dirty="0"/>
+              <a:t> neighborhood density)</a:t>
             </a:r>
           </a:p>
           <a:p>
             <a:pPr lvl="1"/>
             <a:r>
-              <a:rPr lang="en-US" dirty="0"/>
-              <a:t>Drivable path detection</a:t>
-            </a:r>
+              <a:rPr lang="en-US" sz="2400" dirty="0"/>
+              <a:t>Radius outlier removal (points with too few neighbors)</a:t>
+            </a:r>
+          </a:p>
+          <a:p>
+            <a:r>
+              <a:rPr lang="en-US" dirty="0" err="1"/>
+              <a:t>Downsampling</a:t>
+            </a:r>
+            <a:endParaRPr lang="en-US" dirty="0"/>
           </a:p>
           <a:p>
             <a:pPr lvl="1"/>
             <a:r>
-              <a:rPr lang="en-US" dirty="0"/>
-              <a:t>Object detection</a:t>
+              <a:rPr lang="en-US" sz="2400" dirty="0"/>
+              <a:t>Voxel grid filtering (replace points in a cube with its centroid)</a:t>
+            </a:r>
+          </a:p>
+          <a:p>
+            <a:r>
+              <a:rPr lang="en-US" dirty="0"/>
+              <a:t>Segmentation</a:t>
             </a:r>
           </a:p>
           <a:p>
             <a:pPr lvl="1"/>
             <a:r>
-              <a:rPr lang="en-US" dirty="0"/>
-              <a:t>Distances to obstacles</a:t>
+              <a:rPr lang="en-US" sz="2400" dirty="0"/>
+              <a:t>Classic algorithms like RANSAC, DBSCAN, etc. + NN-based algorithms</a:t>
+            </a:r>
+          </a:p>
+          <a:p>
+            <a:r>
+              <a:rPr lang="en-US" dirty="0"/>
+              <a:t>Point-cloud Registration</a:t>
             </a:r>
           </a:p>
           <a:p>
             <a:pPr lvl="1"/>
             <a:r>
-              <a:rPr lang="en-US" dirty="0"/>
-              <a:t>Semantic segmentation</a:t>
-            </a:r>
+              <a:rPr lang="en-US" sz="2400" dirty="0"/>
+              <a:t>Aligning points from two different point </a:t>
+            </a:r>
+            <a:r>
+              <a:rPr lang="en-US" sz="2400" dirty="0" err="1"/>
+              <a:t>couds</a:t>
+            </a:r>
+            <a:endParaRPr lang="en-US" sz="2400" dirty="0"/>
           </a:p>
           <a:p>
             <a:pPr lvl="1"/>
-            <a:r>
-              <a:rPr lang="en-US" dirty="0"/>
-              <a:t>Scenario identification</a:t>
-            </a:r>
+            <a:endParaRPr lang="en-US" dirty="0"/>
           </a:p>
         </p:txBody>
       </p:sp>
@@ -2434,7 +2424,7 @@
           <p:cNvPr id="3" name="Title 2">
             <a:extLst>
               <a:ext uri="{FF2B5EF4-FFF2-40B4-BE49-F238E27FC236}">
-                <a16:creationId xmlns:a16="http://schemas.microsoft.com/office/drawing/2014/main" id="{7E3A1EA6-B75D-44B4-B21A-9C6CEECB8723}"/>
+                <a16:creationId xmlns:a16="http://schemas.microsoft.com/office/drawing/2014/main" id="{DE71BB01-377A-59CD-7853-DDAC8320C001}"/>
               </a:ext>
             </a:extLst>
           </p:cNvPr>
@@ -2452,7 +2442,7 @@
           <a:p>
             <a:r>
               <a:rPr lang="en-US" dirty="0"/>
-              <a:t>Detection algorithms for video/spatial data</a:t>
+              <a:t>Processing LiDAR</a:t>
             </a:r>
           </a:p>
         </p:txBody>
@@ -2462,7 +2452,7 @@
           <p:cNvPr id="4" name="Slide Number Placeholder 3">
             <a:extLst>
               <a:ext uri="{FF2B5EF4-FFF2-40B4-BE49-F238E27FC236}">
-                <a16:creationId xmlns:a16="http://schemas.microsoft.com/office/drawing/2014/main" id="{6E4C938D-54AE-464C-BE2F-2754B2A1DB58}"/>
+                <a16:creationId xmlns:a16="http://schemas.microsoft.com/office/drawing/2014/main" id="{6F6BAB4B-71C5-B927-6A24-8DBF67A424FA}"/>
               </a:ext>
             </a:extLst>
           </p:cNvPr>
@@ -2490,7 +2480,7 @@
     </p:spTree>
     <p:extLst>
       <p:ext uri="{BB962C8B-B14F-4D97-AF65-F5344CB8AC3E}">
-        <p14:creationId xmlns:p14="http://schemas.microsoft.com/office/powerpoint/2010/main" val="702246366"/>
+        <p14:creationId xmlns:p14="http://schemas.microsoft.com/office/powerpoint/2010/main" val="1485729302"/>
       </p:ext>
     </p:extLst>
   </p:cSld>
@@ -2522,7 +2512,7 @@
           <p:cNvPr id="2" name="Content Placeholder 1">
             <a:extLst>
               <a:ext uri="{FF2B5EF4-FFF2-40B4-BE49-F238E27FC236}">
-                <a16:creationId xmlns:a16="http://schemas.microsoft.com/office/drawing/2014/main" id="{4D498F01-17E5-4DE0-8453-935E53383F1C}"/>
+                <a16:creationId xmlns:a16="http://schemas.microsoft.com/office/drawing/2014/main" id="{C5311C0F-7BCF-9C29-15D6-046B1745685F}"/>
               </a:ext>
             </a:extLst>
           </p:cNvPr>
@@ -2540,55 +2530,77 @@
           <a:p>
             <a:r>
               <a:rPr lang="en-US" dirty="0"/>
-              <a:t>Inspired by visual cortex in animals</a:t>
-            </a:r>
-          </a:p>
-          <a:p>
-            <a:r>
-              <a:rPr lang="en-US" dirty="0"/>
-              <a:t>Learns image filters that were previously hand-engineered</a:t>
-            </a:r>
-          </a:p>
-          <a:p>
-            <a:r>
-              <a:rPr lang="en-US" dirty="0"/>
-              <a:t>Basic intuitions for CNNs: </a:t>
+              <a:t>Given two different point clouds, how do we “fuse” them to have a uniform view?</a:t>
+            </a:r>
+          </a:p>
+          <a:p>
+            <a:r>
+              <a:rPr lang="en-US" dirty="0"/>
+              <a:t>Two main steps:</a:t>
             </a:r>
           </a:p>
           <a:p>
             <a:pPr lvl="1"/>
             <a:r>
               <a:rPr lang="en-US" dirty="0"/>
-              <a:t>Images are too large to be monolithically processed by a feedforward neural network (1000x1000 image = 10</a:t>
-            </a:r>
-            <a:r>
-              <a:rPr lang="en-US" baseline="30000" dirty="0"/>
-              <a:t>6 </a:t>
-            </a:r>
-            <a:r>
-              <a:rPr lang="en-US" dirty="0"/>
-              <a:t>inputs, which means the weight matrix for the second layer is proportional to at least 10</a:t>
-            </a:r>
-            <a:r>
-              <a:rPr lang="en-US" baseline="30000" dirty="0"/>
-              <a:t>6!</a:t>
-            </a:r>
-            <a:r>
-              <a:rPr lang="en-US" dirty="0"/>
-              <a:t>)</a:t>
+              <a:t>Correspondence: figure out which points </a:t>
+            </a:r>
+            <a:r>
+              <a:rPr lang="en-US" i="1" dirty="0"/>
+              <a:t>correspond</a:t>
+            </a:r>
+            <a:r>
+              <a:rPr lang="en-US" dirty="0"/>
+              <a:t> to each other</a:t>
             </a:r>
           </a:p>
           <a:p>
             <a:pPr lvl="1"/>
             <a:r>
               <a:rPr lang="en-US" dirty="0"/>
-              <a:t>Data in an image is spatially correlated</a:t>
-            </a:r>
-          </a:p>
-          <a:p>
-            <a:r>
-              <a:rPr lang="en-US" dirty="0"/>
-              <a:t>CNN divided into several layers with different purposes</a:t>
+              <a:t>Transformation: map one point cloud to the other’s coordinate frame</a:t>
+            </a:r>
+          </a:p>
+          <a:p>
+            <a:pPr lvl="2"/>
+            <a:r>
+              <a:rPr lang="en-US" dirty="0"/>
+              <a:t>Rigid (translation/rotation) or Non-rigid (Scaling/shear mapping)</a:t>
+            </a:r>
+          </a:p>
+          <a:p>
+            <a:r>
+              <a:rPr lang="en-US" dirty="0"/>
+              <a:t>Algorithms for doing point cloud alignment?</a:t>
+            </a:r>
+          </a:p>
+          <a:p>
+            <a:pPr lvl="1"/>
+            <a:r>
+              <a:rPr lang="en-US" dirty="0"/>
+              <a:t>Iterative closest point (ICP) [Chen &amp; Medioni, </a:t>
+            </a:r>
+            <a:r>
+              <a:rPr lang="en-US" dirty="0" err="1"/>
+              <a:t>Besl</a:t>
+            </a:r>
+            <a:r>
+              <a:rPr lang="en-US" dirty="0"/>
+              <a:t> &amp; McKay]</a:t>
+            </a:r>
+          </a:p>
+          <a:p>
+            <a:pPr lvl="1"/>
+            <a:r>
+              <a:rPr lang="en-US" dirty="0"/>
+              <a:t>Feature-based matching (color, intensity, reflectance, etc.)</a:t>
+            </a:r>
+          </a:p>
+          <a:p>
+            <a:pPr lvl="1"/>
+            <a:r>
+              <a:rPr lang="en-US" dirty="0"/>
+              <a:t>Deep Learning-based techniques</a:t>
             </a:r>
           </a:p>
           <a:p>
@@ -2601,7 +2613,7 @@
           <p:cNvPr id="3" name="Title 2">
             <a:extLst>
               <a:ext uri="{FF2B5EF4-FFF2-40B4-BE49-F238E27FC236}">
-                <a16:creationId xmlns:a16="http://schemas.microsoft.com/office/drawing/2014/main" id="{879F0394-5BF3-4C98-A631-0713EABE0500}"/>
+                <a16:creationId xmlns:a16="http://schemas.microsoft.com/office/drawing/2014/main" id="{71ED6AC2-4AF2-3B63-7099-4597C2BAB59D}"/>
               </a:ext>
             </a:extLst>
           </p:cNvPr>
@@ -2619,7 +2631,7 @@
           <a:p>
             <a:r>
               <a:rPr lang="en-US" dirty="0"/>
-              <a:t>Convolutional Neural Networks</a:t>
+              <a:t>Point cloud alignment	</a:t>
             </a:r>
           </a:p>
         </p:txBody>
@@ -2629,7 +2641,7 @@
           <p:cNvPr id="4" name="Slide Number Placeholder 3">
             <a:extLst>
               <a:ext uri="{FF2B5EF4-FFF2-40B4-BE49-F238E27FC236}">
-                <a16:creationId xmlns:a16="http://schemas.microsoft.com/office/drawing/2014/main" id="{2D96AC6F-C9D2-4E5F-9D96-60B224CA45C7}"/>
+                <a16:creationId xmlns:a16="http://schemas.microsoft.com/office/drawing/2014/main" id="{9C9A8312-7247-412D-F214-98C296C3F13E}"/>
               </a:ext>
             </a:extLst>
           </p:cNvPr>
@@ -2657,7 +2669,7 @@
     </p:spTree>
     <p:extLst>
       <p:ext uri="{BB962C8B-B14F-4D97-AF65-F5344CB8AC3E}">
-        <p14:creationId xmlns:p14="http://schemas.microsoft.com/office/powerpoint/2010/main" val="1054258972"/>
+        <p14:creationId xmlns:p14="http://schemas.microsoft.com/office/powerpoint/2010/main" val="1777792111"/>
       </p:ext>
     </p:extLst>
   </p:cSld>
@@ -2689,6 +2701,591 @@
           <p:cNvPr id="2" name="Content Placeholder 1">
             <a:extLst>
               <a:ext uri="{FF2B5EF4-FFF2-40B4-BE49-F238E27FC236}">
+                <a16:creationId xmlns:a16="http://schemas.microsoft.com/office/drawing/2014/main" id="{5A26ACBF-B8D5-4201-AE9C-B4FFF0664B0E}"/>
+              </a:ext>
+            </a:extLst>
+          </p:cNvPr>
+          <p:cNvSpPr>
+            <a:spLocks noGrp="1"/>
+          </p:cNvSpPr>
+          <p:nvPr>
+            <p:ph idx="1"/>
+          </p:nvPr>
+        </p:nvSpPr>
+        <p:spPr/>
+        <p:txBody>
+          <a:bodyPr/>
+          <a:lstStyle/>
+          <a:p>
+            <a:r>
+              <a:rPr lang="en-US" dirty="0"/>
+              <a:t>Detection of segmented clusters from LIDAR data is done using traditional machine learning algorithms as well as deep learning</a:t>
+            </a:r>
+          </a:p>
+          <a:p>
+            <a:r>
+              <a:rPr lang="en-US" dirty="0"/>
+              <a:t>Detection from images (camera data)</a:t>
+            </a:r>
+          </a:p>
+          <a:p>
+            <a:pPr lvl="1"/>
+            <a:r>
+              <a:rPr lang="en-US" dirty="0"/>
+              <a:t>Lane line marking detection</a:t>
+            </a:r>
+          </a:p>
+          <a:p>
+            <a:pPr lvl="1"/>
+            <a:r>
+              <a:rPr lang="en-US" dirty="0"/>
+              <a:t>Drivable path detection</a:t>
+            </a:r>
+          </a:p>
+          <a:p>
+            <a:pPr lvl="1"/>
+            <a:r>
+              <a:rPr lang="en-US" dirty="0"/>
+              <a:t>Object detection</a:t>
+            </a:r>
+          </a:p>
+          <a:p>
+            <a:pPr lvl="1"/>
+            <a:r>
+              <a:rPr lang="en-US" dirty="0"/>
+              <a:t>Distances to obstacles</a:t>
+            </a:r>
+          </a:p>
+          <a:p>
+            <a:pPr lvl="1"/>
+            <a:r>
+              <a:rPr lang="en-US" dirty="0"/>
+              <a:t>Semantic segmentation</a:t>
+            </a:r>
+          </a:p>
+          <a:p>
+            <a:pPr lvl="1"/>
+            <a:r>
+              <a:rPr lang="en-US" dirty="0"/>
+              <a:t>Scenario identification</a:t>
+            </a:r>
+          </a:p>
+        </p:txBody>
+      </p:sp>
+      <p:sp>
+        <p:nvSpPr>
+          <p:cNvPr id="3" name="Title 2">
+            <a:extLst>
+              <a:ext uri="{FF2B5EF4-FFF2-40B4-BE49-F238E27FC236}">
+                <a16:creationId xmlns:a16="http://schemas.microsoft.com/office/drawing/2014/main" id="{7E3A1EA6-B75D-44B4-B21A-9C6CEECB8723}"/>
+              </a:ext>
+            </a:extLst>
+          </p:cNvPr>
+          <p:cNvSpPr>
+            <a:spLocks noGrp="1"/>
+          </p:cNvSpPr>
+          <p:nvPr>
+            <p:ph type="title"/>
+          </p:nvPr>
+        </p:nvSpPr>
+        <p:spPr/>
+        <p:txBody>
+          <a:bodyPr/>
+          <a:lstStyle/>
+          <a:p>
+            <a:r>
+              <a:rPr lang="en-US" dirty="0"/>
+              <a:t>Detection algorithms for video/spatial data</a:t>
+            </a:r>
+          </a:p>
+        </p:txBody>
+      </p:sp>
+      <p:sp>
+        <p:nvSpPr>
+          <p:cNvPr id="4" name="Slide Number Placeholder 3">
+            <a:extLst>
+              <a:ext uri="{FF2B5EF4-FFF2-40B4-BE49-F238E27FC236}">
+                <a16:creationId xmlns:a16="http://schemas.microsoft.com/office/drawing/2014/main" id="{6E4C938D-54AE-464C-BE2F-2754B2A1DB58}"/>
+              </a:ext>
+            </a:extLst>
+          </p:cNvPr>
+          <p:cNvSpPr>
+            <a:spLocks noGrp="1"/>
+          </p:cNvSpPr>
+          <p:nvPr>
+            <p:ph type="sldNum" sz="quarter" idx="12"/>
+          </p:nvPr>
+        </p:nvSpPr>
+        <p:spPr/>
+        <p:txBody>
+          <a:bodyPr/>
+          <a:lstStyle/>
+          <a:p>
+            <a:fld id="{29AAD378-655A-49C6-813C-9FD132EF7440}" type="slidenum">
+              <a:rPr lang="en-US" smtClean="0"/>
+              <a:pPr/>
+              <a:t>13</a:t>
+            </a:fld>
+            <a:endParaRPr lang="en-US" dirty="0"/>
+          </a:p>
+        </p:txBody>
+      </p:sp>
+    </p:spTree>
+    <p:extLst>
+      <p:ext uri="{BB962C8B-B14F-4D97-AF65-F5344CB8AC3E}">
+        <p14:creationId xmlns:p14="http://schemas.microsoft.com/office/powerpoint/2010/main" val="702246366"/>
+      </p:ext>
+    </p:extLst>
+  </p:cSld>
+  <p:clrMapOvr>
+    <a:masterClrMapping/>
+  </p:clrMapOvr>
+</p:sld>
+</file>
+
+<file path=ppt/slides/slide14.xml><?xml version="1.0" encoding="utf-8"?>
+<p:sld xmlns:a="http://schemas.openxmlformats.org/drawingml/2006/main" xmlns:r="http://schemas.openxmlformats.org/officeDocument/2006/relationships" xmlns:p="http://schemas.openxmlformats.org/presentationml/2006/main">
+  <p:cSld>
+    <p:spTree>
+      <p:nvGrpSpPr>
+        <p:cNvPr id="1" name=""/>
+        <p:cNvGrpSpPr/>
+        <p:nvPr/>
+      </p:nvGrpSpPr>
+      <p:grpSpPr>
+        <a:xfrm>
+          <a:off x="0" y="0"/>
+          <a:ext cx="0" cy="0"/>
+          <a:chOff x="0" y="0"/>
+          <a:chExt cx="0" cy="0"/>
+        </a:xfrm>
+      </p:grpSpPr>
+      <p:sp>
+        <p:nvSpPr>
+          <p:cNvPr id="2" name="Content Placeholder 1">
+            <a:extLst>
+              <a:ext uri="{FF2B5EF4-FFF2-40B4-BE49-F238E27FC236}">
+                <a16:creationId xmlns:a16="http://schemas.microsoft.com/office/drawing/2014/main" id="{8F3E49F3-3F88-0F9C-E5EE-AD6E8A5E8BC1}"/>
+              </a:ext>
+            </a:extLst>
+          </p:cNvPr>
+          <p:cNvSpPr>
+            <a:spLocks noGrp="1"/>
+          </p:cNvSpPr>
+          <p:nvPr>
+            <p:ph idx="1"/>
+          </p:nvPr>
+        </p:nvSpPr>
+        <p:spPr/>
+        <p:txBody>
+          <a:bodyPr/>
+          <a:lstStyle/>
+          <a:p>
+            <a:r>
+              <a:rPr lang="en-US" sz="2400" dirty="0"/>
+              <a:t>2D vision</a:t>
+            </a:r>
+          </a:p>
+          <a:p>
+            <a:pPr lvl="1"/>
+            <a:r>
+              <a:rPr lang="en-US" sz="2000" dirty="0"/>
+              <a:t>Classification (using CNNs)</a:t>
+            </a:r>
+          </a:p>
+          <a:p>
+            <a:pPr lvl="1"/>
+            <a:r>
+              <a:rPr lang="en-US" sz="2000" dirty="0"/>
+              <a:t>Object Detection (YOLO, RCNN, Detection Transformers)</a:t>
+            </a:r>
+          </a:p>
+          <a:p>
+            <a:pPr lvl="1"/>
+            <a:r>
+              <a:rPr lang="en-US" sz="2000" dirty="0"/>
+              <a:t>Semantic Segmentation: assigning class label to every pixel</a:t>
+            </a:r>
+          </a:p>
+          <a:p>
+            <a:pPr lvl="2"/>
+            <a:r>
+              <a:rPr lang="en-US" sz="2000" dirty="0"/>
+              <a:t>U-Net</a:t>
+            </a:r>
+          </a:p>
+          <a:p>
+            <a:pPr lvl="3"/>
+            <a:r>
+              <a:rPr lang="en-US" sz="1800" dirty="0"/>
+              <a:t>specific architecture that uses an </a:t>
+            </a:r>
+            <a:r>
+              <a:rPr lang="en-US" sz="1800" i="1" dirty="0"/>
+              <a:t>encoder </a:t>
+            </a:r>
+            <a:r>
+              <a:rPr lang="en-US" sz="1800" dirty="0"/>
+              <a:t>(contracting layers that </a:t>
+            </a:r>
+            <a:r>
+              <a:rPr lang="en-US" sz="1800" dirty="0" err="1"/>
+              <a:t>downsample</a:t>
+            </a:r>
+            <a:r>
+              <a:rPr lang="en-US" sz="1800" dirty="0"/>
+              <a:t>), </a:t>
+            </a:r>
+            <a:r>
+              <a:rPr lang="en-US" sz="1800" i="1" dirty="0"/>
+              <a:t>bottleneck </a:t>
+            </a:r>
+            <a:r>
+              <a:rPr lang="en-US" sz="1800" dirty="0"/>
+              <a:t>(rich high-level features with low spatial resolution), </a:t>
+            </a:r>
+            <a:r>
+              <a:rPr lang="en-US" sz="1800" i="1" dirty="0"/>
+              <a:t>decoder </a:t>
+            </a:r>
+            <a:r>
+              <a:rPr lang="en-US" sz="1800" dirty="0"/>
+              <a:t>(</a:t>
+            </a:r>
+            <a:r>
+              <a:rPr lang="en-US" sz="1800" dirty="0" err="1"/>
+              <a:t>upsampling</a:t>
+            </a:r>
+            <a:r>
+              <a:rPr lang="en-US" sz="1800" dirty="0"/>
+              <a:t> layers to enlarge feature map to input size), </a:t>
+            </a:r>
+            <a:r>
+              <a:rPr lang="en-US" sz="1800" i="1" dirty="0"/>
+              <a:t>skip connections </a:t>
+            </a:r>
+            <a:r>
+              <a:rPr lang="en-US" sz="1800" dirty="0"/>
+              <a:t>(copy encoder feature maps, concatenate with decoder feature maps)</a:t>
+            </a:r>
+          </a:p>
+          <a:p>
+            <a:pPr lvl="2"/>
+            <a:r>
+              <a:rPr lang="en-US" sz="2000" dirty="0" err="1"/>
+              <a:t>SegFormer</a:t>
+            </a:r>
+            <a:r>
+              <a:rPr lang="en-US" sz="2000" dirty="0"/>
+              <a:t>, </a:t>
+            </a:r>
+            <a:r>
+              <a:rPr lang="en-US" sz="2000" dirty="0" err="1"/>
+              <a:t>DeepLab</a:t>
+            </a:r>
+            <a:r>
+              <a:rPr lang="en-US" sz="2000" dirty="0"/>
+              <a:t> etc.</a:t>
+            </a:r>
+          </a:p>
+          <a:p>
+            <a:pPr lvl="1"/>
+            <a:r>
+              <a:rPr lang="en-US" sz="2000" dirty="0"/>
+              <a:t>Lane &amp; Road Marking detection, Runway/Taxiway Detection, etc.</a:t>
+            </a:r>
+          </a:p>
+          <a:p>
+            <a:r>
+              <a:rPr lang="en-US" sz="2400" dirty="0"/>
+              <a:t>3D vision</a:t>
+            </a:r>
+          </a:p>
+          <a:p>
+            <a:pPr lvl="1"/>
+            <a:r>
+              <a:rPr lang="en-US" sz="2000" dirty="0"/>
+              <a:t>Stereo vision, Monocular depth estimation</a:t>
+            </a:r>
+          </a:p>
+          <a:p>
+            <a:r>
+              <a:rPr lang="en-US" sz="2400" dirty="0"/>
+              <a:t>Semantic understanding: drivable-area detection, scene understanding, traffic sign/lights</a:t>
+            </a:r>
+          </a:p>
+          <a:p>
+            <a:pPr lvl="2"/>
+            <a:endParaRPr lang="en-US" sz="2400" dirty="0"/>
+          </a:p>
+          <a:p>
+            <a:pPr lvl="2"/>
+            <a:endParaRPr lang="en-US" dirty="0"/>
+          </a:p>
+        </p:txBody>
+      </p:sp>
+      <p:sp>
+        <p:nvSpPr>
+          <p:cNvPr id="3" name="Title 2">
+            <a:extLst>
+              <a:ext uri="{FF2B5EF4-FFF2-40B4-BE49-F238E27FC236}">
+                <a16:creationId xmlns:a16="http://schemas.microsoft.com/office/drawing/2014/main" id="{A852CA1F-BCE4-010C-864E-9450FD8427D0}"/>
+              </a:ext>
+            </a:extLst>
+          </p:cNvPr>
+          <p:cNvSpPr>
+            <a:spLocks noGrp="1"/>
+          </p:cNvSpPr>
+          <p:nvPr>
+            <p:ph type="title"/>
+          </p:nvPr>
+        </p:nvSpPr>
+        <p:spPr/>
+        <p:txBody>
+          <a:bodyPr/>
+          <a:lstStyle/>
+          <a:p>
+            <a:r>
+              <a:rPr lang="en-US" dirty="0"/>
+              <a:t>Computer vision tasks</a:t>
+            </a:r>
+          </a:p>
+        </p:txBody>
+      </p:sp>
+      <p:sp>
+        <p:nvSpPr>
+          <p:cNvPr id="4" name="Slide Number Placeholder 3">
+            <a:extLst>
+              <a:ext uri="{FF2B5EF4-FFF2-40B4-BE49-F238E27FC236}">
+                <a16:creationId xmlns:a16="http://schemas.microsoft.com/office/drawing/2014/main" id="{B870E1B2-ED3D-0AFC-7A04-CA5A7EE83861}"/>
+              </a:ext>
+            </a:extLst>
+          </p:cNvPr>
+          <p:cNvSpPr>
+            <a:spLocks noGrp="1"/>
+          </p:cNvSpPr>
+          <p:nvPr>
+            <p:ph type="sldNum" sz="quarter" idx="12"/>
+          </p:nvPr>
+        </p:nvSpPr>
+        <p:spPr/>
+        <p:txBody>
+          <a:bodyPr/>
+          <a:lstStyle/>
+          <a:p>
+            <a:fld id="{29AAD378-655A-49C6-813C-9FD132EF7440}" type="slidenum">
+              <a:rPr lang="en-US" smtClean="0"/>
+              <a:pPr/>
+              <a:t>14</a:t>
+            </a:fld>
+            <a:endParaRPr lang="en-US" dirty="0"/>
+          </a:p>
+        </p:txBody>
+      </p:sp>
+    </p:spTree>
+    <p:extLst>
+      <p:ext uri="{BB962C8B-B14F-4D97-AF65-F5344CB8AC3E}">
+        <p14:creationId xmlns:p14="http://schemas.microsoft.com/office/powerpoint/2010/main" val="2439265917"/>
+      </p:ext>
+    </p:extLst>
+  </p:cSld>
+  <p:clrMapOvr>
+    <a:masterClrMapping/>
+  </p:clrMapOvr>
+</p:sld>
+</file>
+
+<file path=ppt/slides/slide15.xml><?xml version="1.0" encoding="utf-8"?>
+<p:sld xmlns:a="http://schemas.openxmlformats.org/drawingml/2006/main" xmlns:r="http://schemas.openxmlformats.org/officeDocument/2006/relationships" xmlns:p="http://schemas.openxmlformats.org/presentationml/2006/main">
+  <p:cSld>
+    <p:spTree>
+      <p:nvGrpSpPr>
+        <p:cNvPr id="1" name=""/>
+        <p:cNvGrpSpPr/>
+        <p:nvPr/>
+      </p:nvGrpSpPr>
+      <p:grpSpPr>
+        <a:xfrm>
+          <a:off x="0" y="0"/>
+          <a:ext cx="0" cy="0"/>
+          <a:chOff x="0" y="0"/>
+          <a:chExt cx="0" cy="0"/>
+        </a:xfrm>
+      </p:grpSpPr>
+      <p:sp>
+        <p:nvSpPr>
+          <p:cNvPr id="2" name="Content Placeholder 1">
+            <a:extLst>
+              <a:ext uri="{FF2B5EF4-FFF2-40B4-BE49-F238E27FC236}">
+                <a16:creationId xmlns:a16="http://schemas.microsoft.com/office/drawing/2014/main" id="{4D498F01-17E5-4DE0-8453-935E53383F1C}"/>
+              </a:ext>
+            </a:extLst>
+          </p:cNvPr>
+          <p:cNvSpPr>
+            <a:spLocks noGrp="1"/>
+          </p:cNvSpPr>
+          <p:nvPr>
+            <p:ph idx="1"/>
+          </p:nvPr>
+        </p:nvSpPr>
+        <p:spPr/>
+        <p:txBody>
+          <a:bodyPr/>
+          <a:lstStyle/>
+          <a:p>
+            <a:r>
+              <a:rPr lang="en-US" dirty="0"/>
+              <a:t>Inspired by visual cortex in animals</a:t>
+            </a:r>
+          </a:p>
+          <a:p>
+            <a:r>
+              <a:rPr lang="en-US" dirty="0"/>
+              <a:t>Learns image filters that were previously hand-engineered</a:t>
+            </a:r>
+          </a:p>
+          <a:p>
+            <a:r>
+              <a:rPr lang="en-US" dirty="0"/>
+              <a:t>Basic intuitions for CNNs: </a:t>
+            </a:r>
+          </a:p>
+          <a:p>
+            <a:pPr lvl="1"/>
+            <a:r>
+              <a:rPr lang="en-US" dirty="0"/>
+              <a:t>Images are too large to be monolithically processed by a feedforward neural network (1000x1000 image = 10</a:t>
+            </a:r>
+            <a:r>
+              <a:rPr lang="en-US" baseline="30000" dirty="0"/>
+              <a:t>6 </a:t>
+            </a:r>
+            <a:r>
+              <a:rPr lang="en-US" dirty="0"/>
+              <a:t>inputs, which means the weight matrix for the second layer is proportional to at least 10</a:t>
+            </a:r>
+            <a:r>
+              <a:rPr lang="en-US" baseline="30000" dirty="0"/>
+              <a:t>6!</a:t>
+            </a:r>
+            <a:r>
+              <a:rPr lang="en-US" dirty="0"/>
+              <a:t>)</a:t>
+            </a:r>
+          </a:p>
+          <a:p>
+            <a:pPr lvl="1"/>
+            <a:r>
+              <a:rPr lang="en-US" dirty="0"/>
+              <a:t>Data in an image is spatially correlated</a:t>
+            </a:r>
+          </a:p>
+          <a:p>
+            <a:r>
+              <a:rPr lang="en-US" dirty="0"/>
+              <a:t>CNN divided into several layers with different purposes</a:t>
+            </a:r>
+          </a:p>
+          <a:p>
+            <a:endParaRPr lang="en-US" dirty="0"/>
+          </a:p>
+        </p:txBody>
+      </p:sp>
+      <p:sp>
+        <p:nvSpPr>
+          <p:cNvPr id="3" name="Title 2">
+            <a:extLst>
+              <a:ext uri="{FF2B5EF4-FFF2-40B4-BE49-F238E27FC236}">
+                <a16:creationId xmlns:a16="http://schemas.microsoft.com/office/drawing/2014/main" id="{879F0394-5BF3-4C98-A631-0713EABE0500}"/>
+              </a:ext>
+            </a:extLst>
+          </p:cNvPr>
+          <p:cNvSpPr>
+            <a:spLocks noGrp="1"/>
+          </p:cNvSpPr>
+          <p:nvPr>
+            <p:ph type="title"/>
+          </p:nvPr>
+        </p:nvSpPr>
+        <p:spPr/>
+        <p:txBody>
+          <a:bodyPr>
+            <a:noAutofit/>
+          </a:bodyPr>
+          <a:lstStyle/>
+          <a:p>
+            <a:r>
+              <a:rPr lang="en-US" sz="3200" dirty="0"/>
+              <a:t>Convolutional Neural Networks: Workhorse for CV tasks</a:t>
+            </a:r>
+          </a:p>
+        </p:txBody>
+      </p:sp>
+      <p:sp>
+        <p:nvSpPr>
+          <p:cNvPr id="4" name="Slide Number Placeholder 3">
+            <a:extLst>
+              <a:ext uri="{FF2B5EF4-FFF2-40B4-BE49-F238E27FC236}">
+                <a16:creationId xmlns:a16="http://schemas.microsoft.com/office/drawing/2014/main" id="{2D96AC6F-C9D2-4E5F-9D96-60B224CA45C7}"/>
+              </a:ext>
+            </a:extLst>
+          </p:cNvPr>
+          <p:cNvSpPr>
+            <a:spLocks noGrp="1"/>
+          </p:cNvSpPr>
+          <p:nvPr>
+            <p:ph type="sldNum" sz="quarter" idx="12"/>
+          </p:nvPr>
+        </p:nvSpPr>
+        <p:spPr/>
+        <p:txBody>
+          <a:bodyPr/>
+          <a:lstStyle/>
+          <a:p>
+            <a:fld id="{29AAD378-655A-49C6-813C-9FD132EF7440}" type="slidenum">
+              <a:rPr lang="en-US" smtClean="0"/>
+              <a:pPr/>
+              <a:t>15</a:t>
+            </a:fld>
+            <a:endParaRPr lang="en-US" dirty="0"/>
+          </a:p>
+        </p:txBody>
+      </p:sp>
+    </p:spTree>
+    <p:extLst>
+      <p:ext uri="{BB962C8B-B14F-4D97-AF65-F5344CB8AC3E}">
+        <p14:creationId xmlns:p14="http://schemas.microsoft.com/office/powerpoint/2010/main" val="1054258972"/>
+      </p:ext>
+    </p:extLst>
+  </p:cSld>
+  <p:clrMapOvr>
+    <a:masterClrMapping/>
+  </p:clrMapOvr>
+</p:sld>
+</file>
+
+<file path=ppt/slides/slide16.xml><?xml version="1.0" encoding="utf-8"?>
+<p:sld xmlns:a="http://schemas.openxmlformats.org/drawingml/2006/main" xmlns:r="http://schemas.openxmlformats.org/officeDocument/2006/relationships" xmlns:p="http://schemas.openxmlformats.org/presentationml/2006/main">
+  <p:cSld>
+    <p:spTree>
+      <p:nvGrpSpPr>
+        <p:cNvPr id="1" name=""/>
+        <p:cNvGrpSpPr/>
+        <p:nvPr/>
+      </p:nvGrpSpPr>
+      <p:grpSpPr>
+        <a:xfrm>
+          <a:off x="0" y="0"/>
+          <a:ext cx="0" cy="0"/>
+          <a:chOff x="0" y="0"/>
+          <a:chExt cx="0" cy="0"/>
+        </a:xfrm>
+      </p:grpSpPr>
+      <p:sp>
+        <p:nvSpPr>
+          <p:cNvPr id="2" name="Content Placeholder 1">
+            <a:extLst>
+              <a:ext uri="{FF2B5EF4-FFF2-40B4-BE49-F238E27FC236}">
                 <a16:creationId xmlns:a16="http://schemas.microsoft.com/office/drawing/2014/main" id="{D5A0999A-0F34-4D32-BD92-8A5EEB2457BC}"/>
               </a:ext>
             </a:extLst>
@@ -2801,7 +3398,7 @@
             <a:fld id="{29AAD378-655A-49C6-813C-9FD132EF7440}" type="slidenum">
               <a:rPr lang="en-US" smtClean="0"/>
               <a:pPr/>
-              <a:t>13</a:t>
+              <a:t>16</a:t>
             </a:fld>
             <a:endParaRPr lang="en-US" dirty="0"/>
           </a:p>
@@ -3011,7 +3608,7 @@
 </p:sld>
 </file>
 
-<file path=ppt/slides/slide14.xml><?xml version="1.0" encoding="utf-8"?>
+<file path=ppt/slides/slide17.xml><?xml version="1.0" encoding="utf-8"?>
 <p:sld xmlns:a="http://schemas.openxmlformats.org/drawingml/2006/main" xmlns:r="http://schemas.openxmlformats.org/officeDocument/2006/relationships" xmlns:p="http://schemas.openxmlformats.org/presentationml/2006/main">
   <p:cSld>
     <p:spTree>
@@ -3631,7 +4228,7 @@
             <a:fld id="{29AAD378-655A-49C6-813C-9FD132EF7440}" type="slidenum">
               <a:rPr lang="en-US" smtClean="0"/>
               <a:pPr/>
-              <a:t>14</a:t>
+              <a:t>17</a:t>
             </a:fld>
             <a:endParaRPr lang="en-US" dirty="0"/>
           </a:p>
@@ -3650,7 +4247,7 @@
 </p:sld>
 </file>
 
-<file path=ppt/slides/slide15.xml><?xml version="1.0" encoding="utf-8"?>
+<file path=ppt/slides/slide18.xml><?xml version="1.0" encoding="utf-8"?>
 <p:sld xmlns:a="http://schemas.openxmlformats.org/drawingml/2006/main" xmlns:r="http://schemas.openxmlformats.org/officeDocument/2006/relationships" xmlns:p="http://schemas.openxmlformats.org/presentationml/2006/main">
   <p:cSld>
     <p:spTree>
@@ -3792,7 +4389,7 @@
             <a:fld id="{29AAD378-655A-49C6-813C-9FD132EF7440}" type="slidenum">
               <a:rPr lang="en-US" smtClean="0"/>
               <a:pPr/>
-              <a:t>15</a:t>
+              <a:t>18</a:t>
             </a:fld>
             <a:endParaRPr lang="en-US" dirty="0"/>
           </a:p>
@@ -3811,7 +4408,7 @@
 </p:sld>
 </file>
 
-<file path=ppt/slides/slide16.xml><?xml version="1.0" encoding="utf-8"?>
+<file path=ppt/slides/slide19.xml><?xml version="1.0" encoding="utf-8"?>
 <p:sld xmlns:a="http://schemas.openxmlformats.org/drawingml/2006/main" xmlns:r="http://schemas.openxmlformats.org/officeDocument/2006/relationships" xmlns:p="http://schemas.openxmlformats.org/presentationml/2006/main">
   <p:cSld>
     <p:spTree>
@@ -3952,7 +4549,7 @@
             <a:fld id="{29AAD378-655A-49C6-813C-9FD132EF7440}" type="slidenum">
               <a:rPr lang="en-US" smtClean="0"/>
               <a:pPr/>
-              <a:t>16</a:t>
+              <a:t>19</a:t>
             </a:fld>
             <a:endParaRPr lang="en-US" dirty="0"/>
           </a:p>
@@ -3971,7 +4568,171 @@
 </p:sld>
 </file>
 
-<file path=ppt/slides/slide17.xml><?xml version="1.0" encoding="utf-8"?>
+<file path=ppt/slides/slide2.xml><?xml version="1.0" encoding="utf-8"?>
+<p:sld xmlns:a="http://schemas.openxmlformats.org/drawingml/2006/main" xmlns:r="http://schemas.openxmlformats.org/officeDocument/2006/relationships" xmlns:p="http://schemas.openxmlformats.org/presentationml/2006/main">
+  <p:cSld>
+    <p:spTree>
+      <p:nvGrpSpPr>
+        <p:cNvPr id="1" name=""/>
+        <p:cNvGrpSpPr/>
+        <p:nvPr/>
+      </p:nvGrpSpPr>
+      <p:grpSpPr>
+        <a:xfrm>
+          <a:off x="0" y="0"/>
+          <a:ext cx="0" cy="0"/>
+          <a:chOff x="0" y="0"/>
+          <a:chExt cx="0" cy="0"/>
+        </a:xfrm>
+      </p:grpSpPr>
+      <p:sp>
+        <p:nvSpPr>
+          <p:cNvPr id="2" name="Content Placeholder 1">
+            <a:extLst>
+              <a:ext uri="{FF2B5EF4-FFF2-40B4-BE49-F238E27FC236}">
+                <a16:creationId xmlns:a16="http://schemas.microsoft.com/office/drawing/2014/main" id="{4DEDD334-D7B7-6B33-E42C-B3E2CD9F05B7}"/>
+              </a:ext>
+            </a:extLst>
+          </p:cNvPr>
+          <p:cNvSpPr>
+            <a:spLocks noGrp="1"/>
+          </p:cNvSpPr>
+          <p:nvPr>
+            <p:ph idx="1"/>
+          </p:nvPr>
+        </p:nvSpPr>
+        <p:spPr>
+          <a:xfrm>
+            <a:off x="246456" y="1472535"/>
+            <a:ext cx="11699087" cy="3832282"/>
+          </a:xfrm>
+        </p:spPr>
+        <p:txBody>
+          <a:bodyPr>
+            <a:normAutofit/>
+          </a:bodyPr>
+          <a:lstStyle/>
+          <a:p>
+            <a:r>
+              <a:rPr lang="en-US" dirty="0"/>
+              <a:t>Inertial Measurement Units</a:t>
+            </a:r>
+          </a:p>
+          <a:p>
+            <a:r>
+              <a:rPr lang="en-US" dirty="0"/>
+              <a:t>Vision-based (Camera) sensors</a:t>
+            </a:r>
+          </a:p>
+          <a:p>
+            <a:r>
+              <a:rPr lang="en-US" dirty="0"/>
+              <a:t>LiDAR</a:t>
+            </a:r>
+          </a:p>
+          <a:p>
+            <a:pPr marL="0" indent="0">
+              <a:buNone/>
+            </a:pPr>
+            <a:endParaRPr lang="en-US" dirty="0"/>
+          </a:p>
+          <a:p>
+            <a:pPr marL="0" indent="0">
+              <a:buNone/>
+            </a:pPr>
+            <a:r>
+              <a:rPr lang="en-US" dirty="0"/>
+              <a:t>Other important sensors:</a:t>
+            </a:r>
+          </a:p>
+          <a:p>
+            <a:r>
+              <a:rPr lang="en-US" dirty="0"/>
+              <a:t>GPS, RADAR, SONAR, Audio, IR, </a:t>
+            </a:r>
+            <a:r>
+              <a:rPr lang="en-US" dirty="0" err="1"/>
+              <a:t>ToF</a:t>
+            </a:r>
+            <a:r>
+              <a:rPr lang="en-US" dirty="0"/>
+              <a:t>, Proximity (ultrasonic), … </a:t>
+            </a:r>
+          </a:p>
+        </p:txBody>
+      </p:sp>
+      <p:sp>
+        <p:nvSpPr>
+          <p:cNvPr id="3" name="Title 2">
+            <a:extLst>
+              <a:ext uri="{FF2B5EF4-FFF2-40B4-BE49-F238E27FC236}">
+                <a16:creationId xmlns:a16="http://schemas.microsoft.com/office/drawing/2014/main" id="{7B675105-A8F4-28FD-0C0B-E650B0AB9971}"/>
+              </a:ext>
+            </a:extLst>
+          </p:cNvPr>
+          <p:cNvSpPr>
+            <a:spLocks noGrp="1"/>
+          </p:cNvSpPr>
+          <p:nvPr>
+            <p:ph type="title"/>
+          </p:nvPr>
+        </p:nvSpPr>
+        <p:spPr/>
+        <p:txBody>
+          <a:bodyPr/>
+          <a:lstStyle/>
+          <a:p>
+            <a:r>
+              <a:rPr lang="en-US" dirty="0"/>
+              <a:t>Some important sensors for autonomy</a:t>
+            </a:r>
+          </a:p>
+        </p:txBody>
+      </p:sp>
+      <p:sp>
+        <p:nvSpPr>
+          <p:cNvPr id="4" name="Slide Number Placeholder 3">
+            <a:extLst>
+              <a:ext uri="{FF2B5EF4-FFF2-40B4-BE49-F238E27FC236}">
+                <a16:creationId xmlns:a16="http://schemas.microsoft.com/office/drawing/2014/main" id="{0F47B9D2-9E4F-7B7E-71EB-AAC2BB4418A6}"/>
+              </a:ext>
+            </a:extLst>
+          </p:cNvPr>
+          <p:cNvSpPr>
+            <a:spLocks noGrp="1"/>
+          </p:cNvSpPr>
+          <p:nvPr>
+            <p:ph type="sldNum" sz="quarter" idx="12"/>
+          </p:nvPr>
+        </p:nvSpPr>
+        <p:spPr/>
+        <p:txBody>
+          <a:bodyPr/>
+          <a:lstStyle/>
+          <a:p>
+            <a:fld id="{29AAD378-655A-49C6-813C-9FD132EF7440}" type="slidenum">
+              <a:rPr lang="en-US" smtClean="0"/>
+              <a:pPr/>
+              <a:t>2</a:t>
+            </a:fld>
+            <a:endParaRPr lang="en-US" dirty="0"/>
+          </a:p>
+        </p:txBody>
+      </p:sp>
+    </p:spTree>
+    <p:extLst>
+      <p:ext uri="{BB962C8B-B14F-4D97-AF65-F5344CB8AC3E}">
+        <p14:creationId xmlns:p14="http://schemas.microsoft.com/office/powerpoint/2010/main" val="132010466"/>
+      </p:ext>
+    </p:extLst>
+  </p:cSld>
+  <p:clrMapOvr>
+    <a:masterClrMapping/>
+  </p:clrMapOvr>
+</p:sld>
+</file>
+
+<file path=ppt/slides/slide20.xml><?xml version="1.0" encoding="utf-8"?>
 <p:sld xmlns:a="http://schemas.openxmlformats.org/drawingml/2006/main" xmlns:r="http://schemas.openxmlformats.org/officeDocument/2006/relationships" xmlns:p="http://schemas.openxmlformats.org/presentationml/2006/main">
   <p:cSld>
     <p:spTree>
@@ -4273,7 +5034,7 @@
             <a:fld id="{29AAD378-655A-49C6-813C-9FD132EF7440}" type="slidenum">
               <a:rPr lang="en-US" smtClean="0"/>
               <a:pPr/>
-              <a:t>17</a:t>
+              <a:t>20</a:t>
             </a:fld>
             <a:endParaRPr lang="en-US" dirty="0"/>
           </a:p>
@@ -4292,7 +5053,7 @@
 </p:sld>
 </file>
 
-<file path=ppt/slides/slide18.xml><?xml version="1.0" encoding="utf-8"?>
+<file path=ppt/slides/slide21.xml><?xml version="1.0" encoding="utf-8"?>
 <p:sld xmlns:a="http://schemas.openxmlformats.org/drawingml/2006/main" xmlns:r="http://schemas.openxmlformats.org/officeDocument/2006/relationships" xmlns:p="http://schemas.openxmlformats.org/presentationml/2006/main">
   <p:cSld>
     <p:spTree>
@@ -4410,7 +5171,7 @@
             <a:fld id="{29AAD378-655A-49C6-813C-9FD132EF7440}" type="slidenum">
               <a:rPr lang="en-US" smtClean="0"/>
               <a:pPr/>
-              <a:t>18</a:t>
+              <a:t>21</a:t>
             </a:fld>
             <a:endParaRPr lang="en-US" dirty="0"/>
           </a:p>
@@ -5074,635 +5835,6 @@
 </p:sld>
 </file>
 
-<file path=ppt/slides/slide19.xml><?xml version="1.0" encoding="utf-8"?>
-<p:sld xmlns:a="http://schemas.openxmlformats.org/drawingml/2006/main" xmlns:r="http://schemas.openxmlformats.org/officeDocument/2006/relationships" xmlns:p="http://schemas.openxmlformats.org/presentationml/2006/main">
-  <p:cSld>
-    <p:spTree>
-      <p:nvGrpSpPr>
-        <p:cNvPr id="1" name=""/>
-        <p:cNvGrpSpPr/>
-        <p:nvPr/>
-      </p:nvGrpSpPr>
-      <p:grpSpPr>
-        <a:xfrm>
-          <a:off x="0" y="0"/>
-          <a:ext cx="0" cy="0"/>
-          <a:chOff x="0" y="0"/>
-          <a:chExt cx="0" cy="0"/>
-        </a:xfrm>
-      </p:grpSpPr>
-      <p:sp>
-        <p:nvSpPr>
-          <p:cNvPr id="2" name="Content Placeholder 1">
-            <a:extLst>
-              <a:ext uri="{FF2B5EF4-FFF2-40B4-BE49-F238E27FC236}">
-                <a16:creationId xmlns:a16="http://schemas.microsoft.com/office/drawing/2014/main" id="{B043DE84-ACD3-4753-A25F-B3C42BEA7B98}"/>
-              </a:ext>
-            </a:extLst>
-          </p:cNvPr>
-          <p:cNvSpPr>
-            <a:spLocks noGrp="1"/>
-          </p:cNvSpPr>
-          <p:nvPr>
-            <p:ph idx="1"/>
-          </p:nvPr>
-        </p:nvSpPr>
-        <p:spPr>
-          <a:xfrm>
-            <a:off x="166681" y="1348901"/>
-            <a:ext cx="11699087" cy="4335139"/>
-          </a:xfrm>
-        </p:spPr>
-        <p:txBody>
-          <a:bodyPr/>
-          <a:lstStyle/>
-          <a:p>
-            <a:r>
-              <a:rPr lang="en-US" dirty="0"/>
-              <a:t>Pooling function replaces the output of a layer at a certain location with a summary statistic of the nearby outputs</a:t>
-            </a:r>
-          </a:p>
-          <a:p>
-            <a:pPr lvl="1"/>
-            <a:r>
-              <a:rPr lang="en-US" dirty="0"/>
-              <a:t>E.g., max pooling reports maximum output within a rectangular neighborhood</a:t>
-            </a:r>
-          </a:p>
-          <a:p>
-            <a:r>
-              <a:rPr lang="en-US" dirty="0"/>
-              <a:t>Other pooling functions include average, L</a:t>
-            </a:r>
-            <a:r>
-              <a:rPr lang="en-US" baseline="30000" dirty="0"/>
-              <a:t>2 </a:t>
-            </a:r>
-            <a:r>
-              <a:rPr lang="en-US" dirty="0"/>
-              <a:t>norm, weighted average etc.</a:t>
-            </a:r>
-          </a:p>
-          <a:p>
-            <a:r>
-              <a:rPr lang="en-US" dirty="0"/>
-              <a:t>Pooling helps representation be approximately invariant to small translations </a:t>
-            </a:r>
-          </a:p>
-          <a:p>
-            <a:r>
-              <a:rPr lang="en-US" dirty="0"/>
-              <a:t>By pooling over outputs of different convolutions, features can learn which transformations to become invariant to (e.g., rotation etc.)</a:t>
-            </a:r>
-          </a:p>
-        </p:txBody>
-      </p:sp>
-      <p:sp>
-        <p:nvSpPr>
-          <p:cNvPr id="3" name="Title 2">
-            <a:extLst>
-              <a:ext uri="{FF2B5EF4-FFF2-40B4-BE49-F238E27FC236}">
-                <a16:creationId xmlns:a16="http://schemas.microsoft.com/office/drawing/2014/main" id="{B2C9CC75-255D-43DE-AD23-63715DCB1A3C}"/>
-              </a:ext>
-            </a:extLst>
-          </p:cNvPr>
-          <p:cNvSpPr>
-            <a:spLocks noGrp="1"/>
-          </p:cNvSpPr>
-          <p:nvPr>
-            <p:ph type="title"/>
-          </p:nvPr>
-        </p:nvSpPr>
-        <p:spPr/>
-        <p:txBody>
-          <a:bodyPr/>
-          <a:lstStyle/>
-          <a:p>
-            <a:r>
-              <a:rPr lang="en-US" dirty="0"/>
-              <a:t>Pooling stage</a:t>
-            </a:r>
-          </a:p>
-        </p:txBody>
-      </p:sp>
-      <p:sp>
-        <p:nvSpPr>
-          <p:cNvPr id="4" name="Slide Number Placeholder 3">
-            <a:extLst>
-              <a:ext uri="{FF2B5EF4-FFF2-40B4-BE49-F238E27FC236}">
-                <a16:creationId xmlns:a16="http://schemas.microsoft.com/office/drawing/2014/main" id="{FE555155-EEFA-4934-8E3B-E1D1BCBA6605}"/>
-              </a:ext>
-            </a:extLst>
-          </p:cNvPr>
-          <p:cNvSpPr>
-            <a:spLocks noGrp="1"/>
-          </p:cNvSpPr>
-          <p:nvPr>
-            <p:ph type="sldNum" sz="quarter" idx="12"/>
-          </p:nvPr>
-        </p:nvSpPr>
-        <p:spPr/>
-        <p:txBody>
-          <a:bodyPr/>
-          <a:lstStyle/>
-          <a:p>
-            <a:fld id="{29AAD378-655A-49C6-813C-9FD132EF7440}" type="slidenum">
-              <a:rPr lang="en-US" smtClean="0"/>
-              <a:pPr/>
-              <a:t>19</a:t>
-            </a:fld>
-            <a:endParaRPr lang="en-US" dirty="0"/>
-          </a:p>
-        </p:txBody>
-      </p:sp>
-    </p:spTree>
-    <p:extLst>
-      <p:ext uri="{BB962C8B-B14F-4D97-AF65-F5344CB8AC3E}">
-        <p14:creationId xmlns:p14="http://schemas.microsoft.com/office/powerpoint/2010/main" val="2829000878"/>
-      </p:ext>
-    </p:extLst>
-  </p:cSld>
-  <p:clrMapOvr>
-    <a:masterClrMapping/>
-  </p:clrMapOvr>
-</p:sld>
-</file>
-
-<file path=ppt/slides/slide2.xml><?xml version="1.0" encoding="utf-8"?>
-<p:sld xmlns:a="http://schemas.openxmlformats.org/drawingml/2006/main" xmlns:r="http://schemas.openxmlformats.org/officeDocument/2006/relationships" xmlns:p="http://schemas.openxmlformats.org/presentationml/2006/main">
-  <p:cSld>
-    <p:spTree>
-      <p:nvGrpSpPr>
-        <p:cNvPr id="1" name=""/>
-        <p:cNvGrpSpPr/>
-        <p:nvPr/>
-      </p:nvGrpSpPr>
-      <p:grpSpPr>
-        <a:xfrm>
-          <a:off x="0" y="0"/>
-          <a:ext cx="0" cy="0"/>
-          <a:chOff x="0" y="0"/>
-          <a:chExt cx="0" cy="0"/>
-        </a:xfrm>
-      </p:grpSpPr>
-      <p:sp>
-        <p:nvSpPr>
-          <p:cNvPr id="2" name="Content Placeholder 1">
-            <a:extLst>
-              <a:ext uri="{FF2B5EF4-FFF2-40B4-BE49-F238E27FC236}">
-                <a16:creationId xmlns:a16="http://schemas.microsoft.com/office/drawing/2014/main" id="{4DEDD334-D7B7-6B33-E42C-B3E2CD9F05B7}"/>
-              </a:ext>
-            </a:extLst>
-          </p:cNvPr>
-          <p:cNvSpPr>
-            <a:spLocks noGrp="1"/>
-          </p:cNvSpPr>
-          <p:nvPr>
-            <p:ph idx="1"/>
-          </p:nvPr>
-        </p:nvSpPr>
-        <p:spPr>
-          <a:xfrm>
-            <a:off x="246456" y="1472535"/>
-            <a:ext cx="11699087" cy="3832282"/>
-          </a:xfrm>
-        </p:spPr>
-        <p:txBody>
-          <a:bodyPr>
-            <a:normAutofit fontScale="92500" lnSpcReduction="10000"/>
-          </a:bodyPr>
-          <a:lstStyle/>
-          <a:p>
-            <a:r>
-              <a:rPr lang="en-US" dirty="0"/>
-              <a:t>Inertial Measurement Units</a:t>
-            </a:r>
-          </a:p>
-          <a:p>
-            <a:r>
-              <a:rPr lang="en-US" dirty="0"/>
-              <a:t>Vision-based (Camera) sensors</a:t>
-            </a:r>
-          </a:p>
-          <a:p>
-            <a:r>
-              <a:rPr lang="en-US" dirty="0"/>
-              <a:t>LiDAR</a:t>
-            </a:r>
-          </a:p>
-          <a:p>
-            <a:pPr marL="0" indent="0">
-              <a:buNone/>
-            </a:pPr>
-            <a:r>
-              <a:rPr lang="en-US" dirty="0"/>
-              <a:t>Not discussed:</a:t>
-            </a:r>
-          </a:p>
-          <a:p>
-            <a:r>
-              <a:rPr lang="en-US" dirty="0"/>
-              <a:t>GPS</a:t>
-            </a:r>
-          </a:p>
-          <a:p>
-            <a:r>
-              <a:rPr lang="en-US" dirty="0"/>
-              <a:t>RADAR</a:t>
-            </a:r>
-          </a:p>
-          <a:p>
-            <a:r>
-              <a:rPr lang="en-US" dirty="0"/>
-              <a:t>SONAR</a:t>
-            </a:r>
-          </a:p>
-          <a:p>
-            <a:r>
-              <a:rPr lang="en-US" dirty="0"/>
-              <a:t>Audio</a:t>
-            </a:r>
-          </a:p>
-        </p:txBody>
-      </p:sp>
-      <p:sp>
-        <p:nvSpPr>
-          <p:cNvPr id="3" name="Title 2">
-            <a:extLst>
-              <a:ext uri="{FF2B5EF4-FFF2-40B4-BE49-F238E27FC236}">
-                <a16:creationId xmlns:a16="http://schemas.microsoft.com/office/drawing/2014/main" id="{7B675105-A8F4-28FD-0C0B-E650B0AB9971}"/>
-              </a:ext>
-            </a:extLst>
-          </p:cNvPr>
-          <p:cNvSpPr>
-            <a:spLocks noGrp="1"/>
-          </p:cNvSpPr>
-          <p:nvPr>
-            <p:ph type="title"/>
-          </p:nvPr>
-        </p:nvSpPr>
-        <p:spPr/>
-        <p:txBody>
-          <a:bodyPr/>
-          <a:lstStyle/>
-          <a:p>
-            <a:r>
-              <a:rPr lang="en-US" dirty="0"/>
-              <a:t>Some important sensors for autonomy</a:t>
-            </a:r>
-          </a:p>
-        </p:txBody>
-      </p:sp>
-      <p:sp>
-        <p:nvSpPr>
-          <p:cNvPr id="4" name="Slide Number Placeholder 3">
-            <a:extLst>
-              <a:ext uri="{FF2B5EF4-FFF2-40B4-BE49-F238E27FC236}">
-                <a16:creationId xmlns:a16="http://schemas.microsoft.com/office/drawing/2014/main" id="{0F47B9D2-9E4F-7B7E-71EB-AAC2BB4418A6}"/>
-              </a:ext>
-            </a:extLst>
-          </p:cNvPr>
-          <p:cNvSpPr>
-            <a:spLocks noGrp="1"/>
-          </p:cNvSpPr>
-          <p:nvPr>
-            <p:ph type="sldNum" sz="quarter" idx="12"/>
-          </p:nvPr>
-        </p:nvSpPr>
-        <p:spPr/>
-        <p:txBody>
-          <a:bodyPr/>
-          <a:lstStyle/>
-          <a:p>
-            <a:fld id="{29AAD378-655A-49C6-813C-9FD132EF7440}" type="slidenum">
-              <a:rPr lang="en-US" smtClean="0"/>
-              <a:pPr/>
-              <a:t>2</a:t>
-            </a:fld>
-            <a:endParaRPr lang="en-US" dirty="0"/>
-          </a:p>
-        </p:txBody>
-      </p:sp>
-    </p:spTree>
-    <p:extLst>
-      <p:ext uri="{BB962C8B-B14F-4D97-AF65-F5344CB8AC3E}">
-        <p14:creationId xmlns:p14="http://schemas.microsoft.com/office/powerpoint/2010/main" val="132010466"/>
-      </p:ext>
-    </p:extLst>
-  </p:cSld>
-  <p:clrMapOvr>
-    <a:masterClrMapping/>
-  </p:clrMapOvr>
-</p:sld>
-</file>
-
-<file path=ppt/slides/slide20.xml><?xml version="1.0" encoding="utf-8"?>
-<p:sld xmlns:a="http://schemas.openxmlformats.org/drawingml/2006/main" xmlns:r="http://schemas.openxmlformats.org/officeDocument/2006/relationships" xmlns:p="http://schemas.openxmlformats.org/presentationml/2006/main">
-  <p:cSld>
-    <p:spTree>
-      <p:nvGrpSpPr>
-        <p:cNvPr id="1" name=""/>
-        <p:cNvGrpSpPr/>
-        <p:nvPr/>
-      </p:nvGrpSpPr>
-      <p:grpSpPr>
-        <a:xfrm>
-          <a:off x="0" y="0"/>
-          <a:ext cx="0" cy="0"/>
-          <a:chOff x="0" y="0"/>
-          <a:chExt cx="0" cy="0"/>
-        </a:xfrm>
-      </p:grpSpPr>
-      <p:sp>
-        <p:nvSpPr>
-          <p:cNvPr id="2" name="Content Placeholder 1">
-            <a:extLst>
-              <a:ext uri="{FF2B5EF4-FFF2-40B4-BE49-F238E27FC236}">
-                <a16:creationId xmlns:a16="http://schemas.microsoft.com/office/drawing/2014/main" id="{478489FE-B1F5-44B4-9585-4232C1D67ABA}"/>
-              </a:ext>
-            </a:extLst>
-          </p:cNvPr>
-          <p:cNvSpPr>
-            <a:spLocks noGrp="1"/>
-          </p:cNvSpPr>
-          <p:nvPr>
-            <p:ph idx="1"/>
-          </p:nvPr>
-        </p:nvSpPr>
-        <p:spPr>
-          <a:xfrm>
-            <a:off x="166681" y="1809345"/>
-            <a:ext cx="11699087" cy="3874696"/>
-          </a:xfrm>
-        </p:spPr>
-        <p:txBody>
-          <a:bodyPr/>
-          <a:lstStyle/>
-          <a:p>
-            <a:r>
-              <a:rPr lang="en-US" dirty="0"/>
-              <a:t>CNNs may have some fully connected layers before the final output</a:t>
-            </a:r>
-          </a:p>
-          <a:p>
-            <a:r>
-              <a:rPr lang="en-US" dirty="0"/>
-              <a:t>These layers allows performing higher-level reasoning over different features learned by the previous convolutional layers</a:t>
-            </a:r>
-          </a:p>
-          <a:p>
-            <a:r>
-              <a:rPr lang="en-US" dirty="0"/>
-              <a:t>Various kind of convolution functions, pooling functions and detection functions are possible, giving rise to many different flavors</a:t>
-            </a:r>
-          </a:p>
-          <a:p>
-            <a:r>
-              <a:rPr lang="en-US" dirty="0"/>
-              <a:t>Number of convolutional layers can be varied depending on complexity of features to be learned</a:t>
-            </a:r>
-          </a:p>
-        </p:txBody>
-      </p:sp>
-      <p:sp>
-        <p:nvSpPr>
-          <p:cNvPr id="3" name="Title 2">
-            <a:extLst>
-              <a:ext uri="{FF2B5EF4-FFF2-40B4-BE49-F238E27FC236}">
-                <a16:creationId xmlns:a16="http://schemas.microsoft.com/office/drawing/2014/main" id="{8AD3EEC9-AE3E-4047-BD55-EC602BF5FC33}"/>
-              </a:ext>
-            </a:extLst>
-          </p:cNvPr>
-          <p:cNvSpPr>
-            <a:spLocks noGrp="1"/>
-          </p:cNvSpPr>
-          <p:nvPr>
-            <p:ph type="title"/>
-          </p:nvPr>
-        </p:nvSpPr>
-        <p:spPr/>
-        <p:txBody>
-          <a:bodyPr/>
-          <a:lstStyle/>
-          <a:p>
-            <a:r>
-              <a:rPr lang="en-US" dirty="0"/>
-              <a:t>Fully connected layers</a:t>
-            </a:r>
-          </a:p>
-        </p:txBody>
-      </p:sp>
-      <p:sp>
-        <p:nvSpPr>
-          <p:cNvPr id="4" name="Slide Number Placeholder 3">
-            <a:extLst>
-              <a:ext uri="{FF2B5EF4-FFF2-40B4-BE49-F238E27FC236}">
-                <a16:creationId xmlns:a16="http://schemas.microsoft.com/office/drawing/2014/main" id="{52D0CA2A-DE0D-4EDE-9E1E-C5D47DE8350D}"/>
-              </a:ext>
-            </a:extLst>
-          </p:cNvPr>
-          <p:cNvSpPr>
-            <a:spLocks noGrp="1"/>
-          </p:cNvSpPr>
-          <p:nvPr>
-            <p:ph type="sldNum" sz="quarter" idx="12"/>
-          </p:nvPr>
-        </p:nvSpPr>
-        <p:spPr/>
-        <p:txBody>
-          <a:bodyPr/>
-          <a:lstStyle/>
-          <a:p>
-            <a:fld id="{29AAD378-655A-49C6-813C-9FD132EF7440}" type="slidenum">
-              <a:rPr lang="en-US" smtClean="0"/>
-              <a:pPr/>
-              <a:t>20</a:t>
-            </a:fld>
-            <a:endParaRPr lang="en-US" dirty="0"/>
-          </a:p>
-        </p:txBody>
-      </p:sp>
-    </p:spTree>
-    <p:extLst>
-      <p:ext uri="{BB962C8B-B14F-4D97-AF65-F5344CB8AC3E}">
-        <p14:creationId xmlns:p14="http://schemas.microsoft.com/office/powerpoint/2010/main" val="1510474692"/>
-      </p:ext>
-    </p:extLst>
-  </p:cSld>
-  <p:clrMapOvr>
-    <a:masterClrMapping/>
-  </p:clrMapOvr>
-</p:sld>
-</file>
-
-<file path=ppt/slides/slide21.xml><?xml version="1.0" encoding="utf-8"?>
-<p:sld xmlns:a="http://schemas.openxmlformats.org/drawingml/2006/main" xmlns:r="http://schemas.openxmlformats.org/officeDocument/2006/relationships" xmlns:p="http://schemas.openxmlformats.org/presentationml/2006/main">
-  <p:cSld>
-    <p:spTree>
-      <p:nvGrpSpPr>
-        <p:cNvPr id="1" name=""/>
-        <p:cNvGrpSpPr/>
-        <p:nvPr/>
-      </p:nvGrpSpPr>
-      <p:grpSpPr>
-        <a:xfrm>
-          <a:off x="0" y="0"/>
-          <a:ext cx="0" cy="0"/>
-          <a:chOff x="0" y="0"/>
-          <a:chExt cx="0" cy="0"/>
-        </a:xfrm>
-      </p:grpSpPr>
-      <p:sp>
-        <p:nvSpPr>
-          <p:cNvPr id="2" name="Content Placeholder 1">
-            <a:extLst>
-              <a:ext uri="{FF2B5EF4-FFF2-40B4-BE49-F238E27FC236}">
-                <a16:creationId xmlns:a16="http://schemas.microsoft.com/office/drawing/2014/main" id="{4B08BB18-3755-4038-899E-E11F776763D4}"/>
-              </a:ext>
-            </a:extLst>
-          </p:cNvPr>
-          <p:cNvSpPr>
-            <a:spLocks noGrp="1"/>
-          </p:cNvSpPr>
-          <p:nvPr>
-            <p:ph idx="1"/>
-          </p:nvPr>
-        </p:nvSpPr>
-        <p:spPr/>
-        <p:txBody>
-          <a:bodyPr/>
-          <a:lstStyle/>
-          <a:p>
-            <a:r>
-              <a:rPr lang="en-US" dirty="0"/>
-              <a:t>R-CNN, Fast R-CNN and Faster R-CNN are specific architectures that help with object detection</a:t>
-            </a:r>
-          </a:p>
-          <a:p>
-            <a:r>
-              <a:rPr lang="en-US" dirty="0"/>
-              <a:t>Objective is to obtain from an image:</a:t>
-            </a:r>
-          </a:p>
-          <a:p>
-            <a:pPr lvl="1"/>
-            <a:r>
-              <a:rPr lang="en-US" dirty="0"/>
-              <a:t>A list of bounding boxes</a:t>
-            </a:r>
-          </a:p>
-          <a:p>
-            <a:pPr lvl="1"/>
-            <a:r>
-              <a:rPr lang="en-US" dirty="0"/>
-              <a:t>A label assigned to each bounding box</a:t>
-            </a:r>
-          </a:p>
-          <a:p>
-            <a:pPr lvl="1"/>
-            <a:r>
-              <a:rPr lang="en-US" dirty="0"/>
-              <a:t>A probability for each label and bounding box</a:t>
-            </a:r>
-          </a:p>
-          <a:p>
-            <a:r>
-              <a:rPr lang="en-US" dirty="0"/>
-              <a:t>The key idea in R-CNNs is to use </a:t>
-            </a:r>
-            <a:r>
-              <a:rPr lang="en-US" i="1" dirty="0"/>
-              <a:t>region proposals </a:t>
-            </a:r>
-            <a:r>
-              <a:rPr lang="en-US" dirty="0"/>
-              <a:t>and </a:t>
-            </a:r>
-            <a:r>
-              <a:rPr lang="en-US" i="1" dirty="0"/>
-              <a:t>region of interest pooling</a:t>
-            </a:r>
-          </a:p>
-          <a:p>
-            <a:endParaRPr lang="en-US" dirty="0"/>
-          </a:p>
-        </p:txBody>
-      </p:sp>
-      <p:sp>
-        <p:nvSpPr>
-          <p:cNvPr id="3" name="Title 2">
-            <a:extLst>
-              <a:ext uri="{FF2B5EF4-FFF2-40B4-BE49-F238E27FC236}">
-                <a16:creationId xmlns:a16="http://schemas.microsoft.com/office/drawing/2014/main" id="{364AE5FE-FB8C-417A-B133-A56CE4A7692D}"/>
-              </a:ext>
-            </a:extLst>
-          </p:cNvPr>
-          <p:cNvSpPr>
-            <a:spLocks noGrp="1"/>
-          </p:cNvSpPr>
-          <p:nvPr>
-            <p:ph type="title"/>
-          </p:nvPr>
-        </p:nvSpPr>
-        <p:spPr/>
-        <p:txBody>
-          <a:bodyPr/>
-          <a:lstStyle/>
-          <a:p>
-            <a:r>
-              <a:rPr lang="en-US" dirty="0"/>
-              <a:t>R-CNN</a:t>
-            </a:r>
-            <a:r>
-              <a:rPr lang="en-US" baseline="30000" dirty="0"/>
-              <a:t>[3]</a:t>
-            </a:r>
-          </a:p>
-        </p:txBody>
-      </p:sp>
-      <p:sp>
-        <p:nvSpPr>
-          <p:cNvPr id="4" name="Slide Number Placeholder 3">
-            <a:extLst>
-              <a:ext uri="{FF2B5EF4-FFF2-40B4-BE49-F238E27FC236}">
-                <a16:creationId xmlns:a16="http://schemas.microsoft.com/office/drawing/2014/main" id="{3DFEC0ED-EB0A-492A-BFD0-52562A5FDD4A}"/>
-              </a:ext>
-            </a:extLst>
-          </p:cNvPr>
-          <p:cNvSpPr>
-            <a:spLocks noGrp="1"/>
-          </p:cNvSpPr>
-          <p:nvPr>
-            <p:ph type="sldNum" sz="quarter" idx="12"/>
-          </p:nvPr>
-        </p:nvSpPr>
-        <p:spPr/>
-        <p:txBody>
-          <a:bodyPr/>
-          <a:lstStyle/>
-          <a:p>
-            <a:fld id="{29AAD378-655A-49C6-813C-9FD132EF7440}" type="slidenum">
-              <a:rPr lang="en-US" smtClean="0"/>
-              <a:pPr/>
-              <a:t>21</a:t>
-            </a:fld>
-            <a:endParaRPr lang="en-US" dirty="0"/>
-          </a:p>
-        </p:txBody>
-      </p:sp>
-    </p:spTree>
-    <p:extLst>
-      <p:ext uri="{BB962C8B-B14F-4D97-AF65-F5344CB8AC3E}">
-        <p14:creationId xmlns:p14="http://schemas.microsoft.com/office/powerpoint/2010/main" val="4235827423"/>
-      </p:ext>
-    </p:extLst>
-  </p:cSld>
-  <p:clrMapOvr>
-    <a:masterClrMapping/>
-  </p:clrMapOvr>
-</p:sld>
-</file>
-
 <file path=ppt/slides/slide22.xml><?xml version="1.0" encoding="utf-8"?>
 <p:sld xmlns:a="http://schemas.openxmlformats.org/drawingml/2006/main" xmlns:r="http://schemas.openxmlformats.org/officeDocument/2006/relationships" xmlns:p="http://schemas.openxmlformats.org/presentationml/2006/main">
   <p:cSld>
@@ -5725,6 +5857,467 @@
           <p:cNvPr id="2" name="Content Placeholder 1">
             <a:extLst>
               <a:ext uri="{FF2B5EF4-FFF2-40B4-BE49-F238E27FC236}">
+                <a16:creationId xmlns:a16="http://schemas.microsoft.com/office/drawing/2014/main" id="{B043DE84-ACD3-4753-A25F-B3C42BEA7B98}"/>
+              </a:ext>
+            </a:extLst>
+          </p:cNvPr>
+          <p:cNvSpPr>
+            <a:spLocks noGrp="1"/>
+          </p:cNvSpPr>
+          <p:nvPr>
+            <p:ph idx="1"/>
+          </p:nvPr>
+        </p:nvSpPr>
+        <p:spPr>
+          <a:xfrm>
+            <a:off x="166681" y="1348901"/>
+            <a:ext cx="11699087" cy="4335139"/>
+          </a:xfrm>
+        </p:spPr>
+        <p:txBody>
+          <a:bodyPr/>
+          <a:lstStyle/>
+          <a:p>
+            <a:r>
+              <a:rPr lang="en-US" dirty="0"/>
+              <a:t>Pooling function replaces the output of a layer at a certain location with a summary statistic of the nearby outputs</a:t>
+            </a:r>
+          </a:p>
+          <a:p>
+            <a:pPr lvl="1"/>
+            <a:r>
+              <a:rPr lang="en-US" dirty="0"/>
+              <a:t>E.g., max pooling reports maximum output within a rectangular neighborhood</a:t>
+            </a:r>
+          </a:p>
+          <a:p>
+            <a:r>
+              <a:rPr lang="en-US" dirty="0"/>
+              <a:t>Other pooling functions include average, L</a:t>
+            </a:r>
+            <a:r>
+              <a:rPr lang="en-US" baseline="30000" dirty="0"/>
+              <a:t>2 </a:t>
+            </a:r>
+            <a:r>
+              <a:rPr lang="en-US" dirty="0"/>
+              <a:t>norm, weighted average etc.</a:t>
+            </a:r>
+          </a:p>
+          <a:p>
+            <a:r>
+              <a:rPr lang="en-US" dirty="0"/>
+              <a:t>Pooling helps representation be approximately invariant to small translations </a:t>
+            </a:r>
+          </a:p>
+          <a:p>
+            <a:r>
+              <a:rPr lang="en-US" dirty="0"/>
+              <a:t>By pooling over outputs of different convolutions, features can learn which transformations to become invariant to (e.g., rotation etc.)</a:t>
+            </a:r>
+          </a:p>
+        </p:txBody>
+      </p:sp>
+      <p:sp>
+        <p:nvSpPr>
+          <p:cNvPr id="3" name="Title 2">
+            <a:extLst>
+              <a:ext uri="{FF2B5EF4-FFF2-40B4-BE49-F238E27FC236}">
+                <a16:creationId xmlns:a16="http://schemas.microsoft.com/office/drawing/2014/main" id="{B2C9CC75-255D-43DE-AD23-63715DCB1A3C}"/>
+              </a:ext>
+            </a:extLst>
+          </p:cNvPr>
+          <p:cNvSpPr>
+            <a:spLocks noGrp="1"/>
+          </p:cNvSpPr>
+          <p:nvPr>
+            <p:ph type="title"/>
+          </p:nvPr>
+        </p:nvSpPr>
+        <p:spPr/>
+        <p:txBody>
+          <a:bodyPr/>
+          <a:lstStyle/>
+          <a:p>
+            <a:r>
+              <a:rPr lang="en-US" dirty="0"/>
+              <a:t>Pooling stage</a:t>
+            </a:r>
+          </a:p>
+        </p:txBody>
+      </p:sp>
+      <p:sp>
+        <p:nvSpPr>
+          <p:cNvPr id="4" name="Slide Number Placeholder 3">
+            <a:extLst>
+              <a:ext uri="{FF2B5EF4-FFF2-40B4-BE49-F238E27FC236}">
+                <a16:creationId xmlns:a16="http://schemas.microsoft.com/office/drawing/2014/main" id="{FE555155-EEFA-4934-8E3B-E1D1BCBA6605}"/>
+              </a:ext>
+            </a:extLst>
+          </p:cNvPr>
+          <p:cNvSpPr>
+            <a:spLocks noGrp="1"/>
+          </p:cNvSpPr>
+          <p:nvPr>
+            <p:ph type="sldNum" sz="quarter" idx="12"/>
+          </p:nvPr>
+        </p:nvSpPr>
+        <p:spPr/>
+        <p:txBody>
+          <a:bodyPr/>
+          <a:lstStyle/>
+          <a:p>
+            <a:fld id="{29AAD378-655A-49C6-813C-9FD132EF7440}" type="slidenum">
+              <a:rPr lang="en-US" smtClean="0"/>
+              <a:pPr/>
+              <a:t>22</a:t>
+            </a:fld>
+            <a:endParaRPr lang="en-US" dirty="0"/>
+          </a:p>
+        </p:txBody>
+      </p:sp>
+    </p:spTree>
+    <p:extLst>
+      <p:ext uri="{BB962C8B-B14F-4D97-AF65-F5344CB8AC3E}">
+        <p14:creationId xmlns:p14="http://schemas.microsoft.com/office/powerpoint/2010/main" val="2829000878"/>
+      </p:ext>
+    </p:extLst>
+  </p:cSld>
+  <p:clrMapOvr>
+    <a:masterClrMapping/>
+  </p:clrMapOvr>
+</p:sld>
+</file>
+
+<file path=ppt/slides/slide23.xml><?xml version="1.0" encoding="utf-8"?>
+<p:sld xmlns:a="http://schemas.openxmlformats.org/drawingml/2006/main" xmlns:r="http://schemas.openxmlformats.org/officeDocument/2006/relationships" xmlns:p="http://schemas.openxmlformats.org/presentationml/2006/main">
+  <p:cSld>
+    <p:spTree>
+      <p:nvGrpSpPr>
+        <p:cNvPr id="1" name=""/>
+        <p:cNvGrpSpPr/>
+        <p:nvPr/>
+      </p:nvGrpSpPr>
+      <p:grpSpPr>
+        <a:xfrm>
+          <a:off x="0" y="0"/>
+          <a:ext cx="0" cy="0"/>
+          <a:chOff x="0" y="0"/>
+          <a:chExt cx="0" cy="0"/>
+        </a:xfrm>
+      </p:grpSpPr>
+      <p:sp>
+        <p:nvSpPr>
+          <p:cNvPr id="2" name="Content Placeholder 1">
+            <a:extLst>
+              <a:ext uri="{FF2B5EF4-FFF2-40B4-BE49-F238E27FC236}">
+                <a16:creationId xmlns:a16="http://schemas.microsoft.com/office/drawing/2014/main" id="{478489FE-B1F5-44B4-9585-4232C1D67ABA}"/>
+              </a:ext>
+            </a:extLst>
+          </p:cNvPr>
+          <p:cNvSpPr>
+            <a:spLocks noGrp="1"/>
+          </p:cNvSpPr>
+          <p:nvPr>
+            <p:ph idx="1"/>
+          </p:nvPr>
+        </p:nvSpPr>
+        <p:spPr>
+          <a:xfrm>
+            <a:off x="166681" y="1809345"/>
+            <a:ext cx="11699087" cy="3874696"/>
+          </a:xfrm>
+        </p:spPr>
+        <p:txBody>
+          <a:bodyPr/>
+          <a:lstStyle/>
+          <a:p>
+            <a:r>
+              <a:rPr lang="en-US" dirty="0"/>
+              <a:t>CNNs may have some fully connected layers before the final output</a:t>
+            </a:r>
+          </a:p>
+          <a:p>
+            <a:r>
+              <a:rPr lang="en-US" dirty="0"/>
+              <a:t>These layers allows performing higher-level reasoning over different features learned by the previous convolutional layers</a:t>
+            </a:r>
+          </a:p>
+          <a:p>
+            <a:r>
+              <a:rPr lang="en-US" dirty="0"/>
+              <a:t>Various kind of convolution functions, pooling functions and detection functions are possible, giving rise to many different flavors</a:t>
+            </a:r>
+          </a:p>
+          <a:p>
+            <a:r>
+              <a:rPr lang="en-US" dirty="0"/>
+              <a:t>Number of convolutional layers can be varied depending on complexity of features to be learned</a:t>
+            </a:r>
+          </a:p>
+        </p:txBody>
+      </p:sp>
+      <p:sp>
+        <p:nvSpPr>
+          <p:cNvPr id="3" name="Title 2">
+            <a:extLst>
+              <a:ext uri="{FF2B5EF4-FFF2-40B4-BE49-F238E27FC236}">
+                <a16:creationId xmlns:a16="http://schemas.microsoft.com/office/drawing/2014/main" id="{8AD3EEC9-AE3E-4047-BD55-EC602BF5FC33}"/>
+              </a:ext>
+            </a:extLst>
+          </p:cNvPr>
+          <p:cNvSpPr>
+            <a:spLocks noGrp="1"/>
+          </p:cNvSpPr>
+          <p:nvPr>
+            <p:ph type="title"/>
+          </p:nvPr>
+        </p:nvSpPr>
+        <p:spPr/>
+        <p:txBody>
+          <a:bodyPr/>
+          <a:lstStyle/>
+          <a:p>
+            <a:r>
+              <a:rPr lang="en-US" dirty="0"/>
+              <a:t>Fully connected layers</a:t>
+            </a:r>
+          </a:p>
+        </p:txBody>
+      </p:sp>
+      <p:sp>
+        <p:nvSpPr>
+          <p:cNvPr id="4" name="Slide Number Placeholder 3">
+            <a:extLst>
+              <a:ext uri="{FF2B5EF4-FFF2-40B4-BE49-F238E27FC236}">
+                <a16:creationId xmlns:a16="http://schemas.microsoft.com/office/drawing/2014/main" id="{52D0CA2A-DE0D-4EDE-9E1E-C5D47DE8350D}"/>
+              </a:ext>
+            </a:extLst>
+          </p:cNvPr>
+          <p:cNvSpPr>
+            <a:spLocks noGrp="1"/>
+          </p:cNvSpPr>
+          <p:nvPr>
+            <p:ph type="sldNum" sz="quarter" idx="12"/>
+          </p:nvPr>
+        </p:nvSpPr>
+        <p:spPr/>
+        <p:txBody>
+          <a:bodyPr/>
+          <a:lstStyle/>
+          <a:p>
+            <a:fld id="{29AAD378-655A-49C6-813C-9FD132EF7440}" type="slidenum">
+              <a:rPr lang="en-US" smtClean="0"/>
+              <a:pPr/>
+              <a:t>23</a:t>
+            </a:fld>
+            <a:endParaRPr lang="en-US" dirty="0"/>
+          </a:p>
+        </p:txBody>
+      </p:sp>
+    </p:spTree>
+    <p:extLst>
+      <p:ext uri="{BB962C8B-B14F-4D97-AF65-F5344CB8AC3E}">
+        <p14:creationId xmlns:p14="http://schemas.microsoft.com/office/powerpoint/2010/main" val="1510474692"/>
+      </p:ext>
+    </p:extLst>
+  </p:cSld>
+  <p:clrMapOvr>
+    <a:masterClrMapping/>
+  </p:clrMapOvr>
+</p:sld>
+</file>
+
+<file path=ppt/slides/slide24.xml><?xml version="1.0" encoding="utf-8"?>
+<p:sld xmlns:a="http://schemas.openxmlformats.org/drawingml/2006/main" xmlns:r="http://schemas.openxmlformats.org/officeDocument/2006/relationships" xmlns:p="http://schemas.openxmlformats.org/presentationml/2006/main">
+  <p:cSld>
+    <p:spTree>
+      <p:nvGrpSpPr>
+        <p:cNvPr id="1" name=""/>
+        <p:cNvGrpSpPr/>
+        <p:nvPr/>
+      </p:nvGrpSpPr>
+      <p:grpSpPr>
+        <a:xfrm>
+          <a:off x="0" y="0"/>
+          <a:ext cx="0" cy="0"/>
+          <a:chOff x="0" y="0"/>
+          <a:chExt cx="0" cy="0"/>
+        </a:xfrm>
+      </p:grpSpPr>
+      <p:sp>
+        <p:nvSpPr>
+          <p:cNvPr id="2" name="Content Placeholder 1">
+            <a:extLst>
+              <a:ext uri="{FF2B5EF4-FFF2-40B4-BE49-F238E27FC236}">
+                <a16:creationId xmlns:a16="http://schemas.microsoft.com/office/drawing/2014/main" id="{4B08BB18-3755-4038-899E-E11F776763D4}"/>
+              </a:ext>
+            </a:extLst>
+          </p:cNvPr>
+          <p:cNvSpPr>
+            <a:spLocks noGrp="1"/>
+          </p:cNvSpPr>
+          <p:nvPr>
+            <p:ph idx="1"/>
+          </p:nvPr>
+        </p:nvSpPr>
+        <p:spPr/>
+        <p:txBody>
+          <a:bodyPr/>
+          <a:lstStyle/>
+          <a:p>
+            <a:r>
+              <a:rPr lang="en-US" dirty="0"/>
+              <a:t>R-CNN, Fast R-CNN and Faster R-CNN are specific architectures that help with object detection</a:t>
+            </a:r>
+          </a:p>
+          <a:p>
+            <a:r>
+              <a:rPr lang="en-US" dirty="0"/>
+              <a:t>Objective is to obtain from an image:</a:t>
+            </a:r>
+          </a:p>
+          <a:p>
+            <a:pPr lvl="1"/>
+            <a:r>
+              <a:rPr lang="en-US" dirty="0"/>
+              <a:t>A list of bounding boxes</a:t>
+            </a:r>
+          </a:p>
+          <a:p>
+            <a:pPr lvl="1"/>
+            <a:r>
+              <a:rPr lang="en-US" dirty="0"/>
+              <a:t>A label assigned to each bounding box</a:t>
+            </a:r>
+          </a:p>
+          <a:p>
+            <a:pPr lvl="1"/>
+            <a:r>
+              <a:rPr lang="en-US" dirty="0"/>
+              <a:t>A probability for each label and bounding box</a:t>
+            </a:r>
+          </a:p>
+          <a:p>
+            <a:r>
+              <a:rPr lang="en-US" dirty="0"/>
+              <a:t>The key idea in R-CNNs is to use </a:t>
+            </a:r>
+            <a:r>
+              <a:rPr lang="en-US" i="1" dirty="0"/>
+              <a:t>region proposals </a:t>
+            </a:r>
+            <a:r>
+              <a:rPr lang="en-US" dirty="0"/>
+              <a:t>and </a:t>
+            </a:r>
+            <a:r>
+              <a:rPr lang="en-US" i="1" dirty="0"/>
+              <a:t>region of interest pooling</a:t>
+            </a:r>
+          </a:p>
+          <a:p>
+            <a:endParaRPr lang="en-US" dirty="0"/>
+          </a:p>
+        </p:txBody>
+      </p:sp>
+      <p:sp>
+        <p:nvSpPr>
+          <p:cNvPr id="3" name="Title 2">
+            <a:extLst>
+              <a:ext uri="{FF2B5EF4-FFF2-40B4-BE49-F238E27FC236}">
+                <a16:creationId xmlns:a16="http://schemas.microsoft.com/office/drawing/2014/main" id="{364AE5FE-FB8C-417A-B133-A56CE4A7692D}"/>
+              </a:ext>
+            </a:extLst>
+          </p:cNvPr>
+          <p:cNvSpPr>
+            <a:spLocks noGrp="1"/>
+          </p:cNvSpPr>
+          <p:nvPr>
+            <p:ph type="title"/>
+          </p:nvPr>
+        </p:nvSpPr>
+        <p:spPr/>
+        <p:txBody>
+          <a:bodyPr/>
+          <a:lstStyle/>
+          <a:p>
+            <a:r>
+              <a:rPr lang="en-US" dirty="0"/>
+              <a:t>R-CNN</a:t>
+            </a:r>
+            <a:r>
+              <a:rPr lang="en-US" baseline="30000" dirty="0"/>
+              <a:t>[3]</a:t>
+            </a:r>
+          </a:p>
+        </p:txBody>
+      </p:sp>
+      <p:sp>
+        <p:nvSpPr>
+          <p:cNvPr id="4" name="Slide Number Placeholder 3">
+            <a:extLst>
+              <a:ext uri="{FF2B5EF4-FFF2-40B4-BE49-F238E27FC236}">
+                <a16:creationId xmlns:a16="http://schemas.microsoft.com/office/drawing/2014/main" id="{3DFEC0ED-EB0A-492A-BFD0-52562A5FDD4A}"/>
+              </a:ext>
+            </a:extLst>
+          </p:cNvPr>
+          <p:cNvSpPr>
+            <a:spLocks noGrp="1"/>
+          </p:cNvSpPr>
+          <p:nvPr>
+            <p:ph type="sldNum" sz="quarter" idx="12"/>
+          </p:nvPr>
+        </p:nvSpPr>
+        <p:spPr/>
+        <p:txBody>
+          <a:bodyPr/>
+          <a:lstStyle/>
+          <a:p>
+            <a:fld id="{29AAD378-655A-49C6-813C-9FD132EF7440}" type="slidenum">
+              <a:rPr lang="en-US" smtClean="0"/>
+              <a:pPr/>
+              <a:t>24</a:t>
+            </a:fld>
+            <a:endParaRPr lang="en-US" dirty="0"/>
+          </a:p>
+        </p:txBody>
+      </p:sp>
+    </p:spTree>
+    <p:extLst>
+      <p:ext uri="{BB962C8B-B14F-4D97-AF65-F5344CB8AC3E}">
+        <p14:creationId xmlns:p14="http://schemas.microsoft.com/office/powerpoint/2010/main" val="4235827423"/>
+      </p:ext>
+    </p:extLst>
+  </p:cSld>
+  <p:clrMapOvr>
+    <a:masterClrMapping/>
+  </p:clrMapOvr>
+</p:sld>
+</file>
+
+<file path=ppt/slides/slide25.xml><?xml version="1.0" encoding="utf-8"?>
+<p:sld xmlns:a="http://schemas.openxmlformats.org/drawingml/2006/main" xmlns:r="http://schemas.openxmlformats.org/officeDocument/2006/relationships" xmlns:p="http://schemas.openxmlformats.org/presentationml/2006/main">
+  <p:cSld>
+    <p:spTree>
+      <p:nvGrpSpPr>
+        <p:cNvPr id="1" name=""/>
+        <p:cNvGrpSpPr/>
+        <p:nvPr/>
+      </p:nvGrpSpPr>
+      <p:grpSpPr>
+        <a:xfrm>
+          <a:off x="0" y="0"/>
+          <a:ext cx="0" cy="0"/>
+          <a:chOff x="0" y="0"/>
+          <a:chExt cx="0" cy="0"/>
+        </a:xfrm>
+      </p:grpSpPr>
+      <p:sp>
+        <p:nvSpPr>
+          <p:cNvPr id="2" name="Content Placeholder 1">
+            <a:extLst>
+              <a:ext uri="{FF2B5EF4-FFF2-40B4-BE49-F238E27FC236}">
                 <a16:creationId xmlns:a16="http://schemas.microsoft.com/office/drawing/2014/main" id="{818DA894-FD0C-433D-98D4-B7286B3BD19C}"/>
               </a:ext>
             </a:extLst>
@@ -5888,7 +6481,7 @@
             <a:fld id="{29AAD378-655A-49C6-813C-9FD132EF7440}" type="slidenum">
               <a:rPr lang="en-US" smtClean="0"/>
               <a:pPr/>
-              <a:t>22</a:t>
+              <a:t>25</a:t>
             </a:fld>
             <a:endParaRPr lang="en-US" dirty="0"/>
           </a:p>
@@ -5936,7 +6529,7 @@
 </p:sld>
 </file>
 
-<file path=ppt/slides/slide23.xml><?xml version="1.0" encoding="utf-8"?>
+<file path=ppt/slides/slide26.xml><?xml version="1.0" encoding="utf-8"?>
 <p:sld xmlns:a="http://schemas.openxmlformats.org/drawingml/2006/main" xmlns:r="http://schemas.openxmlformats.org/officeDocument/2006/relationships" xmlns:p="http://schemas.openxmlformats.org/presentationml/2006/main">
   <p:cSld>
     <p:spTree>
@@ -6057,7 +6650,7 @@
             <a:fld id="{29AAD378-655A-49C6-813C-9FD132EF7440}" type="slidenum">
               <a:rPr lang="en-US" smtClean="0"/>
               <a:pPr/>
-              <a:t>23</a:t>
+              <a:t>26</a:t>
             </a:fld>
             <a:endParaRPr lang="en-US" dirty="0"/>
           </a:p>
@@ -6106,462 +6699,6 @@
 </p:sld>
 </file>
 
-<file path=ppt/slides/slide24.xml><?xml version="1.0" encoding="utf-8"?>
-<p:sld xmlns:a="http://schemas.openxmlformats.org/drawingml/2006/main" xmlns:r="http://schemas.openxmlformats.org/officeDocument/2006/relationships" xmlns:p="http://schemas.openxmlformats.org/presentationml/2006/main">
-  <p:cSld>
-    <p:spTree>
-      <p:nvGrpSpPr>
-        <p:cNvPr id="1" name=""/>
-        <p:cNvGrpSpPr/>
-        <p:nvPr/>
-      </p:nvGrpSpPr>
-      <p:grpSpPr>
-        <a:xfrm>
-          <a:off x="0" y="0"/>
-          <a:ext cx="0" cy="0"/>
-          <a:chOff x="0" y="0"/>
-          <a:chExt cx="0" cy="0"/>
-        </a:xfrm>
-      </p:grpSpPr>
-      <p:sp>
-        <p:nvSpPr>
-          <p:cNvPr id="2" name="Content Placeholder 1">
-            <a:extLst>
-              <a:ext uri="{FF2B5EF4-FFF2-40B4-BE49-F238E27FC236}">
-                <a16:creationId xmlns:a16="http://schemas.microsoft.com/office/drawing/2014/main" id="{E4E89F4D-8BB5-4355-AB0C-9DB56D0987DA}"/>
-              </a:ext>
-            </a:extLst>
-          </p:cNvPr>
-          <p:cNvSpPr>
-            <a:spLocks noGrp="1"/>
-          </p:cNvSpPr>
-          <p:nvPr>
-            <p:ph idx="1"/>
-          </p:nvPr>
-        </p:nvSpPr>
-        <p:spPr>
-          <a:xfrm>
-            <a:off x="166681" y="1828799"/>
-            <a:ext cx="11699087" cy="3855241"/>
-          </a:xfrm>
-        </p:spPr>
-        <p:txBody>
-          <a:bodyPr/>
-          <a:lstStyle/>
-          <a:p>
-            <a:r>
-              <a:rPr lang="en-US" dirty="0"/>
-              <a:t>Most common approach is to use odometry + GPS + Kalman filter</a:t>
-            </a:r>
-          </a:p>
-          <a:p>
-            <a:r>
-              <a:rPr lang="en-US" dirty="0"/>
-              <a:t>This becomes unreliable in urban environments, tunnels, tall buildings etc. where GPS signal quality is poor</a:t>
-            </a:r>
-          </a:p>
-          <a:p>
-            <a:r>
-              <a:rPr lang="en-US" dirty="0"/>
-              <a:t>Map-aided localization:</a:t>
-            </a:r>
-          </a:p>
-          <a:p>
-            <a:pPr lvl="1"/>
-            <a:r>
-              <a:rPr lang="en-US" dirty="0"/>
-              <a:t>Use local features to achieve precise localization</a:t>
-            </a:r>
-          </a:p>
-          <a:p>
-            <a:pPr lvl="1"/>
-            <a:r>
-              <a:rPr lang="en-US" dirty="0"/>
-              <a:t>SLAM (simultaneous localization and mapping): most popular approach</a:t>
-            </a:r>
-          </a:p>
-          <a:p>
-            <a:endParaRPr lang="en-US" dirty="0"/>
-          </a:p>
-        </p:txBody>
-      </p:sp>
-      <p:sp>
-        <p:nvSpPr>
-          <p:cNvPr id="3" name="Title 2">
-            <a:extLst>
-              <a:ext uri="{FF2B5EF4-FFF2-40B4-BE49-F238E27FC236}">
-                <a16:creationId xmlns:a16="http://schemas.microsoft.com/office/drawing/2014/main" id="{1BF8A393-F21C-4689-B67D-CB9E17116BB1}"/>
-              </a:ext>
-            </a:extLst>
-          </p:cNvPr>
-          <p:cNvSpPr>
-            <a:spLocks noGrp="1"/>
-          </p:cNvSpPr>
-          <p:nvPr>
-            <p:ph type="title"/>
-          </p:nvPr>
-        </p:nvSpPr>
-        <p:spPr/>
-        <p:txBody>
-          <a:bodyPr/>
-          <a:lstStyle/>
-          <a:p>
-            <a:r>
-              <a:rPr lang="en-US" dirty="0"/>
-              <a:t>Localization</a:t>
-            </a:r>
-          </a:p>
-        </p:txBody>
-      </p:sp>
-      <p:sp>
-        <p:nvSpPr>
-          <p:cNvPr id="4" name="Slide Number Placeholder 3">
-            <a:extLst>
-              <a:ext uri="{FF2B5EF4-FFF2-40B4-BE49-F238E27FC236}">
-                <a16:creationId xmlns:a16="http://schemas.microsoft.com/office/drawing/2014/main" id="{14D18727-E399-4CD0-9615-5AD53868DA24}"/>
-              </a:ext>
-            </a:extLst>
-          </p:cNvPr>
-          <p:cNvSpPr>
-            <a:spLocks noGrp="1"/>
-          </p:cNvSpPr>
-          <p:nvPr>
-            <p:ph type="sldNum" sz="quarter" idx="12"/>
-          </p:nvPr>
-        </p:nvSpPr>
-        <p:spPr/>
-        <p:txBody>
-          <a:bodyPr/>
-          <a:lstStyle/>
-          <a:p>
-            <a:fld id="{29AAD378-655A-49C6-813C-9FD132EF7440}" type="slidenum">
-              <a:rPr lang="en-US" smtClean="0"/>
-              <a:pPr/>
-              <a:t>24</a:t>
-            </a:fld>
-            <a:endParaRPr lang="en-US" dirty="0"/>
-          </a:p>
-        </p:txBody>
-      </p:sp>
-    </p:spTree>
-    <p:extLst>
-      <p:ext uri="{BB962C8B-B14F-4D97-AF65-F5344CB8AC3E}">
-        <p14:creationId xmlns:p14="http://schemas.microsoft.com/office/powerpoint/2010/main" val="169076259"/>
-      </p:ext>
-    </p:extLst>
-  </p:cSld>
-  <p:clrMapOvr>
-    <a:masterClrMapping/>
-  </p:clrMapOvr>
-</p:sld>
-</file>
-
-<file path=ppt/slides/slide25.xml><?xml version="1.0" encoding="utf-8"?>
-<p:sld xmlns:a="http://schemas.openxmlformats.org/drawingml/2006/main" xmlns:r="http://schemas.openxmlformats.org/officeDocument/2006/relationships" xmlns:p="http://schemas.openxmlformats.org/presentationml/2006/main">
-  <p:cSld>
-    <p:spTree>
-      <p:nvGrpSpPr>
-        <p:cNvPr id="1" name=""/>
-        <p:cNvGrpSpPr/>
-        <p:nvPr/>
-      </p:nvGrpSpPr>
-      <p:grpSpPr>
-        <a:xfrm>
-          <a:off x="0" y="0"/>
-          <a:ext cx="0" cy="0"/>
-          <a:chOff x="0" y="0"/>
-          <a:chExt cx="0" cy="0"/>
-        </a:xfrm>
-      </p:grpSpPr>
-      <p:sp>
-        <p:nvSpPr>
-          <p:cNvPr id="2" name="Content Placeholder 1">
-            <a:extLst>
-              <a:ext uri="{FF2B5EF4-FFF2-40B4-BE49-F238E27FC236}">
-                <a16:creationId xmlns:a16="http://schemas.microsoft.com/office/drawing/2014/main" id="{8B9B83DB-8312-4D6F-9459-DAA26C59A99E}"/>
-              </a:ext>
-            </a:extLst>
-          </p:cNvPr>
-          <p:cNvSpPr>
-            <a:spLocks noGrp="1"/>
-          </p:cNvSpPr>
-          <p:nvPr>
-            <p:ph idx="1"/>
-          </p:nvPr>
-        </p:nvSpPr>
-        <p:spPr/>
-        <p:txBody>
-          <a:bodyPr/>
-          <a:lstStyle/>
-          <a:p>
-            <a:r>
-              <a:rPr lang="en-US" dirty="0"/>
-              <a:t>ACPS moves reaching a new point of view of its location</a:t>
-            </a:r>
-          </a:p>
-          <a:p>
-            <a:pPr lvl="1"/>
-            <a:r>
-              <a:rPr lang="en-US" b="1" i="1" dirty="0"/>
-              <a:t>Motion model </a:t>
-            </a:r>
-            <a:r>
-              <a:rPr lang="en-US" dirty="0"/>
-              <a:t>captures car motion, but could be inaccurate because of actuation errors</a:t>
-            </a:r>
-          </a:p>
-          <a:p>
-            <a:r>
-              <a:rPr lang="en-US" dirty="0"/>
-              <a:t>ACPS discovers interesting features in the environment that need to be incorporated into the map</a:t>
-            </a:r>
-          </a:p>
-          <a:p>
-            <a:pPr lvl="1"/>
-            <a:r>
-              <a:rPr lang="en-US" dirty="0"/>
-              <a:t>Features are called landmarks; because of sensor errors, positions of landmarks will be uncertain. </a:t>
-            </a:r>
-          </a:p>
-          <a:p>
-            <a:pPr lvl="1"/>
-            <a:r>
-              <a:rPr lang="en-US" dirty="0"/>
-              <a:t>Mathematical model to determine position of landmarks from observation is called </a:t>
-            </a:r>
-            <a:r>
-              <a:rPr lang="en-US" b="1" i="1" dirty="0"/>
-              <a:t>inverse observation model</a:t>
-            </a:r>
-            <a:endParaRPr lang="en-US" dirty="0"/>
-          </a:p>
-          <a:p>
-            <a:endParaRPr lang="en-US" dirty="0"/>
-          </a:p>
-        </p:txBody>
-      </p:sp>
-      <p:sp>
-        <p:nvSpPr>
-          <p:cNvPr id="3" name="Title 2">
-            <a:extLst>
-              <a:ext uri="{FF2B5EF4-FFF2-40B4-BE49-F238E27FC236}">
-                <a16:creationId xmlns:a16="http://schemas.microsoft.com/office/drawing/2014/main" id="{618AFCBF-EC40-4E2A-B8A2-76A49AB50393}"/>
-              </a:ext>
-            </a:extLst>
-          </p:cNvPr>
-          <p:cNvSpPr>
-            <a:spLocks noGrp="1"/>
-          </p:cNvSpPr>
-          <p:nvPr>
-            <p:ph type="title"/>
-          </p:nvPr>
-        </p:nvSpPr>
-        <p:spPr/>
-        <p:txBody>
-          <a:bodyPr/>
-          <a:lstStyle/>
-          <a:p>
-            <a:r>
-              <a:rPr lang="en-US" dirty="0"/>
-              <a:t>Main steps in SLAM</a:t>
-            </a:r>
-          </a:p>
-        </p:txBody>
-      </p:sp>
-      <p:sp>
-        <p:nvSpPr>
-          <p:cNvPr id="4" name="Slide Number Placeholder 3">
-            <a:extLst>
-              <a:ext uri="{FF2B5EF4-FFF2-40B4-BE49-F238E27FC236}">
-                <a16:creationId xmlns:a16="http://schemas.microsoft.com/office/drawing/2014/main" id="{DC1024D1-7E92-46EC-A398-90511710920C}"/>
-              </a:ext>
-            </a:extLst>
-          </p:cNvPr>
-          <p:cNvSpPr>
-            <a:spLocks noGrp="1"/>
-          </p:cNvSpPr>
-          <p:nvPr>
-            <p:ph type="sldNum" sz="quarter" idx="12"/>
-          </p:nvPr>
-        </p:nvSpPr>
-        <p:spPr/>
-        <p:txBody>
-          <a:bodyPr/>
-          <a:lstStyle/>
-          <a:p>
-            <a:fld id="{29AAD378-655A-49C6-813C-9FD132EF7440}" type="slidenum">
-              <a:rPr lang="en-US" smtClean="0"/>
-              <a:pPr/>
-              <a:t>25</a:t>
-            </a:fld>
-            <a:endParaRPr lang="en-US" dirty="0"/>
-          </a:p>
-        </p:txBody>
-      </p:sp>
-    </p:spTree>
-    <p:extLst>
-      <p:ext uri="{BB962C8B-B14F-4D97-AF65-F5344CB8AC3E}">
-        <p14:creationId xmlns:p14="http://schemas.microsoft.com/office/powerpoint/2010/main" val="2427386556"/>
-      </p:ext>
-    </p:extLst>
-  </p:cSld>
-  <p:clrMapOvr>
-    <a:masterClrMapping/>
-  </p:clrMapOvr>
-</p:sld>
-</file>
-
-<file path=ppt/slides/slide26.xml><?xml version="1.0" encoding="utf-8"?>
-<p:sld xmlns:a="http://schemas.openxmlformats.org/drawingml/2006/main" xmlns:r="http://schemas.openxmlformats.org/officeDocument/2006/relationships" xmlns:p="http://schemas.openxmlformats.org/presentationml/2006/main">
-  <p:cSld>
-    <p:spTree>
-      <p:nvGrpSpPr>
-        <p:cNvPr id="1" name=""/>
-        <p:cNvGrpSpPr/>
-        <p:nvPr/>
-      </p:nvGrpSpPr>
-      <p:grpSpPr>
-        <a:xfrm>
-          <a:off x="0" y="0"/>
-          <a:ext cx="0" cy="0"/>
-          <a:chOff x="0" y="0"/>
-          <a:chExt cx="0" cy="0"/>
-        </a:xfrm>
-      </p:grpSpPr>
-      <p:sp>
-        <p:nvSpPr>
-          <p:cNvPr id="2" name="Content Placeholder 1">
-            <a:extLst>
-              <a:ext uri="{FF2B5EF4-FFF2-40B4-BE49-F238E27FC236}">
-                <a16:creationId xmlns:a16="http://schemas.microsoft.com/office/drawing/2014/main" id="{3FFE3526-84A1-4040-BBDE-29448989D0CA}"/>
-              </a:ext>
-            </a:extLst>
-          </p:cNvPr>
-          <p:cNvSpPr>
-            <a:spLocks noGrp="1"/>
-          </p:cNvSpPr>
-          <p:nvPr>
-            <p:ph idx="1"/>
-          </p:nvPr>
-        </p:nvSpPr>
-        <p:spPr>
-          <a:xfrm>
-            <a:off x="166681" y="1692613"/>
-            <a:ext cx="11699087" cy="3991428"/>
-          </a:xfrm>
-        </p:spPr>
-        <p:txBody>
-          <a:bodyPr/>
-          <a:lstStyle/>
-          <a:p>
-            <a:r>
-              <a:rPr lang="en-US" dirty="0"/>
-              <a:t>ACPS observes previously mapped landmarks and uses them to correct its self-localization and positions of landmarks in the map</a:t>
-            </a:r>
-          </a:p>
-          <a:p>
-            <a:pPr lvl="1"/>
-            <a:r>
-              <a:rPr lang="en-US" dirty="0"/>
-              <a:t>Localization and landmark uncertainties decrease</a:t>
-            </a:r>
-          </a:p>
-          <a:p>
-            <a:pPr lvl="1"/>
-            <a:r>
-              <a:rPr lang="en-US" dirty="0"/>
-              <a:t>Predict values of measurement from predicted landmark location and robot localization is called </a:t>
-            </a:r>
-            <a:r>
-              <a:rPr lang="en-US" b="1" i="1" dirty="0"/>
-              <a:t>direct observation model</a:t>
-            </a:r>
-          </a:p>
-          <a:p>
-            <a:r>
-              <a:rPr lang="en-US" dirty="0"/>
-              <a:t>SLAM = above three models + an estimator (EKF is common)</a:t>
-            </a:r>
-          </a:p>
-          <a:p>
-            <a:r>
-              <a:rPr lang="en-US" dirty="0"/>
-              <a:t>SLAM viewed as a Bayesian filtering problem</a:t>
-            </a:r>
-          </a:p>
-        </p:txBody>
-      </p:sp>
-      <p:sp>
-        <p:nvSpPr>
-          <p:cNvPr id="3" name="Title 2">
-            <a:extLst>
-              <a:ext uri="{FF2B5EF4-FFF2-40B4-BE49-F238E27FC236}">
-                <a16:creationId xmlns:a16="http://schemas.microsoft.com/office/drawing/2014/main" id="{BF65A936-AE72-4D89-BD32-7910C4CDD731}"/>
-              </a:ext>
-            </a:extLst>
-          </p:cNvPr>
-          <p:cNvSpPr>
-            <a:spLocks noGrp="1"/>
-          </p:cNvSpPr>
-          <p:nvPr>
-            <p:ph type="title"/>
-          </p:nvPr>
-        </p:nvSpPr>
-        <p:spPr/>
-        <p:txBody>
-          <a:bodyPr/>
-          <a:lstStyle/>
-          <a:p>
-            <a:r>
-              <a:rPr lang="en-US" dirty="0"/>
-              <a:t>Main steps in SLAM (continued)</a:t>
-            </a:r>
-          </a:p>
-        </p:txBody>
-      </p:sp>
-      <p:sp>
-        <p:nvSpPr>
-          <p:cNvPr id="4" name="Slide Number Placeholder 3">
-            <a:extLst>
-              <a:ext uri="{FF2B5EF4-FFF2-40B4-BE49-F238E27FC236}">
-                <a16:creationId xmlns:a16="http://schemas.microsoft.com/office/drawing/2014/main" id="{256C3E72-06D5-4E02-9C3F-A8E3A2D7F8EF}"/>
-              </a:ext>
-            </a:extLst>
-          </p:cNvPr>
-          <p:cNvSpPr>
-            <a:spLocks noGrp="1"/>
-          </p:cNvSpPr>
-          <p:nvPr>
-            <p:ph type="sldNum" sz="quarter" idx="12"/>
-          </p:nvPr>
-        </p:nvSpPr>
-        <p:spPr/>
-        <p:txBody>
-          <a:bodyPr/>
-          <a:lstStyle/>
-          <a:p>
-            <a:fld id="{29AAD378-655A-49C6-813C-9FD132EF7440}" type="slidenum">
-              <a:rPr lang="en-US" smtClean="0"/>
-              <a:pPr/>
-              <a:t>26</a:t>
-            </a:fld>
-            <a:endParaRPr lang="en-US" dirty="0"/>
-          </a:p>
-        </p:txBody>
-      </p:sp>
-    </p:spTree>
-    <p:extLst>
-      <p:ext uri="{BB962C8B-B14F-4D97-AF65-F5344CB8AC3E}">
-        <p14:creationId xmlns:p14="http://schemas.microsoft.com/office/powerpoint/2010/main" val="2081108600"/>
-      </p:ext>
-    </p:extLst>
-  </p:cSld>
-  <p:clrMapOvr>
-    <a:masterClrMapping/>
-  </p:clrMapOvr>
-</p:sld>
-</file>
-
 <file path=ppt/slides/slide27.xml><?xml version="1.0" encoding="utf-8"?>
 <p:sld xmlns:a="http://schemas.openxmlformats.org/drawingml/2006/main" xmlns:r="http://schemas.openxmlformats.org/officeDocument/2006/relationships" xmlns:p="http://schemas.openxmlformats.org/presentationml/2006/main">
   <p:cSld>
@@ -6581,65 +6718,10 @@
       </p:grpSpPr>
       <p:sp>
         <p:nvSpPr>
-          <p:cNvPr id="2" name="Content Placeholder 1">
-            <a:extLst>
-              <a:ext uri="{FF2B5EF4-FFF2-40B4-BE49-F238E27FC236}">
-                <a16:creationId xmlns:a16="http://schemas.microsoft.com/office/drawing/2014/main" id="{EE58871E-DB14-44C2-A700-E025B28A4088}"/>
-              </a:ext>
-            </a:extLst>
-          </p:cNvPr>
-          <p:cNvSpPr>
-            <a:spLocks noGrp="1"/>
-          </p:cNvSpPr>
-          <p:nvPr>
-            <p:ph idx="1"/>
-          </p:nvPr>
-        </p:nvSpPr>
-        <p:spPr/>
-        <p:txBody>
-          <a:bodyPr/>
-          <a:lstStyle/>
-          <a:p>
-            <a:r>
-              <a:rPr lang="en-US" dirty="0"/>
-              <a:t>We already learned about Kalman filter that can help do sensor fusion for localization using INS and GPU</a:t>
-            </a:r>
-          </a:p>
-          <a:p>
-            <a:r>
-              <a:rPr lang="en-US" dirty="0"/>
-              <a:t>Sensor fusion for camera and LiDAR data requires new algorithms</a:t>
-            </a:r>
-          </a:p>
-          <a:p>
-            <a:r>
-              <a:rPr lang="en-US" dirty="0"/>
-              <a:t>Centralized algorithms based on conditional random fields, Markov random fields, and decentralized algorithms based on boosting and Gaussian mixture models have been explored</a:t>
-            </a:r>
-          </a:p>
-          <a:p>
-            <a:r>
-              <a:rPr lang="en-US" dirty="0"/>
-              <a:t>Deep learning is also being explored for doing sensor fusion</a:t>
-            </a:r>
-          </a:p>
-          <a:p>
-            <a:r>
-              <a:rPr lang="en-US" dirty="0"/>
-              <a:t>Note: these approaches are exploratory, and there is no standard algorithm accepted by all</a:t>
-            </a:r>
-          </a:p>
-          <a:p>
-            <a:endParaRPr lang="en-US" dirty="0"/>
-          </a:p>
-        </p:txBody>
-      </p:sp>
-      <p:sp>
-        <p:nvSpPr>
           <p:cNvPr id="3" name="Title 2">
             <a:extLst>
               <a:ext uri="{FF2B5EF4-FFF2-40B4-BE49-F238E27FC236}">
-                <a16:creationId xmlns:a16="http://schemas.microsoft.com/office/drawing/2014/main" id="{CC9504F1-EA59-461B-A9C5-EDBAE751D2F7}"/>
+                <a16:creationId xmlns:a16="http://schemas.microsoft.com/office/drawing/2014/main" id="{129F6EB3-F5B0-195A-B002-249624D21E86}"/>
               </a:ext>
             </a:extLst>
           </p:cNvPr>
@@ -6657,7 +6739,7 @@
           <a:p>
             <a:r>
               <a:rPr lang="en-US" dirty="0"/>
-              <a:t>Sensor Fusion</a:t>
+              <a:t>Safety Reasoning about Vision Systems</a:t>
             </a:r>
           </a:p>
         </p:txBody>
@@ -6667,7 +6749,7 @@
           <p:cNvPr id="4" name="Slide Number Placeholder 3">
             <a:extLst>
               <a:ext uri="{FF2B5EF4-FFF2-40B4-BE49-F238E27FC236}">
-                <a16:creationId xmlns:a16="http://schemas.microsoft.com/office/drawing/2014/main" id="{08293374-0C04-4B22-89F7-F08ECD1CFE7F}"/>
+                <a16:creationId xmlns:a16="http://schemas.microsoft.com/office/drawing/2014/main" id="{ADD471C7-21C8-177E-8ED8-57E607DBF9F6}"/>
               </a:ext>
             </a:extLst>
           </p:cNvPr>
@@ -6692,10 +6774,365 @@
           </a:p>
         </p:txBody>
       </p:sp>
+      <p:pic>
+        <p:nvPicPr>
+          <p:cNvPr id="7" name="Picture 6">
+            <a:extLst>
+              <a:ext uri="{FF2B5EF4-FFF2-40B4-BE49-F238E27FC236}">
+                <a16:creationId xmlns:a16="http://schemas.microsoft.com/office/drawing/2014/main" id="{B88A5480-2D8A-CDF2-F3B2-0077FC1280B8}"/>
+              </a:ext>
+            </a:extLst>
+          </p:cNvPr>
+          <p:cNvPicPr>
+            <a:picLocks noChangeAspect="1"/>
+          </p:cNvPicPr>
+          <p:nvPr/>
+        </p:nvPicPr>
+        <p:blipFill rotWithShape="1">
+          <a:blip r:embed="rId2">
+            <a:extLst>
+              <a:ext uri="{28A0092B-C50C-407E-A947-70E740481C1C}">
+                <a14:useLocalDpi xmlns:a14="http://schemas.microsoft.com/office/drawing/2010/main" val="0"/>
+              </a:ext>
+            </a:extLst>
+          </a:blip>
+          <a:srcRect l="31487"/>
+          <a:stretch/>
+        </p:blipFill>
+        <p:spPr>
+          <a:xfrm>
+            <a:off x="351130" y="1122545"/>
+            <a:ext cx="5210256" cy="2062315"/>
+          </a:xfrm>
+          <a:prstGeom prst="rect">
+            <a:avLst/>
+          </a:prstGeom>
+        </p:spPr>
+      </p:pic>
+      <p:sp>
+        <p:nvSpPr>
+          <p:cNvPr id="8" name="Content Placeholder 1">
+            <a:extLst>
+              <a:ext uri="{FF2B5EF4-FFF2-40B4-BE49-F238E27FC236}">
+                <a16:creationId xmlns:a16="http://schemas.microsoft.com/office/drawing/2014/main" id="{5687A71C-6BB1-5663-2332-AAC710D9ECF6}"/>
+              </a:ext>
+            </a:extLst>
+          </p:cNvPr>
+          <p:cNvSpPr>
+            <a:spLocks noGrp="1"/>
+          </p:cNvSpPr>
+          <p:nvPr>
+            <p:ph idx="1"/>
+          </p:nvPr>
+        </p:nvSpPr>
+        <p:spPr>
+          <a:xfrm>
+            <a:off x="5762625" y="1122545"/>
+            <a:ext cx="6103143" cy="1934980"/>
+          </a:xfrm>
+        </p:spPr>
+        <p:txBody>
+          <a:bodyPr>
+            <a:normAutofit/>
+          </a:bodyPr>
+          <a:lstStyle/>
+          <a:p>
+            <a:r>
+              <a:rPr lang="en-US" dirty="0"/>
+              <a:t>List of Bounding Boxes per frame (and coordinates)</a:t>
+            </a:r>
+          </a:p>
+          <a:p>
+            <a:r>
+              <a:rPr lang="en-US" dirty="0"/>
+              <a:t>Each box has object class label, confidence</a:t>
+            </a:r>
+          </a:p>
+          <a:p>
+            <a:endParaRPr lang="en-US" dirty="0"/>
+          </a:p>
+          <a:p>
+            <a:pPr marL="0" indent="0">
+              <a:buNone/>
+            </a:pPr>
+            <a:endParaRPr lang="en-US" dirty="0"/>
+          </a:p>
+        </p:txBody>
+      </p:sp>
+      <p:sp>
+        <p:nvSpPr>
+          <p:cNvPr id="9" name="Content Placeholder 1">
+            <a:extLst>
+              <a:ext uri="{FF2B5EF4-FFF2-40B4-BE49-F238E27FC236}">
+                <a16:creationId xmlns:a16="http://schemas.microsoft.com/office/drawing/2014/main" id="{8781B4D3-D05A-0CCD-C741-F69E37784512}"/>
+              </a:ext>
+            </a:extLst>
+          </p:cNvPr>
+          <p:cNvSpPr txBox="1">
+            <a:spLocks/>
+          </p:cNvSpPr>
+          <p:nvPr/>
+        </p:nvSpPr>
+        <p:spPr>
+          <a:xfrm>
+            <a:off x="495300" y="3589520"/>
+            <a:ext cx="10920419" cy="2220730"/>
+          </a:xfrm>
+          <a:prstGeom prst="rect">
+            <a:avLst/>
+          </a:prstGeom>
+        </p:spPr>
+        <p:txBody>
+          <a:bodyPr vert="horz" lIns="91440" tIns="45720" rIns="91440" bIns="45720" rtlCol="0">
+            <a:normAutofit/>
+          </a:bodyPr>
+          <a:lstStyle>
+            <a:lvl1pPr marL="457200" marR="0" indent="-457200" algn="l" defTabSz="914400" rtl="0" eaLnBrk="1" fontAlgn="auto" latinLnBrk="0" hangingPunct="1">
+              <a:lnSpc>
+                <a:spcPct val="90000"/>
+              </a:lnSpc>
+              <a:spcBef>
+                <a:spcPts val="1000"/>
+              </a:spcBef>
+              <a:spcAft>
+                <a:spcPts val="0"/>
+              </a:spcAft>
+              <a:buClr>
+                <a:srgbClr val="FF9B9B"/>
+              </a:buClr>
+              <a:buSzPct val="80000"/>
+              <a:buFont typeface="Wingdings 3" panose="05040102010807070707" pitchFamily="18" charset="2"/>
+              <a:buChar char=""/>
+              <a:tabLst/>
+              <a:defRPr lang="en-US" sz="2800" kern="1200" noProof="0">
+                <a:solidFill>
+                  <a:schemeClr val="tx1"/>
+                </a:solidFill>
+                <a:latin typeface="+mn-lt"/>
+                <a:ea typeface="+mn-ea"/>
+                <a:cs typeface="+mn-cs"/>
+              </a:defRPr>
+            </a:lvl1pPr>
+            <a:lvl2pPr marL="685800" marR="0" indent="-274320" algn="l" defTabSz="914400" rtl="0" eaLnBrk="1" fontAlgn="auto" latinLnBrk="0" hangingPunct="1">
+              <a:lnSpc>
+                <a:spcPct val="90000"/>
+              </a:lnSpc>
+              <a:spcBef>
+                <a:spcPts val="500"/>
+              </a:spcBef>
+              <a:spcAft>
+                <a:spcPts val="0"/>
+              </a:spcAft>
+              <a:buClr>
+                <a:srgbClr val="FFA3A3"/>
+              </a:buClr>
+              <a:buSzPct val="75000"/>
+              <a:buFont typeface="Wingdings 3" panose="05040102010807070707" pitchFamily="18" charset="2"/>
+              <a:buChar char=""/>
+              <a:tabLst/>
+              <a:defRPr lang="en-US" sz="2800" kern="1200" noProof="0">
+                <a:solidFill>
+                  <a:schemeClr val="tx1"/>
+                </a:solidFill>
+                <a:latin typeface="+mn-lt"/>
+                <a:ea typeface="+mn-ea"/>
+                <a:cs typeface="+mn-cs"/>
+              </a:defRPr>
+            </a:lvl2pPr>
+            <a:lvl3pPr marL="1143000" marR="0" indent="-228600" algn="l" defTabSz="914400" rtl="0" eaLnBrk="1" fontAlgn="auto" latinLnBrk="0" hangingPunct="1">
+              <a:lnSpc>
+                <a:spcPct val="90000"/>
+              </a:lnSpc>
+              <a:spcBef>
+                <a:spcPts val="500"/>
+              </a:spcBef>
+              <a:spcAft>
+                <a:spcPts val="0"/>
+              </a:spcAft>
+              <a:buClr>
+                <a:srgbClr val="FF9797"/>
+              </a:buClr>
+              <a:buSzPct val="70000"/>
+              <a:buFont typeface="Wingdings 3" panose="05040102010807070707" pitchFamily="18" charset="2"/>
+              <a:buChar char=""/>
+              <a:tabLst/>
+              <a:defRPr lang="en-US" sz="2800" kern="1200" noProof="0">
+                <a:solidFill>
+                  <a:schemeClr val="tx1"/>
+                </a:solidFill>
+                <a:latin typeface="+mn-lt"/>
+                <a:ea typeface="+mn-ea"/>
+                <a:cs typeface="+mn-cs"/>
+              </a:defRPr>
+            </a:lvl3pPr>
+            <a:lvl4pPr marL="1600200" marR="0" indent="-228600" algn="l" defTabSz="914400" rtl="0" eaLnBrk="1" fontAlgn="auto" latinLnBrk="0" hangingPunct="1">
+              <a:lnSpc>
+                <a:spcPct val="90000"/>
+              </a:lnSpc>
+              <a:spcBef>
+                <a:spcPts val="500"/>
+              </a:spcBef>
+              <a:spcAft>
+                <a:spcPts val="0"/>
+              </a:spcAft>
+              <a:buClr>
+                <a:srgbClr val="FF9B9B"/>
+              </a:buClr>
+              <a:buSzPct val="65000"/>
+              <a:buFont typeface="Wingdings 3" panose="05040102010807070707" pitchFamily="18" charset="2"/>
+              <a:buChar char=""/>
+              <a:tabLst/>
+              <a:defRPr lang="en-US" sz="2800" kern="1200" noProof="0">
+                <a:solidFill>
+                  <a:schemeClr val="tx1"/>
+                </a:solidFill>
+                <a:latin typeface="+mn-lt"/>
+                <a:ea typeface="+mn-ea"/>
+                <a:cs typeface="+mn-cs"/>
+              </a:defRPr>
+            </a:lvl4pPr>
+            <a:lvl5pPr marL="2057400" marR="0" indent="-228600" algn="l" defTabSz="914400" rtl="0" eaLnBrk="1" fontAlgn="auto" latinLnBrk="0" hangingPunct="1">
+              <a:lnSpc>
+                <a:spcPct val="90000"/>
+              </a:lnSpc>
+              <a:spcBef>
+                <a:spcPts val="500"/>
+              </a:spcBef>
+              <a:spcAft>
+                <a:spcPts val="0"/>
+              </a:spcAft>
+              <a:buClr>
+                <a:srgbClr val="FF9B9B"/>
+              </a:buClr>
+              <a:buSzPct val="60000"/>
+              <a:buFont typeface="Wingdings 3" panose="05040102010807070707" pitchFamily="18" charset="2"/>
+              <a:buChar char=""/>
+              <a:tabLst/>
+              <a:defRPr lang="en-US" sz="2800" kern="1200" noProof="0">
+                <a:solidFill>
+                  <a:schemeClr val="tx1"/>
+                </a:solidFill>
+                <a:latin typeface="+mn-lt"/>
+                <a:ea typeface="+mn-ea"/>
+                <a:cs typeface="+mn-cs"/>
+              </a:defRPr>
+            </a:lvl5pPr>
+            <a:lvl6pPr marL="2514600" indent="-228600" algn="l" defTabSz="914400" rtl="0" eaLnBrk="1" latinLnBrk="0" hangingPunct="1">
+              <a:lnSpc>
+                <a:spcPct val="90000"/>
+              </a:lnSpc>
+              <a:spcBef>
+                <a:spcPts val="500"/>
+              </a:spcBef>
+              <a:buFont typeface="Arial" panose="020B0604020202020204" pitchFamily="34" charset="0"/>
+              <a:buChar char="•"/>
+              <a:defRPr sz="1800" kern="1200">
+                <a:solidFill>
+                  <a:schemeClr val="tx1"/>
+                </a:solidFill>
+                <a:latin typeface="+mn-lt"/>
+                <a:ea typeface="+mn-ea"/>
+                <a:cs typeface="+mn-cs"/>
+              </a:defRPr>
+            </a:lvl6pPr>
+            <a:lvl7pPr marL="2971800" indent="-228600" algn="l" defTabSz="914400" rtl="0" eaLnBrk="1" latinLnBrk="0" hangingPunct="1">
+              <a:lnSpc>
+                <a:spcPct val="90000"/>
+              </a:lnSpc>
+              <a:spcBef>
+                <a:spcPts val="500"/>
+              </a:spcBef>
+              <a:buFont typeface="Arial" panose="020B0604020202020204" pitchFamily="34" charset="0"/>
+              <a:buChar char="•"/>
+              <a:defRPr sz="1800" kern="1200">
+                <a:solidFill>
+                  <a:schemeClr val="tx1"/>
+                </a:solidFill>
+                <a:latin typeface="+mn-lt"/>
+                <a:ea typeface="+mn-ea"/>
+                <a:cs typeface="+mn-cs"/>
+              </a:defRPr>
+            </a:lvl7pPr>
+            <a:lvl8pPr marL="3429000" indent="-228600" algn="l" defTabSz="914400" rtl="0" eaLnBrk="1" latinLnBrk="0" hangingPunct="1">
+              <a:lnSpc>
+                <a:spcPct val="90000"/>
+              </a:lnSpc>
+              <a:spcBef>
+                <a:spcPts val="500"/>
+              </a:spcBef>
+              <a:buFont typeface="Arial" panose="020B0604020202020204" pitchFamily="34" charset="0"/>
+              <a:buChar char="•"/>
+              <a:defRPr sz="1800" kern="1200">
+                <a:solidFill>
+                  <a:schemeClr val="tx1"/>
+                </a:solidFill>
+                <a:latin typeface="+mn-lt"/>
+                <a:ea typeface="+mn-ea"/>
+                <a:cs typeface="+mn-cs"/>
+              </a:defRPr>
+            </a:lvl8pPr>
+            <a:lvl9pPr marL="3886200" indent="-228600" algn="l" defTabSz="914400" rtl="0" eaLnBrk="1" latinLnBrk="0" hangingPunct="1">
+              <a:lnSpc>
+                <a:spcPct val="90000"/>
+              </a:lnSpc>
+              <a:spcBef>
+                <a:spcPts val="500"/>
+              </a:spcBef>
+              <a:buFont typeface="Arial" panose="020B0604020202020204" pitchFamily="34" charset="0"/>
+              <a:buChar char="•"/>
+              <a:defRPr sz="1800" kern="1200">
+                <a:solidFill>
+                  <a:schemeClr val="tx1"/>
+                </a:solidFill>
+                <a:latin typeface="+mn-lt"/>
+                <a:ea typeface="+mn-ea"/>
+                <a:cs typeface="+mn-cs"/>
+              </a:defRPr>
+            </a:lvl9pPr>
+          </a:lstStyle>
+          <a:p>
+            <a:r>
+              <a:rPr lang="en-US" sz="2000" dirty="0"/>
+              <a:t>Technical Challenges: Scale Variation, Occlusion, Cluttered Backgrounds, Small Objects, Class Imbalance, Novel Objects, Light &amp; Weather, Viewpoint variability, Real-time (30-60 FPS), Distribution Shifts, Adversarial Patterns, Crowded scenes. </a:t>
+            </a:r>
+          </a:p>
+          <a:p>
+            <a:r>
+              <a:rPr lang="en-US" sz="2000" dirty="0"/>
+              <a:t>Data challenges: </a:t>
+            </a:r>
+          </a:p>
+          <a:p>
+            <a:pPr lvl="1"/>
+            <a:r>
+              <a:rPr lang="en-US" sz="2000" dirty="0"/>
+              <a:t>For Ground-truth data: Annotation, Validation, Data Augmentation (creating photo-realistic data)</a:t>
+            </a:r>
+          </a:p>
+          <a:p>
+            <a:pPr lvl="1"/>
+            <a:r>
+              <a:rPr lang="en-US" sz="2000" dirty="0"/>
+              <a:t>Coverage?</a:t>
+            </a:r>
+            <a:endParaRPr lang="en-US" dirty="0"/>
+          </a:p>
+          <a:p>
+            <a:endParaRPr lang="en-US" dirty="0"/>
+          </a:p>
+          <a:p>
+            <a:pPr marL="0" indent="0">
+              <a:buFont typeface="Wingdings 3" panose="05040102010807070707" pitchFamily="18" charset="2"/>
+              <a:buNone/>
+            </a:pPr>
+            <a:endParaRPr lang="en-US" dirty="0"/>
+          </a:p>
+        </p:txBody>
+      </p:sp>
     </p:spTree>
     <p:extLst>
       <p:ext uri="{BB962C8B-B14F-4D97-AF65-F5344CB8AC3E}">
-        <p14:creationId xmlns:p14="http://schemas.microsoft.com/office/powerpoint/2010/main" val="3486965311"/>
+        <p14:creationId xmlns:p14="http://schemas.microsoft.com/office/powerpoint/2010/main" val="3938385767"/>
       </p:ext>
     </p:extLst>
   </p:cSld>
@@ -6727,7 +7164,7 @@
           <p:cNvPr id="2" name="Content Placeholder 1">
             <a:extLst>
               <a:ext uri="{FF2B5EF4-FFF2-40B4-BE49-F238E27FC236}">
-                <a16:creationId xmlns:a16="http://schemas.microsoft.com/office/drawing/2014/main" id="{443B31DB-0053-4ACA-AB07-FAA5BE56F4D4}"/>
+                <a16:creationId xmlns:a16="http://schemas.microsoft.com/office/drawing/2014/main" id="{20FB1BDC-8AF8-629F-F74B-41949BFDF7C1}"/>
               </a:ext>
             </a:extLst>
           </p:cNvPr>
@@ -6738,113 +7175,63 @@
             <p:ph idx="1"/>
           </p:nvPr>
         </p:nvSpPr>
-        <p:spPr/>
+        <p:spPr>
+          <a:xfrm>
+            <a:off x="166681" y="1095375"/>
+            <a:ext cx="11891969" cy="4588665"/>
+          </a:xfrm>
+        </p:spPr>
         <p:txBody>
-          <a:bodyPr>
-            <a:normAutofit/>
-          </a:bodyPr>
+          <a:bodyPr/>
           <a:lstStyle/>
           <a:p>
-            <a:pPr marL="0" indent="0">
-              <a:buNone/>
-            </a:pPr>
+            <a:r>
+              <a:rPr lang="en-US" sz="2400" dirty="0"/>
+              <a:t>Multi-Object Tracking</a:t>
+            </a:r>
+          </a:p>
+          <a:p>
+            <a:pPr lvl="1"/>
+            <a:r>
+              <a:rPr lang="en-US" sz="2400" dirty="0"/>
+              <a:t>Maintaining persistence of object IDs across frames</a:t>
+            </a:r>
+          </a:p>
+          <a:p>
+            <a:pPr lvl="1"/>
+            <a:r>
+              <a:rPr lang="en-US" sz="2400" dirty="0"/>
+              <a:t>Tracking = </a:t>
+            </a:r>
             <a:r>
               <a:rPr lang="en-US" sz="2000" dirty="0"/>
-              <a:t>[1] Understanding CNNs: </a:t>
-            </a:r>
-            <a:r>
-              <a:rPr lang="en-US" sz="2000" dirty="0">
-                <a:hlinkClick r:id="rId3"/>
-              </a:rPr>
-              <a:t>https://adeshpande3.github.io/A-Beginner%27s-Guide-To-Understanding-Convolutional-Neural-Networks/</a:t>
-            </a:r>
-            <a:endParaRPr lang="en-US" sz="2000" dirty="0"/>
-          </a:p>
-          <a:p>
-            <a:pPr marL="0" indent="0">
-              <a:buNone/>
-            </a:pPr>
-            <a:r>
-              <a:rPr lang="en-US" sz="2000" dirty="0"/>
-              <a:t>[2] I. </a:t>
-            </a:r>
-            <a:r>
-              <a:rPr lang="en-US" sz="2000" dirty="0" err="1"/>
-              <a:t>Goodfellow</a:t>
-            </a:r>
-            <a:r>
-              <a:rPr lang="en-US" sz="2000" dirty="0"/>
-              <a:t>, Y. </a:t>
-            </a:r>
-            <a:r>
-              <a:rPr lang="en-US" sz="2000" dirty="0" err="1"/>
-              <a:t>Bengio</a:t>
-            </a:r>
-            <a:r>
-              <a:rPr lang="en-US" sz="2000" dirty="0"/>
-              <a:t>, A. </a:t>
-            </a:r>
-            <a:r>
-              <a:rPr lang="en-US" sz="2000" dirty="0" err="1"/>
-              <a:t>Courville</a:t>
-            </a:r>
-            <a:r>
-              <a:rPr lang="en-US" sz="2000" dirty="0"/>
-              <a:t>, Deep Learning, MIT Press.</a:t>
-            </a:r>
-          </a:p>
-          <a:p>
-            <a:pPr marL="0" indent="0">
-              <a:buNone/>
-            </a:pPr>
-            <a:r>
-              <a:rPr lang="en-US" sz="2000" dirty="0"/>
-              <a:t>[3] https://towardsdatascience.com/deep-learning-for-object-detection-a-comprehensive-review-73930816d8d9</a:t>
-            </a:r>
-          </a:p>
-          <a:p>
-            <a:pPr marL="0" indent="0">
-              <a:buNone/>
-            </a:pPr>
-            <a:r>
-              <a:rPr lang="en-US" sz="2000" dirty="0"/>
-              <a:t>[4] </a:t>
-            </a:r>
-            <a:r>
-              <a:rPr lang="en-US" sz="2000" dirty="0">
-                <a:hlinkClick r:id="rId4"/>
-              </a:rPr>
-              <a:t>https://towardsdatascience.com/yolo-you-only-look-once-real-time-object-detection-explained-492dc9230006</a:t>
-            </a:r>
-            <a:endParaRPr lang="en-US" sz="2000" dirty="0"/>
-          </a:p>
-          <a:p>
-            <a:pPr marL="0" indent="0">
-              <a:buNone/>
-            </a:pPr>
-            <a:r>
-              <a:rPr lang="en-US" sz="2000" dirty="0"/>
-              <a:t>[5] </a:t>
-            </a:r>
-            <a:r>
-              <a:rPr lang="en-US" sz="2000" dirty="0">
-                <a:hlinkClick r:id="rId5"/>
-              </a:rPr>
-              <a:t>https://pjreddie.com/darknet/yolo/</a:t>
-            </a:r>
-            <a:endParaRPr lang="en-US" sz="2000" dirty="0"/>
-          </a:p>
-          <a:p>
-            <a:pPr marL="0" indent="0">
-              <a:buNone/>
-            </a:pPr>
-            <a:r>
-              <a:rPr lang="en-US" sz="2000" dirty="0"/>
-              <a:t>[6] YOLO algorithm: https://arxiv.org/abs/1506.02640</a:t>
-            </a:r>
-          </a:p>
-          <a:p>
-            <a:endParaRPr lang="en-US" sz="2000" dirty="0"/>
+              <a:t>Object Detection + State Estimation + Data Association + Track management</a:t>
+            </a:r>
+          </a:p>
+          <a:p>
+            <a:r>
+              <a:rPr lang="en-US" sz="2400" dirty="0"/>
+              <a:t>State Estimation: KFs</a:t>
+            </a:r>
+            <a:endParaRPr lang="en-US" dirty="0"/>
+          </a:p>
+          <a:p>
+            <a:r>
+              <a:rPr lang="en-US" sz="2400" dirty="0"/>
+              <a:t>Data Association: JPDA (joint prob. data assoc.) or MHT (multi-hypothesis tracking)</a:t>
+            </a:r>
+          </a:p>
+          <a:p>
+            <a:endParaRPr lang="en-US" sz="2400" dirty="0"/>
+          </a:p>
+          <a:p>
+            <a:r>
+              <a:rPr lang="en-US" sz="2400" dirty="0"/>
+              <a:t>Prediction: Discussed earlier</a:t>
+            </a:r>
+          </a:p>
+          <a:p>
+            <a:endParaRPr lang="en-US" dirty="0"/>
           </a:p>
         </p:txBody>
       </p:sp>
@@ -6853,7 +7240,7 @@
           <p:cNvPr id="3" name="Title 2">
             <a:extLst>
               <a:ext uri="{FF2B5EF4-FFF2-40B4-BE49-F238E27FC236}">
-                <a16:creationId xmlns:a16="http://schemas.microsoft.com/office/drawing/2014/main" id="{13374E1B-00F2-4169-9F7C-626F4E5E3162}"/>
+                <a16:creationId xmlns:a16="http://schemas.microsoft.com/office/drawing/2014/main" id="{5A460B3C-DA6E-A31E-0BE5-6049178D5897}"/>
               </a:ext>
             </a:extLst>
           </p:cNvPr>
@@ -6871,7 +7258,7 @@
           <a:p>
             <a:r>
               <a:rPr lang="en-US" dirty="0"/>
-              <a:t>References</a:t>
+              <a:t>Tracking &amp; Prediction	</a:t>
             </a:r>
           </a:p>
         </p:txBody>
@@ -6881,7 +7268,7 @@
           <p:cNvPr id="4" name="Slide Number Placeholder 3">
             <a:extLst>
               <a:ext uri="{FF2B5EF4-FFF2-40B4-BE49-F238E27FC236}">
-                <a16:creationId xmlns:a16="http://schemas.microsoft.com/office/drawing/2014/main" id="{38F04E8A-17D2-42D9-B301-4FED92AA8752}"/>
+                <a16:creationId xmlns:a16="http://schemas.microsoft.com/office/drawing/2014/main" id="{56662625-6F9A-51A1-37B6-5F13C1C268FC}"/>
               </a:ext>
             </a:extLst>
           </p:cNvPr>
@@ -6909,7 +7296,7 @@
     </p:spTree>
     <p:extLst>
       <p:ext uri="{BB962C8B-B14F-4D97-AF65-F5344CB8AC3E}">
-        <p14:creationId xmlns:p14="http://schemas.microsoft.com/office/powerpoint/2010/main" val="2258268650"/>
+        <p14:creationId xmlns:p14="http://schemas.microsoft.com/office/powerpoint/2010/main" val="3249195732"/>
       </p:ext>
     </p:extLst>
   </p:cSld>
@@ -6941,7 +7328,7 @@
           <p:cNvPr id="2" name="Content Placeholder 1">
             <a:extLst>
               <a:ext uri="{FF2B5EF4-FFF2-40B4-BE49-F238E27FC236}">
-                <a16:creationId xmlns:a16="http://schemas.microsoft.com/office/drawing/2014/main" id="{30827D2D-913A-4E5A-917A-87BE68EBBF05}"/>
+                <a16:creationId xmlns:a16="http://schemas.microsoft.com/office/drawing/2014/main" id="{E4E89F4D-8BB5-4355-AB0C-9DB56D0987DA}"/>
               </a:ext>
             </a:extLst>
           </p:cNvPr>
@@ -6952,103 +7339,49 @@
             <p:ph idx="1"/>
           </p:nvPr>
         </p:nvSpPr>
-        <p:spPr/>
+        <p:spPr>
+          <a:xfrm>
+            <a:off x="166681" y="1828799"/>
+            <a:ext cx="11699087" cy="3855241"/>
+          </a:xfrm>
+        </p:spPr>
         <p:txBody>
-          <a:bodyPr>
-            <a:normAutofit/>
-          </a:bodyPr>
+          <a:bodyPr/>
           <a:lstStyle/>
           <a:p>
-            <a:pPr>
-              <a:buFont typeface="+mj-lt"/>
-              <a:buAutoNum type="arabicPeriod"/>
-            </a:pPr>
-            <a:r>
-              <a:rPr lang="en-US" sz="2000" dirty="0"/>
-              <a:t>O. J. Woodman, An introduction to inertial navigation - Cambridge Computer Laboratory, </a:t>
-            </a:r>
-            <a:r>
-              <a:rPr lang="en-US" sz="2000" i="1" dirty="0">
-                <a:hlinkClick r:id="rId2"/>
-              </a:rPr>
-              <a:t>https://www.cl.cam.ac.uk/techreports/UCAM-CL-TR-696.pdf</a:t>
-            </a:r>
-            <a:endParaRPr lang="en-US" sz="2000" i="1" dirty="0"/>
-          </a:p>
-          <a:p>
-            <a:pPr>
-              <a:buFont typeface="+mj-lt"/>
-              <a:buAutoNum type="arabicPeriod"/>
-            </a:pPr>
-            <a:r>
-              <a:rPr lang="en-US" sz="2000" dirty="0"/>
-              <a:t>Pendleton, Scott Drew, Hans Andersen, </a:t>
-            </a:r>
-            <a:r>
-              <a:rPr lang="en-US" sz="2000" dirty="0" err="1"/>
-              <a:t>Xinxin</a:t>
-            </a:r>
-            <a:r>
-              <a:rPr lang="en-US" sz="2000" dirty="0"/>
-              <a:t> Du, </a:t>
-            </a:r>
-            <a:r>
-              <a:rPr lang="en-US" sz="2000" dirty="0" err="1"/>
-              <a:t>Xiaotong</a:t>
-            </a:r>
-            <a:r>
-              <a:rPr lang="en-US" sz="2000" dirty="0"/>
-              <a:t> Shen, Malika </a:t>
-            </a:r>
-            <a:r>
-              <a:rPr lang="en-US" sz="2000" dirty="0" err="1"/>
-              <a:t>Meghjani</a:t>
-            </a:r>
-            <a:r>
-              <a:rPr lang="en-US" sz="2000" dirty="0"/>
-              <a:t>, You Hong </a:t>
-            </a:r>
-            <a:r>
-              <a:rPr lang="en-US" sz="2000" dirty="0" err="1"/>
-              <a:t>Eng</a:t>
-            </a:r>
-            <a:r>
-              <a:rPr lang="en-US" sz="2000" dirty="0"/>
-              <a:t>, Daniela Rus, and Marcelo H. Ang. "Perception, planning, control, and coordination for autonomous vehicles." </a:t>
-            </a:r>
-            <a:r>
-              <a:rPr lang="en-US" sz="2000" i="1" dirty="0"/>
-              <a:t>Machines</a:t>
-            </a:r>
-            <a:r>
-              <a:rPr lang="en-US" sz="2000" dirty="0"/>
-              <a:t> 5, no. 1 (2017): 6.</a:t>
-            </a:r>
-          </a:p>
-          <a:p>
-            <a:pPr>
-              <a:buFont typeface="+mj-lt"/>
-              <a:buAutoNum type="arabicPeriod"/>
-            </a:pPr>
-            <a:r>
-              <a:rPr lang="en-US" sz="2000" dirty="0"/>
-              <a:t>S. Liu, L. Li, J. Tang, S. Wu, Jean-Luc </a:t>
-            </a:r>
-            <a:r>
-              <a:rPr lang="en-US" sz="2000" dirty="0" err="1"/>
-              <a:t>Gaudiot</a:t>
-            </a:r>
-            <a:r>
-              <a:rPr lang="en-US" sz="2000" dirty="0"/>
-              <a:t>, Creating Autonomous Vehicle Systems, Morgan &amp; Claypool 2018.</a:t>
-            </a:r>
-          </a:p>
-          <a:p>
-            <a:pPr>
-              <a:buFont typeface="+mj-lt"/>
-              <a:buAutoNum type="arabicPeriod"/>
-            </a:pPr>
-            <a:endParaRPr lang="en-US" sz="2000" dirty="0"/>
+            <a:r>
+              <a:rPr lang="en-US" dirty="0"/>
+              <a:t>Most common approach is to use odometry + GPS + Kalman filter</a:t>
+            </a:r>
+          </a:p>
+          <a:p>
+            <a:r>
+              <a:rPr lang="en-US" dirty="0"/>
+              <a:t>This becomes unreliable in urban environments, tunnels, tall buildings etc. where GPS signal quality is poor</a:t>
+            </a:r>
+          </a:p>
+          <a:p>
+            <a:r>
+              <a:rPr lang="en-US" dirty="0"/>
+              <a:t>Map-aided localization:</a:t>
+            </a:r>
+          </a:p>
+          <a:p>
+            <a:pPr lvl="1"/>
+            <a:r>
+              <a:rPr lang="en-US" dirty="0"/>
+              <a:t>Use local features to achieve precise localization</a:t>
+            </a:r>
+          </a:p>
+          <a:p>
+            <a:pPr lvl="1"/>
+            <a:r>
+              <a:rPr lang="en-US" dirty="0"/>
+              <a:t>SLAM (simultaneous localization and mapping): most popular approach</a:t>
+            </a:r>
+          </a:p>
+          <a:p>
+            <a:endParaRPr lang="en-US" dirty="0"/>
           </a:p>
         </p:txBody>
       </p:sp>
@@ -7057,7 +7390,7 @@
           <p:cNvPr id="3" name="Title 2">
             <a:extLst>
               <a:ext uri="{FF2B5EF4-FFF2-40B4-BE49-F238E27FC236}">
-                <a16:creationId xmlns:a16="http://schemas.microsoft.com/office/drawing/2014/main" id="{4DE9B7B7-D647-489B-BC3A-30FF1847E114}"/>
+                <a16:creationId xmlns:a16="http://schemas.microsoft.com/office/drawing/2014/main" id="{1BF8A393-F21C-4689-B67D-CB9E17116BB1}"/>
               </a:ext>
             </a:extLst>
           </p:cNvPr>
@@ -7075,7 +7408,7 @@
           <a:p>
             <a:r>
               <a:rPr lang="en-US" dirty="0"/>
-              <a:t>Bibliography</a:t>
+              <a:t>Localization</a:t>
             </a:r>
           </a:p>
         </p:txBody>
@@ -7085,7 +7418,7 @@
           <p:cNvPr id="4" name="Slide Number Placeholder 3">
             <a:extLst>
               <a:ext uri="{FF2B5EF4-FFF2-40B4-BE49-F238E27FC236}">
-                <a16:creationId xmlns:a16="http://schemas.microsoft.com/office/drawing/2014/main" id="{ED3DFF38-383D-4BD7-9F71-BFF25271B128}"/>
+                <a16:creationId xmlns:a16="http://schemas.microsoft.com/office/drawing/2014/main" id="{14D18727-E399-4CD0-9615-5AD53868DA24}"/>
               </a:ext>
             </a:extLst>
           </p:cNvPr>
@@ -7113,7 +7446,7 @@
     </p:spTree>
     <p:extLst>
       <p:ext uri="{BB962C8B-B14F-4D97-AF65-F5344CB8AC3E}">
-        <p14:creationId xmlns:p14="http://schemas.microsoft.com/office/powerpoint/2010/main" val="1935277000"/>
+        <p14:creationId xmlns:p14="http://schemas.microsoft.com/office/powerpoint/2010/main" val="169076259"/>
       </p:ext>
     </p:extLst>
   </p:cSld>
@@ -7278,7 +7611,456 @@
           <p:cNvPr id="2" name="Content Placeholder 1">
             <a:extLst>
               <a:ext uri="{FF2B5EF4-FFF2-40B4-BE49-F238E27FC236}">
-                <a16:creationId xmlns:a16="http://schemas.microsoft.com/office/drawing/2014/main" id="{30827D2D-913A-4E5A-917A-87BE68EBBF05}"/>
+                <a16:creationId xmlns:a16="http://schemas.microsoft.com/office/drawing/2014/main" id="{8B9B83DB-8312-4D6F-9459-DAA26C59A99E}"/>
+              </a:ext>
+            </a:extLst>
+          </p:cNvPr>
+          <p:cNvSpPr>
+            <a:spLocks noGrp="1"/>
+          </p:cNvSpPr>
+          <p:nvPr>
+            <p:ph idx="1"/>
+          </p:nvPr>
+        </p:nvSpPr>
+        <p:spPr/>
+        <p:txBody>
+          <a:bodyPr/>
+          <a:lstStyle/>
+          <a:p>
+            <a:r>
+              <a:rPr lang="en-US" dirty="0"/>
+              <a:t>ACPS moves reaching a new point of view of its location</a:t>
+            </a:r>
+          </a:p>
+          <a:p>
+            <a:pPr lvl="1"/>
+            <a:r>
+              <a:rPr lang="en-US" b="1" i="1" dirty="0"/>
+              <a:t>Motion model </a:t>
+            </a:r>
+            <a:r>
+              <a:rPr lang="en-US" dirty="0"/>
+              <a:t>captures car motion, but could be inaccurate because of actuation errors</a:t>
+            </a:r>
+          </a:p>
+          <a:p>
+            <a:r>
+              <a:rPr lang="en-US" dirty="0"/>
+              <a:t>ACPS discovers interesting features in the environment that need to be incorporated into the map</a:t>
+            </a:r>
+          </a:p>
+          <a:p>
+            <a:pPr lvl="1"/>
+            <a:r>
+              <a:rPr lang="en-US" dirty="0"/>
+              <a:t>Features are called landmarks; because of sensor errors, positions of landmarks will be uncertain. </a:t>
+            </a:r>
+          </a:p>
+          <a:p>
+            <a:pPr lvl="1"/>
+            <a:r>
+              <a:rPr lang="en-US" dirty="0"/>
+              <a:t>Mathematical model to determine position of landmarks from observation is called </a:t>
+            </a:r>
+            <a:r>
+              <a:rPr lang="en-US" b="1" i="1" dirty="0"/>
+              <a:t>inverse observation model</a:t>
+            </a:r>
+            <a:endParaRPr lang="en-US" dirty="0"/>
+          </a:p>
+          <a:p>
+            <a:endParaRPr lang="en-US" dirty="0"/>
+          </a:p>
+        </p:txBody>
+      </p:sp>
+      <p:sp>
+        <p:nvSpPr>
+          <p:cNvPr id="3" name="Title 2">
+            <a:extLst>
+              <a:ext uri="{FF2B5EF4-FFF2-40B4-BE49-F238E27FC236}">
+                <a16:creationId xmlns:a16="http://schemas.microsoft.com/office/drawing/2014/main" id="{618AFCBF-EC40-4E2A-B8A2-76A49AB50393}"/>
+              </a:ext>
+            </a:extLst>
+          </p:cNvPr>
+          <p:cNvSpPr>
+            <a:spLocks noGrp="1"/>
+          </p:cNvSpPr>
+          <p:nvPr>
+            <p:ph type="title"/>
+          </p:nvPr>
+        </p:nvSpPr>
+        <p:spPr/>
+        <p:txBody>
+          <a:bodyPr/>
+          <a:lstStyle/>
+          <a:p>
+            <a:r>
+              <a:rPr lang="en-US" dirty="0"/>
+              <a:t>Main steps in SLAM</a:t>
+            </a:r>
+          </a:p>
+        </p:txBody>
+      </p:sp>
+      <p:sp>
+        <p:nvSpPr>
+          <p:cNvPr id="4" name="Slide Number Placeholder 3">
+            <a:extLst>
+              <a:ext uri="{FF2B5EF4-FFF2-40B4-BE49-F238E27FC236}">
+                <a16:creationId xmlns:a16="http://schemas.microsoft.com/office/drawing/2014/main" id="{DC1024D1-7E92-46EC-A398-90511710920C}"/>
+              </a:ext>
+            </a:extLst>
+          </p:cNvPr>
+          <p:cNvSpPr>
+            <a:spLocks noGrp="1"/>
+          </p:cNvSpPr>
+          <p:nvPr>
+            <p:ph type="sldNum" sz="quarter" idx="12"/>
+          </p:nvPr>
+        </p:nvSpPr>
+        <p:spPr/>
+        <p:txBody>
+          <a:bodyPr/>
+          <a:lstStyle/>
+          <a:p>
+            <a:fld id="{29AAD378-655A-49C6-813C-9FD132EF7440}" type="slidenum">
+              <a:rPr lang="en-US" smtClean="0"/>
+              <a:pPr/>
+              <a:t>30</a:t>
+            </a:fld>
+            <a:endParaRPr lang="en-US" dirty="0"/>
+          </a:p>
+        </p:txBody>
+      </p:sp>
+    </p:spTree>
+    <p:extLst>
+      <p:ext uri="{BB962C8B-B14F-4D97-AF65-F5344CB8AC3E}">
+        <p14:creationId xmlns:p14="http://schemas.microsoft.com/office/powerpoint/2010/main" val="2427386556"/>
+      </p:ext>
+    </p:extLst>
+  </p:cSld>
+  <p:clrMapOvr>
+    <a:masterClrMapping/>
+  </p:clrMapOvr>
+</p:sld>
+</file>
+
+<file path=ppt/slides/slide31.xml><?xml version="1.0" encoding="utf-8"?>
+<p:sld xmlns:a="http://schemas.openxmlformats.org/drawingml/2006/main" xmlns:r="http://schemas.openxmlformats.org/officeDocument/2006/relationships" xmlns:p="http://schemas.openxmlformats.org/presentationml/2006/main">
+  <p:cSld>
+    <p:spTree>
+      <p:nvGrpSpPr>
+        <p:cNvPr id="1" name=""/>
+        <p:cNvGrpSpPr/>
+        <p:nvPr/>
+      </p:nvGrpSpPr>
+      <p:grpSpPr>
+        <a:xfrm>
+          <a:off x="0" y="0"/>
+          <a:ext cx="0" cy="0"/>
+          <a:chOff x="0" y="0"/>
+          <a:chExt cx="0" cy="0"/>
+        </a:xfrm>
+      </p:grpSpPr>
+      <p:sp>
+        <p:nvSpPr>
+          <p:cNvPr id="2" name="Content Placeholder 1">
+            <a:extLst>
+              <a:ext uri="{FF2B5EF4-FFF2-40B4-BE49-F238E27FC236}">
+                <a16:creationId xmlns:a16="http://schemas.microsoft.com/office/drawing/2014/main" id="{3FFE3526-84A1-4040-BBDE-29448989D0CA}"/>
+              </a:ext>
+            </a:extLst>
+          </p:cNvPr>
+          <p:cNvSpPr>
+            <a:spLocks noGrp="1"/>
+          </p:cNvSpPr>
+          <p:nvPr>
+            <p:ph idx="1"/>
+          </p:nvPr>
+        </p:nvSpPr>
+        <p:spPr>
+          <a:xfrm>
+            <a:off x="166681" y="1692613"/>
+            <a:ext cx="11699087" cy="3991428"/>
+          </a:xfrm>
+        </p:spPr>
+        <p:txBody>
+          <a:bodyPr/>
+          <a:lstStyle/>
+          <a:p>
+            <a:r>
+              <a:rPr lang="en-US" dirty="0"/>
+              <a:t>ACPS observes previously mapped landmarks and uses them to correct its self-localization and positions of landmarks in the map</a:t>
+            </a:r>
+          </a:p>
+          <a:p>
+            <a:pPr lvl="1"/>
+            <a:r>
+              <a:rPr lang="en-US" dirty="0"/>
+              <a:t>Localization and landmark uncertainties decrease</a:t>
+            </a:r>
+          </a:p>
+          <a:p>
+            <a:pPr lvl="1"/>
+            <a:r>
+              <a:rPr lang="en-US" dirty="0"/>
+              <a:t>Predict values of measurement from predicted landmark location and robot localization is called </a:t>
+            </a:r>
+            <a:r>
+              <a:rPr lang="en-US" b="1" i="1" dirty="0"/>
+              <a:t>direct observation model</a:t>
+            </a:r>
+          </a:p>
+          <a:p>
+            <a:r>
+              <a:rPr lang="en-US" dirty="0"/>
+              <a:t>SLAM = above three models + an estimator (EKF is common)</a:t>
+            </a:r>
+          </a:p>
+          <a:p>
+            <a:r>
+              <a:rPr lang="en-US" dirty="0"/>
+              <a:t>SLAM viewed as a Bayesian filtering problem</a:t>
+            </a:r>
+          </a:p>
+        </p:txBody>
+      </p:sp>
+      <p:sp>
+        <p:nvSpPr>
+          <p:cNvPr id="3" name="Title 2">
+            <a:extLst>
+              <a:ext uri="{FF2B5EF4-FFF2-40B4-BE49-F238E27FC236}">
+                <a16:creationId xmlns:a16="http://schemas.microsoft.com/office/drawing/2014/main" id="{BF65A936-AE72-4D89-BD32-7910C4CDD731}"/>
+              </a:ext>
+            </a:extLst>
+          </p:cNvPr>
+          <p:cNvSpPr>
+            <a:spLocks noGrp="1"/>
+          </p:cNvSpPr>
+          <p:nvPr>
+            <p:ph type="title"/>
+          </p:nvPr>
+        </p:nvSpPr>
+        <p:spPr/>
+        <p:txBody>
+          <a:bodyPr/>
+          <a:lstStyle/>
+          <a:p>
+            <a:r>
+              <a:rPr lang="en-US" dirty="0"/>
+              <a:t>Main steps in SLAM (continued)</a:t>
+            </a:r>
+          </a:p>
+        </p:txBody>
+      </p:sp>
+      <p:sp>
+        <p:nvSpPr>
+          <p:cNvPr id="4" name="Slide Number Placeholder 3">
+            <a:extLst>
+              <a:ext uri="{FF2B5EF4-FFF2-40B4-BE49-F238E27FC236}">
+                <a16:creationId xmlns:a16="http://schemas.microsoft.com/office/drawing/2014/main" id="{256C3E72-06D5-4E02-9C3F-A8E3A2D7F8EF}"/>
+              </a:ext>
+            </a:extLst>
+          </p:cNvPr>
+          <p:cNvSpPr>
+            <a:spLocks noGrp="1"/>
+          </p:cNvSpPr>
+          <p:nvPr>
+            <p:ph type="sldNum" sz="quarter" idx="12"/>
+          </p:nvPr>
+        </p:nvSpPr>
+        <p:spPr/>
+        <p:txBody>
+          <a:bodyPr/>
+          <a:lstStyle/>
+          <a:p>
+            <a:fld id="{29AAD378-655A-49C6-813C-9FD132EF7440}" type="slidenum">
+              <a:rPr lang="en-US" smtClean="0"/>
+              <a:pPr/>
+              <a:t>31</a:t>
+            </a:fld>
+            <a:endParaRPr lang="en-US" dirty="0"/>
+          </a:p>
+        </p:txBody>
+      </p:sp>
+    </p:spTree>
+    <p:extLst>
+      <p:ext uri="{BB962C8B-B14F-4D97-AF65-F5344CB8AC3E}">
+        <p14:creationId xmlns:p14="http://schemas.microsoft.com/office/powerpoint/2010/main" val="2081108600"/>
+      </p:ext>
+    </p:extLst>
+  </p:cSld>
+  <p:clrMapOvr>
+    <a:masterClrMapping/>
+  </p:clrMapOvr>
+</p:sld>
+</file>
+
+<file path=ppt/slides/slide32.xml><?xml version="1.0" encoding="utf-8"?>
+<p:sld xmlns:a="http://schemas.openxmlformats.org/drawingml/2006/main" xmlns:r="http://schemas.openxmlformats.org/officeDocument/2006/relationships" xmlns:p="http://schemas.openxmlformats.org/presentationml/2006/main">
+  <p:cSld>
+    <p:spTree>
+      <p:nvGrpSpPr>
+        <p:cNvPr id="1" name=""/>
+        <p:cNvGrpSpPr/>
+        <p:nvPr/>
+      </p:nvGrpSpPr>
+      <p:grpSpPr>
+        <a:xfrm>
+          <a:off x="0" y="0"/>
+          <a:ext cx="0" cy="0"/>
+          <a:chOff x="0" y="0"/>
+          <a:chExt cx="0" cy="0"/>
+        </a:xfrm>
+      </p:grpSpPr>
+      <p:sp>
+        <p:nvSpPr>
+          <p:cNvPr id="2" name="Content Placeholder 1">
+            <a:extLst>
+              <a:ext uri="{FF2B5EF4-FFF2-40B4-BE49-F238E27FC236}">
+                <a16:creationId xmlns:a16="http://schemas.microsoft.com/office/drawing/2014/main" id="{EE58871E-DB14-44C2-A700-E025B28A4088}"/>
+              </a:ext>
+            </a:extLst>
+          </p:cNvPr>
+          <p:cNvSpPr>
+            <a:spLocks noGrp="1"/>
+          </p:cNvSpPr>
+          <p:nvPr>
+            <p:ph idx="1"/>
+          </p:nvPr>
+        </p:nvSpPr>
+        <p:spPr/>
+        <p:txBody>
+          <a:bodyPr/>
+          <a:lstStyle/>
+          <a:p>
+            <a:r>
+              <a:rPr lang="en-US" dirty="0"/>
+              <a:t>We already learned about Kalman filter that can help do sensor fusion for localization using INS and GPU</a:t>
+            </a:r>
+          </a:p>
+          <a:p>
+            <a:r>
+              <a:rPr lang="en-US" dirty="0"/>
+              <a:t>Sensor fusion for camera and LiDAR data requires new algorithms</a:t>
+            </a:r>
+          </a:p>
+          <a:p>
+            <a:r>
+              <a:rPr lang="en-US" dirty="0"/>
+              <a:t>Centralized algorithms based on conditional random fields, Markov random fields, and decentralized algorithms based on boosting and Gaussian mixture models have been explored</a:t>
+            </a:r>
+          </a:p>
+          <a:p>
+            <a:r>
+              <a:rPr lang="en-US" dirty="0"/>
+              <a:t>Deep learning is also being explored for doing sensor fusion</a:t>
+            </a:r>
+          </a:p>
+          <a:p>
+            <a:r>
+              <a:rPr lang="en-US" dirty="0"/>
+              <a:t>Note: these approaches are exploratory, and there is no standard algorithm accepted by all</a:t>
+            </a:r>
+          </a:p>
+          <a:p>
+            <a:endParaRPr lang="en-US" dirty="0"/>
+          </a:p>
+        </p:txBody>
+      </p:sp>
+      <p:sp>
+        <p:nvSpPr>
+          <p:cNvPr id="3" name="Title 2">
+            <a:extLst>
+              <a:ext uri="{FF2B5EF4-FFF2-40B4-BE49-F238E27FC236}">
+                <a16:creationId xmlns:a16="http://schemas.microsoft.com/office/drawing/2014/main" id="{CC9504F1-EA59-461B-A9C5-EDBAE751D2F7}"/>
+              </a:ext>
+            </a:extLst>
+          </p:cNvPr>
+          <p:cNvSpPr>
+            <a:spLocks noGrp="1"/>
+          </p:cNvSpPr>
+          <p:nvPr>
+            <p:ph type="title"/>
+          </p:nvPr>
+        </p:nvSpPr>
+        <p:spPr/>
+        <p:txBody>
+          <a:bodyPr/>
+          <a:lstStyle/>
+          <a:p>
+            <a:r>
+              <a:rPr lang="en-US" dirty="0"/>
+              <a:t>Sensor Fusion</a:t>
+            </a:r>
+          </a:p>
+        </p:txBody>
+      </p:sp>
+      <p:sp>
+        <p:nvSpPr>
+          <p:cNvPr id="4" name="Slide Number Placeholder 3">
+            <a:extLst>
+              <a:ext uri="{FF2B5EF4-FFF2-40B4-BE49-F238E27FC236}">
+                <a16:creationId xmlns:a16="http://schemas.microsoft.com/office/drawing/2014/main" id="{08293374-0C04-4B22-89F7-F08ECD1CFE7F}"/>
+              </a:ext>
+            </a:extLst>
+          </p:cNvPr>
+          <p:cNvSpPr>
+            <a:spLocks noGrp="1"/>
+          </p:cNvSpPr>
+          <p:nvPr>
+            <p:ph type="sldNum" sz="quarter" idx="12"/>
+          </p:nvPr>
+        </p:nvSpPr>
+        <p:spPr/>
+        <p:txBody>
+          <a:bodyPr/>
+          <a:lstStyle/>
+          <a:p>
+            <a:fld id="{29AAD378-655A-49C6-813C-9FD132EF7440}" type="slidenum">
+              <a:rPr lang="en-US" smtClean="0"/>
+              <a:pPr/>
+              <a:t>32</a:t>
+            </a:fld>
+            <a:endParaRPr lang="en-US" dirty="0"/>
+          </a:p>
+        </p:txBody>
+      </p:sp>
+    </p:spTree>
+    <p:extLst>
+      <p:ext uri="{BB962C8B-B14F-4D97-AF65-F5344CB8AC3E}">
+        <p14:creationId xmlns:p14="http://schemas.microsoft.com/office/powerpoint/2010/main" val="3486965311"/>
+      </p:ext>
+    </p:extLst>
+  </p:cSld>
+  <p:clrMapOvr>
+    <a:masterClrMapping/>
+  </p:clrMapOvr>
+</p:sld>
+</file>
+
+<file path=ppt/slides/slide33.xml><?xml version="1.0" encoding="utf-8"?>
+<p:sld xmlns:a="http://schemas.openxmlformats.org/drawingml/2006/main" xmlns:r="http://schemas.openxmlformats.org/officeDocument/2006/relationships" xmlns:p="http://schemas.openxmlformats.org/presentationml/2006/main">
+  <p:cSld>
+    <p:spTree>
+      <p:nvGrpSpPr>
+        <p:cNvPr id="1" name=""/>
+        <p:cNvGrpSpPr/>
+        <p:nvPr/>
+      </p:nvGrpSpPr>
+      <p:grpSpPr>
+        <a:xfrm>
+          <a:off x="0" y="0"/>
+          <a:ext cx="0" cy="0"/>
+          <a:chOff x="0" y="0"/>
+          <a:chExt cx="0" cy="0"/>
+        </a:xfrm>
+      </p:grpSpPr>
+      <p:sp>
+        <p:nvSpPr>
+          <p:cNvPr id="2" name="Content Placeholder 1">
+            <a:extLst>
+              <a:ext uri="{FF2B5EF4-FFF2-40B4-BE49-F238E27FC236}">
+                <a16:creationId xmlns:a16="http://schemas.microsoft.com/office/drawing/2014/main" id="{443B31DB-0053-4ACA-AB07-FAA5BE56F4D4}"/>
               </a:ext>
             </a:extLst>
           </p:cNvPr>
@@ -7296,162 +8078,105 @@
           </a:bodyPr>
           <a:lstStyle/>
           <a:p>
-            <a:pPr>
-              <a:buFont typeface="+mj-lt"/>
-              <a:buAutoNum type="arabicPeriod"/>
+            <a:pPr marL="0" indent="0">
+              <a:buNone/>
             </a:pPr>
             <a:r>
               <a:rPr lang="en-US" sz="2000" dirty="0"/>
-              <a:t>Pendleton, Scott Drew, Hans Andersen, </a:t>
-            </a:r>
-            <a:r>
-              <a:rPr lang="en-US" sz="2000" dirty="0" err="1"/>
-              <a:t>Xinxin</a:t>
-            </a:r>
-            <a:r>
-              <a:rPr lang="en-US" sz="2000" dirty="0"/>
-              <a:t> Du, </a:t>
-            </a:r>
-            <a:r>
-              <a:rPr lang="en-US" sz="2000" dirty="0" err="1"/>
-              <a:t>Xiaotong</a:t>
-            </a:r>
-            <a:r>
-              <a:rPr lang="en-US" sz="2000" dirty="0"/>
-              <a:t> Shen, Malika </a:t>
-            </a:r>
-            <a:r>
-              <a:rPr lang="en-US" sz="2000" dirty="0" err="1"/>
-              <a:t>Meghjani</a:t>
-            </a:r>
-            <a:r>
-              <a:rPr lang="en-US" sz="2000" dirty="0"/>
-              <a:t>, You Hong </a:t>
-            </a:r>
-            <a:r>
-              <a:rPr lang="en-US" sz="2000" dirty="0" err="1"/>
-              <a:t>Eng</a:t>
-            </a:r>
-            <a:r>
-              <a:rPr lang="en-US" sz="2000" dirty="0"/>
-              <a:t>, Daniela Rus, and Marcelo H. Ang. "Perception, planning, control, and coordination for autonomous vehicles." </a:t>
-            </a:r>
-            <a:r>
-              <a:rPr lang="en-US" sz="2000" i="1" dirty="0"/>
-              <a:t>Machines</a:t>
-            </a:r>
-            <a:r>
-              <a:rPr lang="en-US" sz="2000" dirty="0"/>
-              <a:t> 5, no. 1 (2017): 6.</a:t>
-            </a:r>
-          </a:p>
-          <a:p>
-            <a:pPr>
-              <a:buFont typeface="+mj-lt"/>
-              <a:buAutoNum type="arabicPeriod"/>
-            </a:pPr>
-            <a:r>
-              <a:rPr lang="en-US" sz="2000" dirty="0"/>
-              <a:t>Good introduction to Hough transform and various vision algorithms: </a:t>
-            </a:r>
-            <a:r>
-              <a:rPr lang="en-US" sz="2000" dirty="0">
-                <a:hlinkClick r:id="rId2"/>
-              </a:rPr>
-              <a:t>http://aishack.in/tutorials/hough-transform-normal/</a:t>
-            </a:r>
-            <a:endParaRPr lang="en-US" sz="2000" dirty="0"/>
-          </a:p>
-          <a:p>
-            <a:pPr>
-              <a:buFont typeface="+mj-lt"/>
-              <a:buAutoNum type="arabicPeriod"/>
-            </a:pPr>
-            <a:r>
-              <a:rPr lang="en-US" sz="2000" dirty="0"/>
-              <a:t>Hough transform basics: </a:t>
+              <a:t>[1] Understanding CNNs: </a:t>
             </a:r>
             <a:r>
               <a:rPr lang="en-US" sz="2000" dirty="0">
                 <a:hlinkClick r:id="rId3"/>
               </a:rPr>
-              <a:t>http://web.ipac.caltech.edu/staff/fmasci/home/astro_refs/HoughTrans_review.pdf</a:t>
+              <a:t>https://adeshpande3.github.io/A-Beginner%27s-Guide-To-Understanding-Convolutional-Neural-Networks/</a:t>
             </a:r>
             <a:endParaRPr lang="en-US" sz="2000" dirty="0"/>
           </a:p>
           <a:p>
-            <a:pPr>
-              <a:buFont typeface="+mj-lt"/>
-              <a:buAutoNum type="arabicPeriod"/>
+            <a:pPr marL="0" indent="0">
+              <a:buNone/>
             </a:pPr>
             <a:r>
               <a:rPr lang="en-US" sz="2000" dirty="0"/>
-              <a:t>Graph-based clustering: http://vision.stanford.edu/teaching/cs231b_spring1213/slides/segmentation.pdf</a:t>
-            </a:r>
-          </a:p>
-          <a:p>
-            <a:pPr>
-              <a:buFont typeface="+mj-lt"/>
-              <a:buAutoNum type="arabicPeriod"/>
+              <a:t>[2] I. </a:t>
+            </a:r>
+            <a:r>
+              <a:rPr lang="en-US" sz="2000" dirty="0" err="1"/>
+              <a:t>Goodfellow</a:t>
+            </a:r>
+            <a:r>
+              <a:rPr lang="en-US" sz="2000" dirty="0"/>
+              <a:t>, Y. </a:t>
+            </a:r>
+            <a:r>
+              <a:rPr lang="en-US" sz="2000" dirty="0" err="1"/>
+              <a:t>Bengio</a:t>
+            </a:r>
+            <a:r>
+              <a:rPr lang="en-US" sz="2000" dirty="0"/>
+              <a:t>, A. </a:t>
+            </a:r>
+            <a:r>
+              <a:rPr lang="en-US" sz="2000" dirty="0" err="1"/>
+              <a:t>Courville</a:t>
+            </a:r>
+            <a:r>
+              <a:rPr lang="en-US" sz="2000" dirty="0"/>
+              <a:t>, Deep Learning, MIT Press.</a:t>
+            </a:r>
+          </a:p>
+          <a:p>
+            <a:pPr marL="0" indent="0">
+              <a:buNone/>
             </a:pPr>
             <a:r>
               <a:rPr lang="en-US" sz="2000" dirty="0"/>
-              <a:t>MRF/CRF fundamentals </a:t>
+              <a:t>[3] https://towardsdatascience.com/deep-learning-for-object-detection-a-comprehensive-review-73930816d8d9</a:t>
+            </a:r>
+          </a:p>
+          <a:p>
+            <a:pPr marL="0" indent="0">
+              <a:buNone/>
+            </a:pPr>
+            <a:r>
+              <a:rPr lang="en-US" sz="2000" dirty="0"/>
+              <a:t>[4] </a:t>
             </a:r>
             <a:r>
               <a:rPr lang="en-US" sz="2000" dirty="0">
                 <a:hlinkClick r:id="rId4"/>
               </a:rPr>
-              <a:t>https://www.cs.umd.edu/~djacobs/CMSC828seg/MRFCRF.pdf</a:t>
+              <a:t>https://towardsdatascience.com/yolo-you-only-look-once-real-time-object-detection-explained-492dc9230006</a:t>
             </a:r>
             <a:endParaRPr lang="en-US" sz="2000" dirty="0"/>
           </a:p>
           <a:p>
-            <a:pPr>
-              <a:buFont typeface="+mj-lt"/>
-              <a:buAutoNum type="arabicPeriod"/>
+            <a:pPr marL="0" indent="0">
+              <a:buNone/>
             </a:pPr>
             <a:r>
               <a:rPr lang="en-US" sz="2000" dirty="0"/>
-              <a:t>Edge detection: </a:t>
+              <a:t>[5] </a:t>
             </a:r>
             <a:r>
               <a:rPr lang="en-US" sz="2000" dirty="0">
                 <a:hlinkClick r:id="rId5"/>
               </a:rPr>
-              <a:t>https://www.swarthmore.edu/NatSci/mzucker1/e27_s2016/filter-slides.pdf</a:t>
+              <a:t>https://pjreddie.com/darknet/yolo/</a:t>
             </a:r>
             <a:endParaRPr lang="en-US" sz="2000" dirty="0"/>
           </a:p>
           <a:p>
-            <a:pPr>
-              <a:buFont typeface="+mj-lt"/>
-              <a:buAutoNum type="arabicPeriod"/>
+            <a:pPr marL="0" indent="0">
+              <a:buNone/>
             </a:pPr>
             <a:r>
               <a:rPr lang="en-US" sz="2000" dirty="0"/>
-              <a:t>SLAM: </a:t>
-            </a:r>
-            <a:r>
-              <a:rPr lang="en-US" sz="2000" dirty="0">
-                <a:hlinkClick r:id="rId6"/>
-              </a:rPr>
-              <a:t>https://people.eecs.berkeley.edu/~pabbeel/cs287-fa09/readings/Durrant-Whyte_Bailey_SLAM-tutorial-I.pdf</a:t>
-            </a:r>
-            <a:endParaRPr lang="en-US" sz="2000" dirty="0"/>
-          </a:p>
-          <a:p>
-            <a:pPr>
-              <a:buFont typeface="+mj-lt"/>
-              <a:buAutoNum type="arabicPeriod"/>
-            </a:pPr>
-            <a:endParaRPr lang="en-US" sz="2000" dirty="0"/>
-          </a:p>
-          <a:p>
-            <a:pPr>
-              <a:buFont typeface="+mj-lt"/>
-              <a:buAutoNum type="arabicPeriod"/>
-            </a:pPr>
+              <a:t>[6] YOLO algorithm: https://arxiv.org/abs/1506.02640</a:t>
+            </a:r>
+          </a:p>
+          <a:p>
             <a:endParaRPr lang="en-US" sz="2000" dirty="0"/>
           </a:p>
         </p:txBody>
@@ -7461,7 +8186,7 @@
           <p:cNvPr id="3" name="Title 2">
             <a:extLst>
               <a:ext uri="{FF2B5EF4-FFF2-40B4-BE49-F238E27FC236}">
-                <a16:creationId xmlns:a16="http://schemas.microsoft.com/office/drawing/2014/main" id="{4DE9B7B7-D647-489B-BC3A-30FF1847E114}"/>
+                <a16:creationId xmlns:a16="http://schemas.microsoft.com/office/drawing/2014/main" id="{13374E1B-00F2-4169-9F7C-626F4E5E3162}"/>
               </a:ext>
             </a:extLst>
           </p:cNvPr>
@@ -7479,7 +8204,7 @@
           <a:p>
             <a:r>
               <a:rPr lang="en-US" dirty="0"/>
-              <a:t>Bibliography</a:t>
+              <a:t>References</a:t>
             </a:r>
           </a:p>
         </p:txBody>
@@ -7489,7 +8214,7 @@
           <p:cNvPr id="4" name="Slide Number Placeholder 3">
             <a:extLst>
               <a:ext uri="{FF2B5EF4-FFF2-40B4-BE49-F238E27FC236}">
-                <a16:creationId xmlns:a16="http://schemas.microsoft.com/office/drawing/2014/main" id="{ED3DFF38-383D-4BD7-9F71-BFF25271B128}"/>
+                <a16:creationId xmlns:a16="http://schemas.microsoft.com/office/drawing/2014/main" id="{38F04E8A-17D2-42D9-B301-4FED92AA8752}"/>
               </a:ext>
             </a:extLst>
           </p:cNvPr>
@@ -7508,7 +8233,482 @@
             <a:fld id="{29AAD378-655A-49C6-813C-9FD132EF7440}" type="slidenum">
               <a:rPr lang="en-US" smtClean="0"/>
               <a:pPr/>
-              <a:t>30</a:t>
+              <a:t>33</a:t>
+            </a:fld>
+            <a:endParaRPr lang="en-US" dirty="0"/>
+          </a:p>
+        </p:txBody>
+      </p:sp>
+    </p:spTree>
+    <p:extLst>
+      <p:ext uri="{BB962C8B-B14F-4D97-AF65-F5344CB8AC3E}">
+        <p14:creationId xmlns:p14="http://schemas.microsoft.com/office/powerpoint/2010/main" val="2258268650"/>
+      </p:ext>
+    </p:extLst>
+  </p:cSld>
+  <p:clrMapOvr>
+    <a:masterClrMapping/>
+  </p:clrMapOvr>
+</p:sld>
+</file>
+
+<file path=ppt/slides/slide34.xml><?xml version="1.0" encoding="utf-8"?>
+<p:sld xmlns:a="http://schemas.openxmlformats.org/drawingml/2006/main" xmlns:r="http://schemas.openxmlformats.org/officeDocument/2006/relationships" xmlns:p="http://schemas.openxmlformats.org/presentationml/2006/main">
+  <p:cSld>
+    <p:spTree>
+      <p:nvGrpSpPr>
+        <p:cNvPr id="1" name=""/>
+        <p:cNvGrpSpPr/>
+        <p:nvPr/>
+      </p:nvGrpSpPr>
+      <p:grpSpPr>
+        <a:xfrm>
+          <a:off x="0" y="0"/>
+          <a:ext cx="0" cy="0"/>
+          <a:chOff x="0" y="0"/>
+          <a:chExt cx="0" cy="0"/>
+        </a:xfrm>
+      </p:grpSpPr>
+      <p:sp>
+        <p:nvSpPr>
+          <p:cNvPr id="2" name="Content Placeholder 1">
+            <a:extLst>
+              <a:ext uri="{FF2B5EF4-FFF2-40B4-BE49-F238E27FC236}">
+                <a16:creationId xmlns:a16="http://schemas.microsoft.com/office/drawing/2014/main" id="{30827D2D-913A-4E5A-917A-87BE68EBBF05}"/>
+              </a:ext>
+            </a:extLst>
+          </p:cNvPr>
+          <p:cNvSpPr>
+            <a:spLocks noGrp="1"/>
+          </p:cNvSpPr>
+          <p:nvPr>
+            <p:ph idx="1"/>
+          </p:nvPr>
+        </p:nvSpPr>
+        <p:spPr/>
+        <p:txBody>
+          <a:bodyPr>
+            <a:normAutofit/>
+          </a:bodyPr>
+          <a:lstStyle/>
+          <a:p>
+            <a:pPr>
+              <a:buFont typeface="+mj-lt"/>
+              <a:buAutoNum type="arabicPeriod"/>
+            </a:pPr>
+            <a:r>
+              <a:rPr lang="en-US" sz="2000" dirty="0"/>
+              <a:t>O. J. Woodman, An introduction to inertial navigation - Cambridge Computer Laboratory, </a:t>
+            </a:r>
+            <a:r>
+              <a:rPr lang="en-US" sz="2000" i="1" dirty="0">
+                <a:hlinkClick r:id="rId2"/>
+              </a:rPr>
+              <a:t>https://www.cl.cam.ac.uk/techreports/UCAM-CL-TR-696.pdf</a:t>
+            </a:r>
+            <a:endParaRPr lang="en-US" sz="2000" i="1" dirty="0"/>
+          </a:p>
+          <a:p>
+            <a:pPr>
+              <a:buFont typeface="+mj-lt"/>
+              <a:buAutoNum type="arabicPeriod"/>
+            </a:pPr>
+            <a:r>
+              <a:rPr lang="en-US" sz="2000" dirty="0"/>
+              <a:t>Pendleton, Scott Drew, Hans Andersen, </a:t>
+            </a:r>
+            <a:r>
+              <a:rPr lang="en-US" sz="2000" dirty="0" err="1"/>
+              <a:t>Xinxin</a:t>
+            </a:r>
+            <a:r>
+              <a:rPr lang="en-US" sz="2000" dirty="0"/>
+              <a:t> Du, </a:t>
+            </a:r>
+            <a:r>
+              <a:rPr lang="en-US" sz="2000" dirty="0" err="1"/>
+              <a:t>Xiaotong</a:t>
+            </a:r>
+            <a:r>
+              <a:rPr lang="en-US" sz="2000" dirty="0"/>
+              <a:t> Shen, Malika </a:t>
+            </a:r>
+            <a:r>
+              <a:rPr lang="en-US" sz="2000" dirty="0" err="1"/>
+              <a:t>Meghjani</a:t>
+            </a:r>
+            <a:r>
+              <a:rPr lang="en-US" sz="2000" dirty="0"/>
+              <a:t>, You Hong </a:t>
+            </a:r>
+            <a:r>
+              <a:rPr lang="en-US" sz="2000" dirty="0" err="1"/>
+              <a:t>Eng</a:t>
+            </a:r>
+            <a:r>
+              <a:rPr lang="en-US" sz="2000" dirty="0"/>
+              <a:t>, Daniela Rus, and Marcelo H. Ang. "Perception, planning, control, and coordination for autonomous vehicles." </a:t>
+            </a:r>
+            <a:r>
+              <a:rPr lang="en-US" sz="2000" i="1" dirty="0"/>
+              <a:t>Machines</a:t>
+            </a:r>
+            <a:r>
+              <a:rPr lang="en-US" sz="2000" dirty="0"/>
+              <a:t> 5, no. 1 (2017): 6.</a:t>
+            </a:r>
+          </a:p>
+          <a:p>
+            <a:pPr>
+              <a:buFont typeface="+mj-lt"/>
+              <a:buAutoNum type="arabicPeriod"/>
+            </a:pPr>
+            <a:r>
+              <a:rPr lang="en-US" sz="2000" dirty="0"/>
+              <a:t>S. Liu, L. Li, J. Tang, S. Wu, Jean-Luc </a:t>
+            </a:r>
+            <a:r>
+              <a:rPr lang="en-US" sz="2000" dirty="0" err="1"/>
+              <a:t>Gaudiot</a:t>
+            </a:r>
+            <a:r>
+              <a:rPr lang="en-US" sz="2000" dirty="0"/>
+              <a:t>, Creating Autonomous Vehicle Systems, Morgan &amp; Claypool 2018.</a:t>
+            </a:r>
+          </a:p>
+          <a:p>
+            <a:pPr>
+              <a:buFont typeface="+mj-lt"/>
+              <a:buAutoNum type="arabicPeriod"/>
+            </a:pPr>
+            <a:endParaRPr lang="en-US" sz="2000" dirty="0"/>
+          </a:p>
+        </p:txBody>
+      </p:sp>
+      <p:sp>
+        <p:nvSpPr>
+          <p:cNvPr id="3" name="Title 2">
+            <a:extLst>
+              <a:ext uri="{FF2B5EF4-FFF2-40B4-BE49-F238E27FC236}">
+                <a16:creationId xmlns:a16="http://schemas.microsoft.com/office/drawing/2014/main" id="{4DE9B7B7-D647-489B-BC3A-30FF1847E114}"/>
+              </a:ext>
+            </a:extLst>
+          </p:cNvPr>
+          <p:cNvSpPr>
+            <a:spLocks noGrp="1"/>
+          </p:cNvSpPr>
+          <p:nvPr>
+            <p:ph type="title"/>
+          </p:nvPr>
+        </p:nvSpPr>
+        <p:spPr/>
+        <p:txBody>
+          <a:bodyPr/>
+          <a:lstStyle/>
+          <a:p>
+            <a:r>
+              <a:rPr lang="en-US" dirty="0"/>
+              <a:t>Bibliography</a:t>
+            </a:r>
+          </a:p>
+        </p:txBody>
+      </p:sp>
+      <p:sp>
+        <p:nvSpPr>
+          <p:cNvPr id="4" name="Slide Number Placeholder 3">
+            <a:extLst>
+              <a:ext uri="{FF2B5EF4-FFF2-40B4-BE49-F238E27FC236}">
+                <a16:creationId xmlns:a16="http://schemas.microsoft.com/office/drawing/2014/main" id="{ED3DFF38-383D-4BD7-9F71-BFF25271B128}"/>
+              </a:ext>
+            </a:extLst>
+          </p:cNvPr>
+          <p:cNvSpPr>
+            <a:spLocks noGrp="1"/>
+          </p:cNvSpPr>
+          <p:nvPr>
+            <p:ph type="sldNum" sz="quarter" idx="12"/>
+          </p:nvPr>
+        </p:nvSpPr>
+        <p:spPr/>
+        <p:txBody>
+          <a:bodyPr/>
+          <a:lstStyle/>
+          <a:p>
+            <a:fld id="{29AAD378-655A-49C6-813C-9FD132EF7440}" type="slidenum">
+              <a:rPr lang="en-US" smtClean="0"/>
+              <a:pPr/>
+              <a:t>34</a:t>
+            </a:fld>
+            <a:endParaRPr lang="en-US" dirty="0"/>
+          </a:p>
+        </p:txBody>
+      </p:sp>
+    </p:spTree>
+    <p:extLst>
+      <p:ext uri="{BB962C8B-B14F-4D97-AF65-F5344CB8AC3E}">
+        <p14:creationId xmlns:p14="http://schemas.microsoft.com/office/powerpoint/2010/main" val="1935277000"/>
+      </p:ext>
+    </p:extLst>
+  </p:cSld>
+  <p:clrMapOvr>
+    <a:masterClrMapping/>
+  </p:clrMapOvr>
+</p:sld>
+</file>
+
+<file path=ppt/slides/slide35.xml><?xml version="1.0" encoding="utf-8"?>
+<p:sld xmlns:a="http://schemas.openxmlformats.org/drawingml/2006/main" xmlns:r="http://schemas.openxmlformats.org/officeDocument/2006/relationships" xmlns:p="http://schemas.openxmlformats.org/presentationml/2006/main">
+  <p:cSld>
+    <p:spTree>
+      <p:nvGrpSpPr>
+        <p:cNvPr id="1" name=""/>
+        <p:cNvGrpSpPr/>
+        <p:nvPr/>
+      </p:nvGrpSpPr>
+      <p:grpSpPr>
+        <a:xfrm>
+          <a:off x="0" y="0"/>
+          <a:ext cx="0" cy="0"/>
+          <a:chOff x="0" y="0"/>
+          <a:chExt cx="0" cy="0"/>
+        </a:xfrm>
+      </p:grpSpPr>
+      <p:sp>
+        <p:nvSpPr>
+          <p:cNvPr id="2" name="Content Placeholder 1">
+            <a:extLst>
+              <a:ext uri="{FF2B5EF4-FFF2-40B4-BE49-F238E27FC236}">
+                <a16:creationId xmlns:a16="http://schemas.microsoft.com/office/drawing/2014/main" id="{30827D2D-913A-4E5A-917A-87BE68EBBF05}"/>
+              </a:ext>
+            </a:extLst>
+          </p:cNvPr>
+          <p:cNvSpPr>
+            <a:spLocks noGrp="1"/>
+          </p:cNvSpPr>
+          <p:nvPr>
+            <p:ph idx="1"/>
+          </p:nvPr>
+        </p:nvSpPr>
+        <p:spPr/>
+        <p:txBody>
+          <a:bodyPr>
+            <a:normAutofit/>
+          </a:bodyPr>
+          <a:lstStyle/>
+          <a:p>
+            <a:pPr>
+              <a:buFont typeface="+mj-lt"/>
+              <a:buAutoNum type="arabicPeriod"/>
+            </a:pPr>
+            <a:r>
+              <a:rPr lang="en-US" sz="2000" dirty="0"/>
+              <a:t>Pendleton, Scott Drew, Hans Andersen, </a:t>
+            </a:r>
+            <a:r>
+              <a:rPr lang="en-US" sz="2000" dirty="0" err="1"/>
+              <a:t>Xinxin</a:t>
+            </a:r>
+            <a:r>
+              <a:rPr lang="en-US" sz="2000" dirty="0"/>
+              <a:t> Du, </a:t>
+            </a:r>
+            <a:r>
+              <a:rPr lang="en-US" sz="2000" dirty="0" err="1"/>
+              <a:t>Xiaotong</a:t>
+            </a:r>
+            <a:r>
+              <a:rPr lang="en-US" sz="2000" dirty="0"/>
+              <a:t> Shen, Malika </a:t>
+            </a:r>
+            <a:r>
+              <a:rPr lang="en-US" sz="2000" dirty="0" err="1"/>
+              <a:t>Meghjani</a:t>
+            </a:r>
+            <a:r>
+              <a:rPr lang="en-US" sz="2000" dirty="0"/>
+              <a:t>, You Hong </a:t>
+            </a:r>
+            <a:r>
+              <a:rPr lang="en-US" sz="2000" dirty="0" err="1"/>
+              <a:t>Eng</a:t>
+            </a:r>
+            <a:r>
+              <a:rPr lang="en-US" sz="2000" dirty="0"/>
+              <a:t>, Daniela Rus, and Marcelo H. Ang. "Perception, planning, control, and coordination for autonomous vehicles." </a:t>
+            </a:r>
+            <a:r>
+              <a:rPr lang="en-US" sz="2000" i="1" dirty="0"/>
+              <a:t>Machines</a:t>
+            </a:r>
+            <a:r>
+              <a:rPr lang="en-US" sz="2000" dirty="0"/>
+              <a:t> 5, no. 1 (2017): 6.</a:t>
+            </a:r>
+          </a:p>
+          <a:p>
+            <a:pPr>
+              <a:buFont typeface="+mj-lt"/>
+              <a:buAutoNum type="arabicPeriod"/>
+            </a:pPr>
+            <a:r>
+              <a:rPr lang="en-US" sz="2000" dirty="0"/>
+              <a:t>Good introduction to Hough transform and various vision algorithms: </a:t>
+            </a:r>
+            <a:r>
+              <a:rPr lang="en-US" sz="2000" dirty="0">
+                <a:hlinkClick r:id="rId2"/>
+              </a:rPr>
+              <a:t>http://aishack.in/tutorials/hough-transform-normal/</a:t>
+            </a:r>
+            <a:endParaRPr lang="en-US" sz="2000" dirty="0"/>
+          </a:p>
+          <a:p>
+            <a:pPr>
+              <a:buFont typeface="+mj-lt"/>
+              <a:buAutoNum type="arabicPeriod"/>
+            </a:pPr>
+            <a:r>
+              <a:rPr lang="en-US" sz="2000" dirty="0"/>
+              <a:t>Hough transform basics: </a:t>
+            </a:r>
+            <a:r>
+              <a:rPr lang="en-US" sz="2000" dirty="0">
+                <a:hlinkClick r:id="rId3"/>
+              </a:rPr>
+              <a:t>http://web.ipac.caltech.edu/staff/fmasci/home/astro_refs/HoughTrans_review.pdf</a:t>
+            </a:r>
+            <a:endParaRPr lang="en-US" sz="2000" dirty="0"/>
+          </a:p>
+          <a:p>
+            <a:pPr>
+              <a:buFont typeface="+mj-lt"/>
+              <a:buAutoNum type="arabicPeriod"/>
+            </a:pPr>
+            <a:r>
+              <a:rPr lang="en-US" sz="2000" dirty="0"/>
+              <a:t>Graph-based clustering: http://vision.stanford.edu/teaching/cs231b_spring1213/slides/segmentation.pdf</a:t>
+            </a:r>
+          </a:p>
+          <a:p>
+            <a:pPr>
+              <a:buFont typeface="+mj-lt"/>
+              <a:buAutoNum type="arabicPeriod"/>
+            </a:pPr>
+            <a:r>
+              <a:rPr lang="en-US" sz="2000" dirty="0"/>
+              <a:t>MRF/CRF fundamentals </a:t>
+            </a:r>
+            <a:r>
+              <a:rPr lang="en-US" sz="2000" dirty="0">
+                <a:hlinkClick r:id="rId4"/>
+              </a:rPr>
+              <a:t>https://www.cs.umd.edu/~djacobs/CMSC828seg/MRFCRF.pdf</a:t>
+            </a:r>
+            <a:endParaRPr lang="en-US" sz="2000" dirty="0"/>
+          </a:p>
+          <a:p>
+            <a:pPr>
+              <a:buFont typeface="+mj-lt"/>
+              <a:buAutoNum type="arabicPeriod"/>
+            </a:pPr>
+            <a:r>
+              <a:rPr lang="en-US" sz="2000" dirty="0"/>
+              <a:t>Edge detection: </a:t>
+            </a:r>
+            <a:r>
+              <a:rPr lang="en-US" sz="2000" dirty="0">
+                <a:hlinkClick r:id="rId5"/>
+              </a:rPr>
+              <a:t>https://www.swarthmore.edu/NatSci/mzucker1/e27_s2016/filter-slides.pdf</a:t>
+            </a:r>
+            <a:endParaRPr lang="en-US" sz="2000" dirty="0"/>
+          </a:p>
+          <a:p>
+            <a:pPr>
+              <a:buFont typeface="+mj-lt"/>
+              <a:buAutoNum type="arabicPeriod"/>
+            </a:pPr>
+            <a:r>
+              <a:rPr lang="en-US" sz="2000" dirty="0"/>
+              <a:t>SLAM: </a:t>
+            </a:r>
+            <a:r>
+              <a:rPr lang="en-US" sz="2000" dirty="0">
+                <a:hlinkClick r:id="rId6"/>
+              </a:rPr>
+              <a:t>https://people.eecs.berkeley.edu/~pabbeel/cs287-fa09/readings/Durrant-Whyte_Bailey_SLAM-tutorial-I.pdf</a:t>
+            </a:r>
+            <a:endParaRPr lang="en-US" sz="2000" dirty="0"/>
+          </a:p>
+          <a:p>
+            <a:pPr>
+              <a:buFont typeface="+mj-lt"/>
+              <a:buAutoNum type="arabicPeriod"/>
+            </a:pPr>
+            <a:endParaRPr lang="en-US" sz="2000" dirty="0"/>
+          </a:p>
+          <a:p>
+            <a:pPr>
+              <a:buFont typeface="+mj-lt"/>
+              <a:buAutoNum type="arabicPeriod"/>
+            </a:pPr>
+            <a:endParaRPr lang="en-US" sz="2000" dirty="0"/>
+          </a:p>
+        </p:txBody>
+      </p:sp>
+      <p:sp>
+        <p:nvSpPr>
+          <p:cNvPr id="3" name="Title 2">
+            <a:extLst>
+              <a:ext uri="{FF2B5EF4-FFF2-40B4-BE49-F238E27FC236}">
+                <a16:creationId xmlns:a16="http://schemas.microsoft.com/office/drawing/2014/main" id="{4DE9B7B7-D647-489B-BC3A-30FF1847E114}"/>
+              </a:ext>
+            </a:extLst>
+          </p:cNvPr>
+          <p:cNvSpPr>
+            <a:spLocks noGrp="1"/>
+          </p:cNvSpPr>
+          <p:nvPr>
+            <p:ph type="title"/>
+          </p:nvPr>
+        </p:nvSpPr>
+        <p:spPr/>
+        <p:txBody>
+          <a:bodyPr/>
+          <a:lstStyle/>
+          <a:p>
+            <a:r>
+              <a:rPr lang="en-US" dirty="0"/>
+              <a:t>Bibliography</a:t>
+            </a:r>
+          </a:p>
+        </p:txBody>
+      </p:sp>
+      <p:sp>
+        <p:nvSpPr>
+          <p:cNvPr id="4" name="Slide Number Placeholder 3">
+            <a:extLst>
+              <a:ext uri="{FF2B5EF4-FFF2-40B4-BE49-F238E27FC236}">
+                <a16:creationId xmlns:a16="http://schemas.microsoft.com/office/drawing/2014/main" id="{ED3DFF38-383D-4BD7-9F71-BFF25271B128}"/>
+              </a:ext>
+            </a:extLst>
+          </p:cNvPr>
+          <p:cNvSpPr>
+            <a:spLocks noGrp="1"/>
+          </p:cNvSpPr>
+          <p:nvPr>
+            <p:ph type="sldNum" sz="quarter" idx="12"/>
+          </p:nvPr>
+        </p:nvSpPr>
+        <p:spPr/>
+        <p:txBody>
+          <a:bodyPr/>
+          <a:lstStyle/>
+          <a:p>
+            <a:fld id="{29AAD378-655A-49C6-813C-9FD132EF7440}" type="slidenum">
+              <a:rPr lang="en-US" smtClean="0"/>
+              <a:pPr/>
+              <a:t>35</a:t>
             </a:fld>
             <a:endParaRPr lang="en-US" dirty="0"/>
           </a:p>
@@ -11075,8 +12275,8 @@
           <a:chExt cx="0" cy="0"/>
         </a:xfrm>
       </p:grpSpPr>
-      <mc:AlternateContent xmlns:mc="http://schemas.openxmlformats.org/markup-compatibility/2006" xmlns:a14="http://schemas.microsoft.com/office/drawing/2010/main">
-        <mc:Choice Requires="a14">
+      <mc:AlternateContent xmlns:mc="http://schemas.openxmlformats.org/markup-compatibility/2006">
+        <mc:Choice xmlns:a14="http://schemas.microsoft.com/office/drawing/2010/main" Requires="a14">
           <p:sp>
             <p:nvSpPr>
               <p:cNvPr id="2" name="Content Placeholder 1">
@@ -11101,7 +12301,7 @@
             </p:spPr>
             <p:txBody>
               <a:bodyPr>
-                <a:normAutofit fontScale="92500" lnSpcReduction="10000"/>
+                <a:normAutofit/>
               </a:bodyPr>
               <a:lstStyle/>
               <a:p>
@@ -11132,6 +12332,282 @@
                   <a:t> HDL-64E use multi-beam light rays</a:t>
                 </a:r>
               </a:p>
+              <a:p>
+                <a:r>
+                  <a:rPr lang="en-US" dirty="0"/>
+                  <a:t>Components: Laser emitter, Scanning/Rotating Mirror, Receiver/Detector</a:t>
+                </a:r>
+              </a:p>
+              <a:p>
+                <a:r>
+                  <a:rPr lang="en-US" dirty="0"/>
+                  <a:t>How it works: Measures Time-of-Flight (</a:t>
+                </a:r>
+                <a:r>
+                  <a:rPr lang="en-US" dirty="0" err="1"/>
+                  <a:t>ToF</a:t>
+                </a:r>
+                <a:r>
+                  <a:rPr lang="en-US" dirty="0"/>
+                  <a:t>), and uses speed of light to estimate distance</a:t>
+                </a:r>
+              </a:p>
+              <a:p>
+                <a14:m>
+                  <m:oMath xmlns:m="http://schemas.openxmlformats.org/officeDocument/2006/math">
+                    <m:r>
+                      <a:rPr lang="en-US" b="0" i="1" smtClean="0">
+                        <a:latin typeface="Cambria Math" panose="02040503050406030204" pitchFamily="18" charset="0"/>
+                      </a:rPr>
+                      <m:t>𝑑</m:t>
+                    </m:r>
+                    <m:r>
+                      <a:rPr lang="en-US" b="0" i="1" smtClean="0">
+                        <a:latin typeface="Cambria Math" panose="02040503050406030204" pitchFamily="18" charset="0"/>
+                      </a:rPr>
+                      <m:t>=</m:t>
+                    </m:r>
+                    <m:f>
+                      <m:fPr>
+                        <m:ctrlPr>
+                          <a:rPr lang="en-US" b="0" i="1" smtClean="0">
+                            <a:latin typeface="Cambria Math" panose="02040503050406030204" pitchFamily="18" charset="0"/>
+                          </a:rPr>
+                        </m:ctrlPr>
+                      </m:fPr>
+                      <m:num>
+                        <m:r>
+                          <a:rPr lang="en-US" i="1">
+                            <a:latin typeface="Cambria Math" panose="02040503050406030204" pitchFamily="18" charset="0"/>
+                          </a:rPr>
+                          <m:t>𝑐</m:t>
+                        </m:r>
+                        <m:r>
+                          <a:rPr lang="en-US" b="0" i="1" smtClean="0">
+                            <a:latin typeface="Cambria Math" panose="02040503050406030204" pitchFamily="18" charset="0"/>
+                          </a:rPr>
+                          <m:t>⋅</m:t>
+                        </m:r>
+                        <m:r>
+                          <a:rPr lang="en-US" b="0" i="1" smtClean="0">
+                            <a:latin typeface="Cambria Math" panose="02040503050406030204" pitchFamily="18" charset="0"/>
+                          </a:rPr>
+                          <m:t>𝑡𝑜𝑓</m:t>
+                        </m:r>
+                      </m:num>
+                      <m:den>
+                        <m:r>
+                          <a:rPr lang="en-US" b="0" i="1" smtClean="0">
+                            <a:latin typeface="Cambria Math" panose="02040503050406030204" pitchFamily="18" charset="0"/>
+                          </a:rPr>
+                          <m:t>2</m:t>
+                        </m:r>
+                      </m:den>
+                    </m:f>
+                  </m:oMath>
+                </a14:m>
+                <a:endParaRPr lang="en-US" dirty="0"/>
+              </a:p>
+            </p:txBody>
+          </p:sp>
+        </mc:Choice>
+        <mc:Fallback>
+          <p:sp>
+            <p:nvSpPr>
+              <p:cNvPr id="2" name="Content Placeholder 1">
+                <a:extLst>
+                  <a:ext uri="{FF2B5EF4-FFF2-40B4-BE49-F238E27FC236}">
+                    <a16:creationId xmlns:a16="http://schemas.microsoft.com/office/drawing/2014/main" id="{3AA970C3-A0F1-470A-BBD4-3C653653452A}"/>
+                  </a:ext>
+                </a:extLst>
+              </p:cNvPr>
+              <p:cNvSpPr>
+                <a:spLocks noGrp="1" noRot="1" noChangeAspect="1" noMove="1" noResize="1" noEditPoints="1" noAdjustHandles="1" noChangeArrowheads="1" noChangeShapeType="1" noTextEdit="1"/>
+              </p:cNvSpPr>
+              <p:nvPr>
+                <p:ph idx="1"/>
+              </p:nvPr>
+            </p:nvSpPr>
+            <p:spPr>
+              <a:xfrm>
+                <a:off x="166681" y="1332703"/>
+                <a:ext cx="7518633" cy="4351338"/>
+              </a:xfrm>
+              <a:blipFill>
+                <a:blip r:embed="rId2"/>
+                <a:stretch>
+                  <a:fillRect l="-972" t="-2384" r="-567"/>
+                </a:stretch>
+              </a:blipFill>
+            </p:spPr>
+            <p:txBody>
+              <a:bodyPr/>
+              <a:lstStyle/>
+              <a:p>
+                <a:r>
+                  <a:rPr lang="en-US">
+                    <a:noFill/>
+                  </a:rPr>
+                  <a:t> </a:t>
+                </a:r>
+              </a:p>
+            </p:txBody>
+          </p:sp>
+        </mc:Fallback>
+      </mc:AlternateContent>
+      <p:sp>
+        <p:nvSpPr>
+          <p:cNvPr id="3" name="Title 2">
+            <a:extLst>
+              <a:ext uri="{FF2B5EF4-FFF2-40B4-BE49-F238E27FC236}">
+                <a16:creationId xmlns:a16="http://schemas.microsoft.com/office/drawing/2014/main" id="{1FBDB40B-1BFC-4C42-8F48-77AD0FC5A875}"/>
+              </a:ext>
+            </a:extLst>
+          </p:cNvPr>
+          <p:cNvSpPr>
+            <a:spLocks noGrp="1"/>
+          </p:cNvSpPr>
+          <p:nvPr>
+            <p:ph type="title"/>
+          </p:nvPr>
+        </p:nvSpPr>
+        <p:spPr/>
+        <p:txBody>
+          <a:bodyPr/>
+          <a:lstStyle/>
+          <a:p>
+            <a:r>
+              <a:rPr lang="en-US" dirty="0"/>
+              <a:t>Basics of LiDAR</a:t>
+            </a:r>
+          </a:p>
+        </p:txBody>
+      </p:sp>
+      <p:sp>
+        <p:nvSpPr>
+          <p:cNvPr id="4" name="Slide Number Placeholder 3">
+            <a:extLst>
+              <a:ext uri="{FF2B5EF4-FFF2-40B4-BE49-F238E27FC236}">
+                <a16:creationId xmlns:a16="http://schemas.microsoft.com/office/drawing/2014/main" id="{8C1B0F3D-8A39-4673-A8FA-781E507474A3}"/>
+              </a:ext>
+            </a:extLst>
+          </p:cNvPr>
+          <p:cNvSpPr>
+            <a:spLocks noGrp="1"/>
+          </p:cNvSpPr>
+          <p:nvPr>
+            <p:ph type="sldNum" sz="quarter" idx="12"/>
+          </p:nvPr>
+        </p:nvSpPr>
+        <p:spPr/>
+        <p:txBody>
+          <a:bodyPr/>
+          <a:lstStyle/>
+          <a:p>
+            <a:fld id="{29AAD378-655A-49C6-813C-9FD132EF7440}" type="slidenum">
+              <a:rPr lang="en-US" smtClean="0"/>
+              <a:pPr/>
+              <a:t>8</a:t>
+            </a:fld>
+            <a:endParaRPr lang="en-US" dirty="0"/>
+          </a:p>
+        </p:txBody>
+      </p:sp>
+      <p:pic>
+        <p:nvPicPr>
+          <p:cNvPr id="6" name="Picture 5">
+            <a:extLst>
+              <a:ext uri="{FF2B5EF4-FFF2-40B4-BE49-F238E27FC236}">
+                <a16:creationId xmlns:a16="http://schemas.microsoft.com/office/drawing/2014/main" id="{094078B6-75B0-47FE-9301-DF3BBD88AA91}"/>
+              </a:ext>
+            </a:extLst>
+          </p:cNvPr>
+          <p:cNvPicPr>
+            <a:picLocks noChangeAspect="1"/>
+          </p:cNvPicPr>
+          <p:nvPr/>
+        </p:nvPicPr>
+        <p:blipFill>
+          <a:blip r:embed="rId3">
+            <a:extLst>
+              <a:ext uri="{28A0092B-C50C-407E-A947-70E740481C1C}">
+                <a14:useLocalDpi xmlns:a14="http://schemas.microsoft.com/office/drawing/2010/main" val="0"/>
+              </a:ext>
+            </a:extLst>
+          </a:blip>
+          <a:stretch>
+            <a:fillRect/>
+          </a:stretch>
+        </p:blipFill>
+        <p:spPr>
+          <a:xfrm>
+            <a:off x="8017602" y="2329542"/>
+            <a:ext cx="3689984" cy="2084841"/>
+          </a:xfrm>
+          <a:prstGeom prst="rect">
+            <a:avLst/>
+          </a:prstGeom>
+        </p:spPr>
+      </p:pic>
+    </p:spTree>
+    <p:extLst>
+      <p:ext uri="{BB962C8B-B14F-4D97-AF65-F5344CB8AC3E}">
+        <p14:creationId xmlns:p14="http://schemas.microsoft.com/office/powerpoint/2010/main" val="279023778"/>
+      </p:ext>
+    </p:extLst>
+  </p:cSld>
+  <p:clrMapOvr>
+    <a:masterClrMapping/>
+  </p:clrMapOvr>
+</p:sld>
+</file>
+
+<file path=ppt/slides/slide9.xml><?xml version="1.0" encoding="utf-8"?>
+<p:sld xmlns:a="http://schemas.openxmlformats.org/drawingml/2006/main" xmlns:r="http://schemas.openxmlformats.org/officeDocument/2006/relationships" xmlns:p="http://schemas.openxmlformats.org/presentationml/2006/main">
+  <p:cSld>
+    <p:spTree>
+      <p:nvGrpSpPr>
+        <p:cNvPr id="1" name=""/>
+        <p:cNvGrpSpPr/>
+        <p:nvPr/>
+      </p:nvGrpSpPr>
+      <p:grpSpPr>
+        <a:xfrm>
+          <a:off x="0" y="0"/>
+          <a:ext cx="0" cy="0"/>
+          <a:chOff x="0" y="0"/>
+          <a:chExt cx="0" cy="0"/>
+        </a:xfrm>
+      </p:grpSpPr>
+      <mc:AlternateContent xmlns:mc="http://schemas.openxmlformats.org/markup-compatibility/2006">
+        <mc:Choice xmlns:a14="http://schemas.microsoft.com/office/drawing/2010/main" Requires="a14">
+          <p:sp>
+            <p:nvSpPr>
+              <p:cNvPr id="2" name="Content Placeholder 1">
+                <a:extLst>
+                  <a:ext uri="{FF2B5EF4-FFF2-40B4-BE49-F238E27FC236}">
+                    <a16:creationId xmlns:a16="http://schemas.microsoft.com/office/drawing/2014/main" id="{3AA970C3-A0F1-470A-BBD4-3C653653452A}"/>
+                  </a:ext>
+                </a:extLst>
+              </p:cNvPr>
+              <p:cNvSpPr>
+                <a:spLocks noGrp="1"/>
+              </p:cNvSpPr>
+              <p:nvPr>
+                <p:ph idx="1"/>
+              </p:nvPr>
+            </p:nvSpPr>
+            <p:spPr>
+              <a:xfrm>
+                <a:off x="166681" y="1332703"/>
+                <a:ext cx="7518633" cy="4351338"/>
+              </a:xfrm>
+            </p:spPr>
+            <p:txBody>
+              <a:bodyPr>
+                <a:normAutofit/>
+              </a:bodyPr>
+              <a:lstStyle/>
               <a:p>
                 <a:r>
                   <a:rPr lang="en-US" dirty="0"/>
@@ -11214,7 +12690,7 @@
             </p:txBody>
           </p:sp>
         </mc:Choice>
-        <mc:Fallback xmlns="">
+        <mc:Fallback>
           <p:sp>
             <p:nvSpPr>
               <p:cNvPr id="2" name="Content Placeholder 1">
@@ -11239,7 +12715,7 @@
               <a:blipFill>
                 <a:blip r:embed="rId2"/>
                 <a:stretch>
-                  <a:fillRect l="-810" t="-2945" r="-1540"/>
+                  <a:fillRect l="-972" t="-2384" r="-729"/>
                 </a:stretch>
               </a:blipFill>
             </p:spPr>
@@ -11310,7 +12786,7 @@
             <a:fld id="{29AAD378-655A-49C6-813C-9FD132EF7440}" type="slidenum">
               <a:rPr lang="en-US" smtClean="0"/>
               <a:pPr/>
-              <a:t>8</a:t>
+              <a:t>9</a:t>
             </a:fld>
             <a:endParaRPr lang="en-US" dirty="0"/>
           </a:p>
@@ -11355,158 +12831,7 @@
     </p:spTree>
     <p:extLst>
       <p:ext uri="{BB962C8B-B14F-4D97-AF65-F5344CB8AC3E}">
-        <p14:creationId xmlns:p14="http://schemas.microsoft.com/office/powerpoint/2010/main" val="279023778"/>
-      </p:ext>
-    </p:extLst>
-  </p:cSld>
-  <p:clrMapOvr>
-    <a:masterClrMapping/>
-  </p:clrMapOvr>
-</p:sld>
-</file>
-
-<file path=ppt/slides/slide9.xml><?xml version="1.0" encoding="utf-8"?>
-<p:sld xmlns:a="http://schemas.openxmlformats.org/drawingml/2006/main" xmlns:r="http://schemas.openxmlformats.org/officeDocument/2006/relationships" xmlns:p="http://schemas.openxmlformats.org/presentationml/2006/main">
-  <p:cSld>
-    <p:spTree>
-      <p:nvGrpSpPr>
-        <p:cNvPr id="1" name=""/>
-        <p:cNvGrpSpPr/>
-        <p:nvPr/>
-      </p:nvGrpSpPr>
-      <p:grpSpPr>
-        <a:xfrm>
-          <a:off x="0" y="0"/>
-          <a:ext cx="0" cy="0"/>
-          <a:chOff x="0" y="0"/>
-          <a:chExt cx="0" cy="0"/>
-        </a:xfrm>
-      </p:grpSpPr>
-      <p:sp>
-        <p:nvSpPr>
-          <p:cNvPr id="2" name="Content Placeholder 1">
-            <a:extLst>
-              <a:ext uri="{FF2B5EF4-FFF2-40B4-BE49-F238E27FC236}">
-                <a16:creationId xmlns:a16="http://schemas.microsoft.com/office/drawing/2014/main" id="{5BDD5CAE-485E-5FB3-EF53-9A83333061E0}"/>
-              </a:ext>
-            </a:extLst>
-          </p:cNvPr>
-          <p:cNvSpPr>
-            <a:spLocks noGrp="1"/>
-          </p:cNvSpPr>
-          <p:nvPr>
-            <p:ph idx="1"/>
-          </p:nvPr>
-        </p:nvSpPr>
-        <p:spPr>
-          <a:xfrm>
-            <a:off x="166682" y="1045391"/>
-            <a:ext cx="10567994" cy="778828"/>
-          </a:xfrm>
-        </p:spPr>
-        <p:txBody>
-          <a:bodyPr/>
-          <a:lstStyle/>
-          <a:p>
-            <a:r>
-              <a:rPr lang="en-US" dirty="0"/>
-              <a:t>Solid-state LiDAR : cheaper/smaller than mechanical LiDAR</a:t>
-            </a:r>
-          </a:p>
-        </p:txBody>
-      </p:sp>
-      <p:sp>
-        <p:nvSpPr>
-          <p:cNvPr id="3" name="Title 2">
-            <a:extLst>
-              <a:ext uri="{FF2B5EF4-FFF2-40B4-BE49-F238E27FC236}">
-                <a16:creationId xmlns:a16="http://schemas.microsoft.com/office/drawing/2014/main" id="{8A2D6186-6BFB-A724-B293-27660A5E8253}"/>
-              </a:ext>
-            </a:extLst>
-          </p:cNvPr>
-          <p:cNvSpPr>
-            <a:spLocks noGrp="1"/>
-          </p:cNvSpPr>
-          <p:nvPr>
-            <p:ph type="title"/>
-          </p:nvPr>
-        </p:nvSpPr>
-        <p:spPr/>
-        <p:txBody>
-          <a:bodyPr/>
-          <a:lstStyle/>
-          <a:p>
-            <a:r>
-              <a:rPr lang="en-US" dirty="0"/>
-              <a:t>Shift to solid-state LiDAR</a:t>
-            </a:r>
-          </a:p>
-        </p:txBody>
-      </p:sp>
-      <p:sp>
-        <p:nvSpPr>
-          <p:cNvPr id="4" name="Slide Number Placeholder 3">
-            <a:extLst>
-              <a:ext uri="{FF2B5EF4-FFF2-40B4-BE49-F238E27FC236}">
-                <a16:creationId xmlns:a16="http://schemas.microsoft.com/office/drawing/2014/main" id="{8D0D3BC7-5288-8517-4C8A-CD9C779F862E}"/>
-              </a:ext>
-            </a:extLst>
-          </p:cNvPr>
-          <p:cNvSpPr>
-            <a:spLocks noGrp="1"/>
-          </p:cNvSpPr>
-          <p:nvPr>
-            <p:ph type="sldNum" sz="quarter" idx="12"/>
-          </p:nvPr>
-        </p:nvSpPr>
-        <p:spPr/>
-        <p:txBody>
-          <a:bodyPr/>
-          <a:lstStyle/>
-          <a:p>
-            <a:fld id="{29AAD378-655A-49C6-813C-9FD132EF7440}" type="slidenum">
-              <a:rPr lang="en-US" smtClean="0"/>
-              <a:pPr/>
-              <a:t>9</a:t>
-            </a:fld>
-            <a:endParaRPr lang="en-US" dirty="0"/>
-          </a:p>
-        </p:txBody>
-      </p:sp>
-      <p:pic>
-        <p:nvPicPr>
-          <p:cNvPr id="5" name="Picture 4">
-            <a:extLst>
-              <a:ext uri="{FF2B5EF4-FFF2-40B4-BE49-F238E27FC236}">
-                <a16:creationId xmlns:a16="http://schemas.microsoft.com/office/drawing/2014/main" id="{C3B9E47E-AA2D-2378-1A86-80D994E01D2F}"/>
-              </a:ext>
-            </a:extLst>
-          </p:cNvPr>
-          <p:cNvPicPr>
-            <a:picLocks noChangeAspect="1"/>
-          </p:cNvPicPr>
-          <p:nvPr/>
-        </p:nvPicPr>
-        <p:blipFill>
-          <a:blip r:embed="rId2"/>
-          <a:stretch>
-            <a:fillRect/>
-          </a:stretch>
-        </p:blipFill>
-        <p:spPr>
-          <a:xfrm>
-            <a:off x="2035967" y="1710205"/>
-            <a:ext cx="6829424" cy="3835704"/>
-          </a:xfrm>
-          <a:prstGeom prst="rect">
-            <a:avLst/>
-          </a:prstGeom>
-        </p:spPr>
-      </p:pic>
-    </p:spTree>
-    <p:extLst>
-      <p:ext uri="{BB962C8B-B14F-4D97-AF65-F5344CB8AC3E}">
-        <p14:creationId xmlns:p14="http://schemas.microsoft.com/office/powerpoint/2010/main" val="311801897"/>
+        <p14:creationId xmlns:p14="http://schemas.microsoft.com/office/powerpoint/2010/main" val="398368939"/>
       </p:ext>
     </p:extLst>
   </p:cSld>
